--- a/Angular5.pptx
+++ b/Angular5.pptx
@@ -2,7 +2,7 @@
 <file path=ppt/presentation.xml><?xml version="1.0" encoding="utf-8"?>
 <p:presentation xmlns:a="http://schemas.openxmlformats.org/drawingml/2006/main" xmlns:r="http://schemas.openxmlformats.org/officeDocument/2006/relationships" xmlns:p="http://schemas.openxmlformats.org/presentationml/2006/main" saveSubsetFonts="1">
   <p:sldMasterIdLst>
-    <p:sldMasterId id="2147483648" r:id="rId1"/>
+    <p:sldMasterId id="2147483660" r:id="rId1"/>
   </p:sldMasterIdLst>
   <p:notesMasterIdLst>
     <p:notesMasterId r:id="rId18"/>
@@ -31,7 +31,7 @@
     <a:defPPr>
       <a:defRPr lang="en-US"/>
     </a:defPPr>
-    <a:lvl1pPr marL="0" algn="l" defTabSz="914400" rtl="0" eaLnBrk="1" latinLnBrk="0" hangingPunct="1">
+    <a:lvl1pPr marL="0" algn="l" defTabSz="457200" rtl="0" eaLnBrk="1" latinLnBrk="0" hangingPunct="1">
       <a:defRPr sz="1800" kern="1200">
         <a:solidFill>
           <a:schemeClr val="tx1"/>
@@ -41,7 +41,7 @@
         <a:cs typeface="+mn-cs"/>
       </a:defRPr>
     </a:lvl1pPr>
-    <a:lvl2pPr marL="457200" algn="l" defTabSz="914400" rtl="0" eaLnBrk="1" latinLnBrk="0" hangingPunct="1">
+    <a:lvl2pPr marL="457200" algn="l" defTabSz="457200" rtl="0" eaLnBrk="1" latinLnBrk="0" hangingPunct="1">
       <a:defRPr sz="1800" kern="1200">
         <a:solidFill>
           <a:schemeClr val="tx1"/>
@@ -51,7 +51,7 @@
         <a:cs typeface="+mn-cs"/>
       </a:defRPr>
     </a:lvl2pPr>
-    <a:lvl3pPr marL="914400" algn="l" defTabSz="914400" rtl="0" eaLnBrk="1" latinLnBrk="0" hangingPunct="1">
+    <a:lvl3pPr marL="914400" algn="l" defTabSz="457200" rtl="0" eaLnBrk="1" latinLnBrk="0" hangingPunct="1">
       <a:defRPr sz="1800" kern="1200">
         <a:solidFill>
           <a:schemeClr val="tx1"/>
@@ -61,7 +61,7 @@
         <a:cs typeface="+mn-cs"/>
       </a:defRPr>
     </a:lvl3pPr>
-    <a:lvl4pPr marL="1371600" algn="l" defTabSz="914400" rtl="0" eaLnBrk="1" latinLnBrk="0" hangingPunct="1">
+    <a:lvl4pPr marL="1371600" algn="l" defTabSz="457200" rtl="0" eaLnBrk="1" latinLnBrk="0" hangingPunct="1">
       <a:defRPr sz="1800" kern="1200">
         <a:solidFill>
           <a:schemeClr val="tx1"/>
@@ -71,7 +71,7 @@
         <a:cs typeface="+mn-cs"/>
       </a:defRPr>
     </a:lvl4pPr>
-    <a:lvl5pPr marL="1828800" algn="l" defTabSz="914400" rtl="0" eaLnBrk="1" latinLnBrk="0" hangingPunct="1">
+    <a:lvl5pPr marL="1828800" algn="l" defTabSz="457200" rtl="0" eaLnBrk="1" latinLnBrk="0" hangingPunct="1">
       <a:defRPr sz="1800" kern="1200">
         <a:solidFill>
           <a:schemeClr val="tx1"/>
@@ -81,7 +81,7 @@
         <a:cs typeface="+mn-cs"/>
       </a:defRPr>
     </a:lvl5pPr>
-    <a:lvl6pPr marL="2286000" algn="l" defTabSz="914400" rtl="0" eaLnBrk="1" latinLnBrk="0" hangingPunct="1">
+    <a:lvl6pPr marL="2286000" algn="l" defTabSz="457200" rtl="0" eaLnBrk="1" latinLnBrk="0" hangingPunct="1">
       <a:defRPr sz="1800" kern="1200">
         <a:solidFill>
           <a:schemeClr val="tx1"/>
@@ -91,7 +91,7 @@
         <a:cs typeface="+mn-cs"/>
       </a:defRPr>
     </a:lvl6pPr>
-    <a:lvl7pPr marL="2743200" algn="l" defTabSz="914400" rtl="0" eaLnBrk="1" latinLnBrk="0" hangingPunct="1">
+    <a:lvl7pPr marL="2743200" algn="l" defTabSz="457200" rtl="0" eaLnBrk="1" latinLnBrk="0" hangingPunct="1">
       <a:defRPr sz="1800" kern="1200">
         <a:solidFill>
           <a:schemeClr val="tx1"/>
@@ -101,7 +101,7 @@
         <a:cs typeface="+mn-cs"/>
       </a:defRPr>
     </a:lvl7pPr>
-    <a:lvl8pPr marL="3200400" algn="l" defTabSz="914400" rtl="0" eaLnBrk="1" latinLnBrk="0" hangingPunct="1">
+    <a:lvl8pPr marL="3200400" algn="l" defTabSz="457200" rtl="0" eaLnBrk="1" latinLnBrk="0" hangingPunct="1">
       <a:defRPr sz="1800" kern="1200">
         <a:solidFill>
           <a:schemeClr val="tx1"/>
@@ -111,7 +111,7 @@
         <a:cs typeface="+mn-cs"/>
       </a:defRPr>
     </a:lvl8pPr>
-    <a:lvl9pPr marL="3657600" algn="l" defTabSz="914400" rtl="0" eaLnBrk="1" latinLnBrk="0" hangingPunct="1">
+    <a:lvl9pPr marL="3657600" algn="l" defTabSz="457200" rtl="0" eaLnBrk="1" latinLnBrk="0" hangingPunct="1">
       <a:defRPr sz="1800" kern="1200">
         <a:solidFill>
           <a:schemeClr val="tx1"/>
@@ -122,6 +122,14 @@
       </a:defRPr>
     </a:lvl9pPr>
   </p:defaultTextStyle>
+  <p:extLst>
+    <p:ext uri="{EFAFB233-063F-42B5-8137-9DF3F51BA10A}">
+      <p15:sldGuideLst xmlns:p15="http://schemas.microsoft.com/office/powerpoint/2012/main"/>
+    </p:ext>
+    <p:ext uri="{2D200454-40CA-4A62-9FC3-DE9A4176ACB9}">
+      <p15:notesGuideLst xmlns:p15="http://schemas.microsoft.com/office/powerpoint/2012/main"/>
+    </p:ext>
+  </p:extLst>
 </p:presentation>
 </file>
 
@@ -207,7 +215,7 @@
           <a:p>
             <a:fld id="{C83809C2-0B73-4ADA-9B32-AABA62875D49}" type="datetimeFigureOut">
               <a:rPr lang="en-US" smtClean="0"/>
-              <a:t>3/7/2018</a:t>
+              <a:t>3/17/2018</a:t>
             </a:fld>
             <a:endParaRPr lang="en-US"/>
           </a:p>
@@ -727,7 +735,7 @@
 </file>
 
 <file path=ppt/slideLayouts/slideLayout1.xml><?xml version="1.0" encoding="utf-8"?>
-<p:sldLayout xmlns:a="http://schemas.openxmlformats.org/drawingml/2006/main" xmlns:r="http://schemas.openxmlformats.org/officeDocument/2006/relationships" xmlns:p="http://schemas.openxmlformats.org/presentationml/2006/main" type="title" preserve="1">
+<p:sldLayout xmlns:a="http://schemas.openxmlformats.org/drawingml/2006/main" xmlns:r="http://schemas.openxmlformats.org/officeDocument/2006/relationships" xmlns:p="http://schemas.openxmlformats.org/presentationml/2006/main" showMasterSp="0" type="title" preserve="1">
   <p:cSld name="Title Slide">
     <p:spTree>
       <p:nvGrpSpPr>
@@ -743,15 +751,539 @@
           <a:chExt cx="0" cy="0"/>
         </a:xfrm>
       </p:grpSpPr>
-      <p:sp>
-        <p:nvSpPr>
-          <p:cNvPr id="2" name="Title 1">
-            <a:extLst>
-              <a:ext uri="{FF2B5EF4-FFF2-40B4-BE49-F238E27FC236}">
-                <a16:creationId xmlns:a16="http://schemas.microsoft.com/office/drawing/2014/main" id="{BA52D577-D1B9-4F6E-BE99-DC6737D49645}"/>
-              </a:ext>
-            </a:extLst>
-          </p:cNvPr>
+      <p:grpSp>
+        <p:nvGrpSpPr>
+          <p:cNvPr id="7" name="Group 6"/>
+          <p:cNvGrpSpPr/>
+          <p:nvPr/>
+        </p:nvGrpSpPr>
+        <p:grpSpPr>
+          <a:xfrm>
+            <a:off x="0" y="-8467"/>
+            <a:ext cx="12192000" cy="6866467"/>
+            <a:chOff x="0" y="-8467"/>
+            <a:chExt cx="12192000" cy="6866467"/>
+          </a:xfrm>
+        </p:grpSpPr>
+        <p:cxnSp>
+          <p:nvCxnSpPr>
+            <p:cNvPr id="32" name="Straight Connector 31"/>
+            <p:cNvCxnSpPr/>
+            <p:nvPr/>
+          </p:nvCxnSpPr>
+          <p:spPr>
+            <a:xfrm>
+              <a:off x="9371012" y="0"/>
+              <a:ext cx="1219200" cy="6858000"/>
+            </a:xfrm>
+            <a:prstGeom prst="line">
+              <a:avLst/>
+            </a:prstGeom>
+            <a:ln w="9525">
+              <a:solidFill>
+                <a:schemeClr val="bg1">
+                  <a:lumMod val="75000"/>
+                </a:schemeClr>
+              </a:solidFill>
+            </a:ln>
+          </p:spPr>
+          <p:style>
+            <a:lnRef idx="2">
+              <a:schemeClr val="accent1"/>
+            </a:lnRef>
+            <a:fillRef idx="0">
+              <a:schemeClr val="accent1"/>
+            </a:fillRef>
+            <a:effectRef idx="1">
+              <a:schemeClr val="accent1"/>
+            </a:effectRef>
+            <a:fontRef idx="minor">
+              <a:schemeClr val="tx1"/>
+            </a:fontRef>
+          </p:style>
+        </p:cxnSp>
+        <p:cxnSp>
+          <p:nvCxnSpPr>
+            <p:cNvPr id="21" name="Straight Connector 20"/>
+            <p:cNvCxnSpPr/>
+            <p:nvPr/>
+          </p:nvCxnSpPr>
+          <p:spPr>
+            <a:xfrm flipH="1">
+              <a:off x="7425267" y="3681413"/>
+              <a:ext cx="4763558" cy="3176587"/>
+            </a:xfrm>
+            <a:prstGeom prst="line">
+              <a:avLst/>
+            </a:prstGeom>
+            <a:ln w="9525">
+              <a:solidFill>
+                <a:schemeClr val="bg1">
+                  <a:lumMod val="85000"/>
+                </a:schemeClr>
+              </a:solidFill>
+            </a:ln>
+          </p:spPr>
+          <p:style>
+            <a:lnRef idx="2">
+              <a:schemeClr val="accent1"/>
+            </a:lnRef>
+            <a:fillRef idx="0">
+              <a:schemeClr val="accent1"/>
+            </a:fillRef>
+            <a:effectRef idx="1">
+              <a:schemeClr val="accent1"/>
+            </a:effectRef>
+            <a:fontRef idx="minor">
+              <a:schemeClr val="tx1"/>
+            </a:fontRef>
+          </p:style>
+        </p:cxnSp>
+        <p:sp>
+          <p:nvSpPr>
+            <p:cNvPr id="24" name="Rectangle 23"/>
+            <p:cNvSpPr/>
+            <p:nvPr/>
+          </p:nvSpPr>
+          <p:spPr>
+            <a:xfrm>
+              <a:off x="9181476" y="-8467"/>
+              <a:ext cx="3007349" cy="6866467"/>
+            </a:xfrm>
+            <a:custGeom>
+              <a:avLst/>
+              <a:gdLst/>
+              <a:ahLst/>
+              <a:cxnLst/>
+              <a:rect l="l" t="t" r="r" b="b"/>
+              <a:pathLst>
+                <a:path w="3007349" h="6866467">
+                  <a:moveTo>
+                    <a:pt x="2045532" y="0"/>
+                  </a:moveTo>
+                  <a:lnTo>
+                    <a:pt x="3007349" y="0"/>
+                  </a:lnTo>
+                  <a:lnTo>
+                    <a:pt x="3007349" y="6866467"/>
+                  </a:lnTo>
+                  <a:lnTo>
+                    <a:pt x="0" y="6866467"/>
+                  </a:lnTo>
+                  <a:lnTo>
+                    <a:pt x="2045532" y="0"/>
+                  </a:lnTo>
+                  <a:close/>
+                </a:path>
+              </a:pathLst>
+            </a:custGeom>
+            <a:solidFill>
+              <a:schemeClr val="accent1">
+                <a:alpha val="30000"/>
+              </a:schemeClr>
+            </a:solidFill>
+            <a:ln>
+              <a:noFill/>
+            </a:ln>
+            <a:effectLst/>
+          </p:spPr>
+          <p:style>
+            <a:lnRef idx="1">
+              <a:schemeClr val="accent1"/>
+            </a:lnRef>
+            <a:fillRef idx="3">
+              <a:schemeClr val="accent1"/>
+            </a:fillRef>
+            <a:effectRef idx="2">
+              <a:schemeClr val="accent1"/>
+            </a:effectRef>
+            <a:fontRef idx="minor">
+              <a:schemeClr val="lt1"/>
+            </a:fontRef>
+          </p:style>
+        </p:sp>
+        <p:sp>
+          <p:nvSpPr>
+            <p:cNvPr id="26" name="Rectangle 25"/>
+            <p:cNvSpPr/>
+            <p:nvPr/>
+          </p:nvSpPr>
+          <p:spPr>
+            <a:xfrm>
+              <a:off x="9603442" y="-8467"/>
+              <a:ext cx="2588558" cy="6866467"/>
+            </a:xfrm>
+            <a:custGeom>
+              <a:avLst/>
+              <a:gdLst/>
+              <a:ahLst/>
+              <a:cxnLst/>
+              <a:rect l="l" t="t" r="r" b="b"/>
+              <a:pathLst>
+                <a:path w="2573311" h="6866467">
+                  <a:moveTo>
+                    <a:pt x="0" y="0"/>
+                  </a:moveTo>
+                  <a:lnTo>
+                    <a:pt x="2573311" y="0"/>
+                  </a:lnTo>
+                  <a:lnTo>
+                    <a:pt x="2573311" y="6866467"/>
+                  </a:lnTo>
+                  <a:lnTo>
+                    <a:pt x="1202336" y="6866467"/>
+                  </a:lnTo>
+                  <a:lnTo>
+                    <a:pt x="0" y="0"/>
+                  </a:lnTo>
+                  <a:close/>
+                </a:path>
+              </a:pathLst>
+            </a:custGeom>
+            <a:solidFill>
+              <a:schemeClr val="accent1">
+                <a:alpha val="20000"/>
+              </a:schemeClr>
+            </a:solidFill>
+            <a:ln>
+              <a:noFill/>
+            </a:ln>
+            <a:effectLst/>
+          </p:spPr>
+          <p:style>
+            <a:lnRef idx="1">
+              <a:schemeClr val="accent1"/>
+            </a:lnRef>
+            <a:fillRef idx="3">
+              <a:schemeClr val="accent1"/>
+            </a:fillRef>
+            <a:effectRef idx="2">
+              <a:schemeClr val="accent1"/>
+            </a:effectRef>
+            <a:fontRef idx="minor">
+              <a:schemeClr val="lt1"/>
+            </a:fontRef>
+          </p:style>
+        </p:sp>
+        <p:sp>
+          <p:nvSpPr>
+            <p:cNvPr id="27" name="Isosceles Triangle 26"/>
+            <p:cNvSpPr/>
+            <p:nvPr/>
+          </p:nvSpPr>
+          <p:spPr>
+            <a:xfrm>
+              <a:off x="8932333" y="3048000"/>
+              <a:ext cx="3259667" cy="3810000"/>
+            </a:xfrm>
+            <a:prstGeom prst="triangle">
+              <a:avLst>
+                <a:gd name="adj" fmla="val 100000"/>
+              </a:avLst>
+            </a:prstGeom>
+            <a:solidFill>
+              <a:schemeClr val="accent2">
+                <a:alpha val="72000"/>
+              </a:schemeClr>
+            </a:solidFill>
+            <a:ln>
+              <a:noFill/>
+            </a:ln>
+            <a:effectLst/>
+          </p:spPr>
+          <p:style>
+            <a:lnRef idx="1">
+              <a:schemeClr val="accent1"/>
+            </a:lnRef>
+            <a:fillRef idx="3">
+              <a:schemeClr val="accent1"/>
+            </a:fillRef>
+            <a:effectRef idx="2">
+              <a:schemeClr val="accent1"/>
+            </a:effectRef>
+            <a:fontRef idx="minor">
+              <a:schemeClr val="lt1"/>
+            </a:fontRef>
+          </p:style>
+        </p:sp>
+        <p:sp>
+          <p:nvSpPr>
+            <p:cNvPr id="28" name="Rectangle 27"/>
+            <p:cNvSpPr/>
+            <p:nvPr/>
+          </p:nvSpPr>
+          <p:spPr>
+            <a:xfrm>
+              <a:off x="9334500" y="-8467"/>
+              <a:ext cx="2854326" cy="6866467"/>
+            </a:xfrm>
+            <a:custGeom>
+              <a:avLst/>
+              <a:gdLst/>
+              <a:ahLst/>
+              <a:cxnLst/>
+              <a:rect l="l" t="t" r="r" b="b"/>
+              <a:pathLst>
+                <a:path w="2858013" h="6866467">
+                  <a:moveTo>
+                    <a:pt x="0" y="0"/>
+                  </a:moveTo>
+                  <a:lnTo>
+                    <a:pt x="2858013" y="0"/>
+                  </a:lnTo>
+                  <a:lnTo>
+                    <a:pt x="2858013" y="6866467"/>
+                  </a:lnTo>
+                  <a:lnTo>
+                    <a:pt x="2473942" y="6866467"/>
+                  </a:lnTo>
+                  <a:lnTo>
+                    <a:pt x="0" y="0"/>
+                  </a:lnTo>
+                  <a:close/>
+                </a:path>
+              </a:pathLst>
+            </a:custGeom>
+            <a:solidFill>
+              <a:schemeClr val="accent2">
+                <a:lumMod val="75000"/>
+                <a:alpha val="70000"/>
+              </a:schemeClr>
+            </a:solidFill>
+            <a:ln>
+              <a:noFill/>
+            </a:ln>
+            <a:effectLst/>
+          </p:spPr>
+          <p:style>
+            <a:lnRef idx="1">
+              <a:schemeClr val="accent1"/>
+            </a:lnRef>
+            <a:fillRef idx="3">
+              <a:schemeClr val="accent1"/>
+            </a:fillRef>
+            <a:effectRef idx="2">
+              <a:schemeClr val="accent1"/>
+            </a:effectRef>
+            <a:fontRef idx="minor">
+              <a:schemeClr val="lt1"/>
+            </a:fontRef>
+          </p:style>
+        </p:sp>
+        <p:sp>
+          <p:nvSpPr>
+            <p:cNvPr id="29" name="Rectangle 28"/>
+            <p:cNvSpPr/>
+            <p:nvPr/>
+          </p:nvSpPr>
+          <p:spPr>
+            <a:xfrm>
+              <a:off x="10898730" y="-8467"/>
+              <a:ext cx="1290094" cy="6866467"/>
+            </a:xfrm>
+            <a:custGeom>
+              <a:avLst/>
+              <a:gdLst/>
+              <a:ahLst/>
+              <a:cxnLst/>
+              <a:rect l="l" t="t" r="r" b="b"/>
+              <a:pathLst>
+                <a:path w="1290094" h="6858000">
+                  <a:moveTo>
+                    <a:pt x="1019735" y="0"/>
+                  </a:moveTo>
+                  <a:lnTo>
+                    <a:pt x="1290094" y="0"/>
+                  </a:lnTo>
+                  <a:lnTo>
+                    <a:pt x="1290094" y="6858000"/>
+                  </a:lnTo>
+                  <a:lnTo>
+                    <a:pt x="0" y="6858000"/>
+                  </a:lnTo>
+                  <a:lnTo>
+                    <a:pt x="1019735" y="0"/>
+                  </a:lnTo>
+                  <a:close/>
+                </a:path>
+              </a:pathLst>
+            </a:custGeom>
+            <a:solidFill>
+              <a:schemeClr val="accent1">
+                <a:lumMod val="60000"/>
+                <a:lumOff val="40000"/>
+                <a:alpha val="70000"/>
+              </a:schemeClr>
+            </a:solidFill>
+            <a:ln>
+              <a:noFill/>
+            </a:ln>
+            <a:effectLst/>
+          </p:spPr>
+          <p:style>
+            <a:lnRef idx="1">
+              <a:schemeClr val="accent1"/>
+            </a:lnRef>
+            <a:fillRef idx="3">
+              <a:schemeClr val="accent1"/>
+            </a:fillRef>
+            <a:effectRef idx="2">
+              <a:schemeClr val="accent1"/>
+            </a:effectRef>
+            <a:fontRef idx="minor">
+              <a:schemeClr val="lt1"/>
+            </a:fontRef>
+          </p:style>
+        </p:sp>
+        <p:sp>
+          <p:nvSpPr>
+            <p:cNvPr id="30" name="Rectangle 29"/>
+            <p:cNvSpPr/>
+            <p:nvPr/>
+          </p:nvSpPr>
+          <p:spPr>
+            <a:xfrm>
+              <a:off x="10938999" y="-8467"/>
+              <a:ext cx="1249825" cy="6866467"/>
+            </a:xfrm>
+            <a:custGeom>
+              <a:avLst/>
+              <a:gdLst/>
+              <a:ahLst/>
+              <a:cxnLst/>
+              <a:rect l="l" t="t" r="r" b="b"/>
+              <a:pathLst>
+                <a:path w="1249825" h="6858000">
+                  <a:moveTo>
+                    <a:pt x="0" y="0"/>
+                  </a:moveTo>
+                  <a:lnTo>
+                    <a:pt x="1249825" y="0"/>
+                  </a:lnTo>
+                  <a:lnTo>
+                    <a:pt x="1249825" y="6858000"/>
+                  </a:lnTo>
+                  <a:lnTo>
+                    <a:pt x="1109382" y="6858000"/>
+                  </a:lnTo>
+                  <a:lnTo>
+                    <a:pt x="0" y="0"/>
+                  </a:lnTo>
+                  <a:close/>
+                </a:path>
+              </a:pathLst>
+            </a:custGeom>
+            <a:solidFill>
+              <a:schemeClr val="accent1">
+                <a:alpha val="65000"/>
+              </a:schemeClr>
+            </a:solidFill>
+            <a:ln>
+              <a:noFill/>
+            </a:ln>
+            <a:effectLst/>
+          </p:spPr>
+          <p:style>
+            <a:lnRef idx="1">
+              <a:schemeClr val="accent1"/>
+            </a:lnRef>
+            <a:fillRef idx="3">
+              <a:schemeClr val="accent1"/>
+            </a:fillRef>
+            <a:effectRef idx="2">
+              <a:schemeClr val="accent1"/>
+            </a:effectRef>
+            <a:fontRef idx="minor">
+              <a:schemeClr val="lt1"/>
+            </a:fontRef>
+          </p:style>
+        </p:sp>
+        <p:sp>
+          <p:nvSpPr>
+            <p:cNvPr id="31" name="Isosceles Triangle 30"/>
+            <p:cNvSpPr/>
+            <p:nvPr/>
+          </p:nvSpPr>
+          <p:spPr>
+            <a:xfrm>
+              <a:off x="10371666" y="3589867"/>
+              <a:ext cx="1817159" cy="3268133"/>
+            </a:xfrm>
+            <a:prstGeom prst="triangle">
+              <a:avLst>
+                <a:gd name="adj" fmla="val 100000"/>
+              </a:avLst>
+            </a:prstGeom>
+            <a:solidFill>
+              <a:schemeClr val="accent1">
+                <a:alpha val="80000"/>
+              </a:schemeClr>
+            </a:solidFill>
+            <a:ln>
+              <a:noFill/>
+            </a:ln>
+            <a:effectLst/>
+          </p:spPr>
+          <p:style>
+            <a:lnRef idx="1">
+              <a:schemeClr val="accent1"/>
+            </a:lnRef>
+            <a:fillRef idx="3">
+              <a:schemeClr val="accent1"/>
+            </a:fillRef>
+            <a:effectRef idx="2">
+              <a:schemeClr val="accent1"/>
+            </a:effectRef>
+            <a:fontRef idx="minor">
+              <a:schemeClr val="lt1"/>
+            </a:fontRef>
+          </p:style>
+        </p:sp>
+        <p:sp>
+          <p:nvSpPr>
+            <p:cNvPr id="19" name="Isosceles Triangle 18"/>
+            <p:cNvSpPr/>
+            <p:nvPr/>
+          </p:nvSpPr>
+          <p:spPr>
+            <a:xfrm rot="10800000">
+              <a:off x="0" y="0"/>
+              <a:ext cx="842596" cy="5666154"/>
+            </a:xfrm>
+            <a:prstGeom prst="triangle">
+              <a:avLst>
+                <a:gd name="adj" fmla="val 100000"/>
+              </a:avLst>
+            </a:prstGeom>
+            <a:solidFill>
+              <a:schemeClr val="accent1">
+                <a:alpha val="85000"/>
+              </a:schemeClr>
+            </a:solidFill>
+            <a:ln>
+              <a:noFill/>
+            </a:ln>
+            <a:effectLst/>
+          </p:spPr>
+          <p:style>
+            <a:lnRef idx="1">
+              <a:schemeClr val="accent1"/>
+            </a:lnRef>
+            <a:fillRef idx="3">
+              <a:schemeClr val="accent1"/>
+            </a:fillRef>
+            <a:effectRef idx="2">
+              <a:schemeClr val="accent1"/>
+            </a:effectRef>
+            <a:fontRef idx="minor">
+              <a:schemeClr val="lt1"/>
+            </a:fontRef>
+          </p:style>
+        </p:sp>
+      </p:grpSp>
+      <p:sp>
+        <p:nvSpPr>
+          <p:cNvPr id="2" name="Title 1"/>
           <p:cNvSpPr>
             <a:spLocks noGrp="1"/>
           </p:cNvSpPr>
@@ -761,15 +1293,21 @@
         </p:nvSpPr>
         <p:spPr>
           <a:xfrm>
-            <a:off x="1524000" y="1122363"/>
-            <a:ext cx="9144000" cy="2387600"/>
+            <a:off x="1507067" y="2404534"/>
+            <a:ext cx="7766936" cy="1646302"/>
           </a:xfrm>
         </p:spPr>
         <p:txBody>
-          <a:bodyPr anchor="b"/>
+          <a:bodyPr anchor="b">
+            <a:noAutofit/>
+          </a:bodyPr>
           <a:lstStyle>
-            <a:lvl1pPr algn="ctr">
-              <a:defRPr sz="6000"/>
+            <a:lvl1pPr algn="r">
+              <a:defRPr sz="5400">
+                <a:solidFill>
+                  <a:schemeClr val="accent1"/>
+                </a:solidFill>
+              </a:defRPr>
             </a:lvl1pPr>
           </a:lstStyle>
           <a:p>
@@ -777,18 +1315,13 @@
               <a:rPr lang="en-US"/>
               <a:t>Click to edit Master title style</a:t>
             </a:r>
-          </a:p>
-        </p:txBody>
-      </p:sp>
-      <p:sp>
-        <p:nvSpPr>
-          <p:cNvPr id="3" name="Subtitle 2">
-            <a:extLst>
-              <a:ext uri="{FF2B5EF4-FFF2-40B4-BE49-F238E27FC236}">
-                <a16:creationId xmlns:a16="http://schemas.microsoft.com/office/drawing/2014/main" id="{CAABE709-4112-4A3A-81A0-B10DB5982058}"/>
-              </a:ext>
-            </a:extLst>
-          </p:cNvPr>
+            <a:endParaRPr lang="en-US" dirty="0"/>
+          </a:p>
+        </p:txBody>
+      </p:sp>
+      <p:sp>
+        <p:nvSpPr>
+          <p:cNvPr id="3" name="Subtitle 2"/>
           <p:cNvSpPr>
             <a:spLocks noGrp="1"/>
           </p:cNvSpPr>
@@ -798,48 +1331,103 @@
         </p:nvSpPr>
         <p:spPr>
           <a:xfrm>
-            <a:off x="1524000" y="3602038"/>
-            <a:ext cx="9144000" cy="1655762"/>
+            <a:off x="1507067" y="4050833"/>
+            <a:ext cx="7766936" cy="1096899"/>
           </a:xfrm>
         </p:spPr>
         <p:txBody>
-          <a:bodyPr/>
+          <a:bodyPr anchor="t"/>
           <a:lstStyle>
-            <a:lvl1pPr marL="0" indent="0" algn="ctr">
-              <a:buNone/>
-              <a:defRPr sz="2400"/>
+            <a:lvl1pPr marL="0" indent="0" algn="r">
+              <a:buNone/>
+              <a:defRPr>
+                <a:solidFill>
+                  <a:schemeClr val="tx1">
+                    <a:lumMod val="50000"/>
+                    <a:lumOff val="50000"/>
+                  </a:schemeClr>
+                </a:solidFill>
+              </a:defRPr>
             </a:lvl1pPr>
             <a:lvl2pPr marL="457200" indent="0" algn="ctr">
               <a:buNone/>
-              <a:defRPr sz="2000"/>
+              <a:defRPr>
+                <a:solidFill>
+                  <a:schemeClr val="tx1">
+                    <a:tint val="75000"/>
+                  </a:schemeClr>
+                </a:solidFill>
+              </a:defRPr>
             </a:lvl2pPr>
             <a:lvl3pPr marL="914400" indent="0" algn="ctr">
               <a:buNone/>
-              <a:defRPr sz="1800"/>
+              <a:defRPr>
+                <a:solidFill>
+                  <a:schemeClr val="tx1">
+                    <a:tint val="75000"/>
+                  </a:schemeClr>
+                </a:solidFill>
+              </a:defRPr>
             </a:lvl3pPr>
             <a:lvl4pPr marL="1371600" indent="0" algn="ctr">
               <a:buNone/>
-              <a:defRPr sz="1600"/>
+              <a:defRPr>
+                <a:solidFill>
+                  <a:schemeClr val="tx1">
+                    <a:tint val="75000"/>
+                  </a:schemeClr>
+                </a:solidFill>
+              </a:defRPr>
             </a:lvl4pPr>
             <a:lvl5pPr marL="1828800" indent="0" algn="ctr">
               <a:buNone/>
-              <a:defRPr sz="1600"/>
+              <a:defRPr>
+                <a:solidFill>
+                  <a:schemeClr val="tx1">
+                    <a:tint val="75000"/>
+                  </a:schemeClr>
+                </a:solidFill>
+              </a:defRPr>
             </a:lvl5pPr>
             <a:lvl6pPr marL="2286000" indent="0" algn="ctr">
               <a:buNone/>
-              <a:defRPr sz="1600"/>
+              <a:defRPr>
+                <a:solidFill>
+                  <a:schemeClr val="tx1">
+                    <a:tint val="75000"/>
+                  </a:schemeClr>
+                </a:solidFill>
+              </a:defRPr>
             </a:lvl6pPr>
             <a:lvl7pPr marL="2743200" indent="0" algn="ctr">
               <a:buNone/>
-              <a:defRPr sz="1600"/>
+              <a:defRPr>
+                <a:solidFill>
+                  <a:schemeClr val="tx1">
+                    <a:tint val="75000"/>
+                  </a:schemeClr>
+                </a:solidFill>
+              </a:defRPr>
             </a:lvl7pPr>
             <a:lvl8pPr marL="3200400" indent="0" algn="ctr">
               <a:buNone/>
-              <a:defRPr sz="1600"/>
+              <a:defRPr>
+                <a:solidFill>
+                  <a:schemeClr val="tx1">
+                    <a:tint val="75000"/>
+                  </a:schemeClr>
+                </a:solidFill>
+              </a:defRPr>
             </a:lvl8pPr>
             <a:lvl9pPr marL="3657600" indent="0" algn="ctr">
               <a:buNone/>
-              <a:defRPr sz="1600"/>
+              <a:defRPr>
+                <a:solidFill>
+                  <a:schemeClr val="tx1">
+                    <a:tint val="75000"/>
+                  </a:schemeClr>
+                </a:solidFill>
+              </a:defRPr>
             </a:lvl9pPr>
           </a:lstStyle>
           <a:p>
@@ -847,18 +1435,13 @@
               <a:rPr lang="en-US"/>
               <a:t>Click to edit Master subtitle style</a:t>
             </a:r>
-          </a:p>
-        </p:txBody>
-      </p:sp>
-      <p:sp>
-        <p:nvSpPr>
-          <p:cNvPr id="4" name="Date Placeholder 3">
-            <a:extLst>
-              <a:ext uri="{FF2B5EF4-FFF2-40B4-BE49-F238E27FC236}">
-                <a16:creationId xmlns:a16="http://schemas.microsoft.com/office/drawing/2014/main" id="{A0B140AF-CFBD-46B5-835A-1FF2F4264403}"/>
-              </a:ext>
-            </a:extLst>
-          </p:cNvPr>
+            <a:endParaRPr lang="en-US" dirty="0"/>
+          </a:p>
+        </p:txBody>
+      </p:sp>
+      <p:sp>
+        <p:nvSpPr>
+          <p:cNvPr id="4" name="Date Placeholder 3"/>
           <p:cNvSpPr>
             <a:spLocks noGrp="1"/>
           </p:cNvSpPr>
@@ -873,7 +1456,7 @@
           <a:p>
             <a:fld id="{8A825621-041C-4E9C-9BC7-B11EF57970CE}" type="datetimeFigureOut">
               <a:rPr lang="en-US" smtClean="0"/>
-              <a:t>3/7/2018</a:t>
+              <a:t>3/17/2018</a:t>
             </a:fld>
             <a:endParaRPr lang="en-US"/>
           </a:p>
@@ -881,13 +1464,7 @@
       </p:sp>
       <p:sp>
         <p:nvSpPr>
-          <p:cNvPr id="5" name="Footer Placeholder 4">
-            <a:extLst>
-              <a:ext uri="{FF2B5EF4-FFF2-40B4-BE49-F238E27FC236}">
-                <a16:creationId xmlns:a16="http://schemas.microsoft.com/office/drawing/2014/main" id="{78CFB58C-D387-4C6D-B577-39E6AB62EEE0}"/>
-              </a:ext>
-            </a:extLst>
-          </p:cNvPr>
+          <p:cNvPr id="5" name="Footer Placeholder 4"/>
           <p:cNvSpPr>
             <a:spLocks noGrp="1"/>
           </p:cNvSpPr>
@@ -906,13 +1483,7 @@
       </p:sp>
       <p:sp>
         <p:nvSpPr>
-          <p:cNvPr id="6" name="Slide Number Placeholder 5">
-            <a:extLst>
-              <a:ext uri="{FF2B5EF4-FFF2-40B4-BE49-F238E27FC236}">
-                <a16:creationId xmlns:a16="http://schemas.microsoft.com/office/drawing/2014/main" id="{B26CB045-EDB3-41FA-8891-D9A62C70FBE2}"/>
-              </a:ext>
-            </a:extLst>
-          </p:cNvPr>
+          <p:cNvPr id="6" name="Slide Number Placeholder 5"/>
           <p:cNvSpPr>
             <a:spLocks noGrp="1"/>
           </p:cNvSpPr>
@@ -936,7 +1507,7 @@
     </p:spTree>
     <p:extLst>
       <p:ext uri="{BB962C8B-B14F-4D97-AF65-F5344CB8AC3E}">
-        <p14:creationId xmlns:p14="http://schemas.microsoft.com/office/powerpoint/2010/main" val="3009436830"/>
+        <p14:creationId xmlns:p14="http://schemas.microsoft.com/office/powerpoint/2010/main" val="2065631302"/>
       </p:ext>
     </p:extLst>
   </p:cSld>
@@ -947,6 +1518,1619 @@
 </file>
 
 <file path=ppt/slideLayouts/slideLayout10.xml><?xml version="1.0" encoding="utf-8"?>
+<p:sldLayout xmlns:a="http://schemas.openxmlformats.org/drawingml/2006/main" xmlns:r="http://schemas.openxmlformats.org/officeDocument/2006/relationships" xmlns:p="http://schemas.openxmlformats.org/presentationml/2006/main" preserve="1">
+  <p:cSld name="Title and Caption">
+    <p:spTree>
+      <p:nvGrpSpPr>
+        <p:cNvPr id="1" name=""/>
+        <p:cNvGrpSpPr/>
+        <p:nvPr/>
+      </p:nvGrpSpPr>
+      <p:grpSpPr>
+        <a:xfrm>
+          <a:off x="0" y="0"/>
+          <a:ext cx="0" cy="0"/>
+          <a:chOff x="0" y="0"/>
+          <a:chExt cx="0" cy="0"/>
+        </a:xfrm>
+      </p:grpSpPr>
+      <p:sp>
+        <p:nvSpPr>
+          <p:cNvPr id="2" name="Title 1"/>
+          <p:cNvSpPr>
+            <a:spLocks noGrp="1"/>
+          </p:cNvSpPr>
+          <p:nvPr>
+            <p:ph type="title"/>
+          </p:nvPr>
+        </p:nvSpPr>
+        <p:spPr>
+          <a:xfrm>
+            <a:off x="677335" y="609600"/>
+            <a:ext cx="8596668" cy="3403600"/>
+          </a:xfrm>
+        </p:spPr>
+        <p:txBody>
+          <a:bodyPr anchor="ctr">
+            <a:normAutofit/>
+          </a:bodyPr>
+          <a:lstStyle>
+            <a:lvl1pPr algn="l">
+              <a:defRPr sz="4400" b="0" cap="none"/>
+            </a:lvl1pPr>
+          </a:lstStyle>
+          <a:p>
+            <a:r>
+              <a:rPr lang="en-US"/>
+              <a:t>Click to edit Master title style</a:t>
+            </a:r>
+            <a:endParaRPr lang="en-US" dirty="0"/>
+          </a:p>
+        </p:txBody>
+      </p:sp>
+      <p:sp>
+        <p:nvSpPr>
+          <p:cNvPr id="3" name="Text Placeholder 2"/>
+          <p:cNvSpPr>
+            <a:spLocks noGrp="1"/>
+          </p:cNvSpPr>
+          <p:nvPr>
+            <p:ph type="body" idx="1"/>
+          </p:nvPr>
+        </p:nvSpPr>
+        <p:spPr>
+          <a:xfrm>
+            <a:off x="677335" y="4470400"/>
+            <a:ext cx="8596668" cy="1570962"/>
+          </a:xfrm>
+        </p:spPr>
+        <p:txBody>
+          <a:bodyPr anchor="ctr">
+            <a:normAutofit/>
+          </a:bodyPr>
+          <a:lstStyle>
+            <a:lvl1pPr marL="0" indent="0" algn="l">
+              <a:buNone/>
+              <a:defRPr sz="1800">
+                <a:solidFill>
+                  <a:schemeClr val="tx1">
+                    <a:lumMod val="75000"/>
+                    <a:lumOff val="25000"/>
+                  </a:schemeClr>
+                </a:solidFill>
+              </a:defRPr>
+            </a:lvl1pPr>
+            <a:lvl2pPr marL="457200" indent="0">
+              <a:buNone/>
+              <a:defRPr sz="1800">
+                <a:solidFill>
+                  <a:schemeClr val="tx1">
+                    <a:tint val="75000"/>
+                  </a:schemeClr>
+                </a:solidFill>
+              </a:defRPr>
+            </a:lvl2pPr>
+            <a:lvl3pPr marL="914400" indent="0">
+              <a:buNone/>
+              <a:defRPr sz="1600">
+                <a:solidFill>
+                  <a:schemeClr val="tx1">
+                    <a:tint val="75000"/>
+                  </a:schemeClr>
+                </a:solidFill>
+              </a:defRPr>
+            </a:lvl3pPr>
+            <a:lvl4pPr marL="1371600" indent="0">
+              <a:buNone/>
+              <a:defRPr sz="1400">
+                <a:solidFill>
+                  <a:schemeClr val="tx1">
+                    <a:tint val="75000"/>
+                  </a:schemeClr>
+                </a:solidFill>
+              </a:defRPr>
+            </a:lvl4pPr>
+            <a:lvl5pPr marL="1828800" indent="0">
+              <a:buNone/>
+              <a:defRPr sz="1400">
+                <a:solidFill>
+                  <a:schemeClr val="tx1">
+                    <a:tint val="75000"/>
+                  </a:schemeClr>
+                </a:solidFill>
+              </a:defRPr>
+            </a:lvl5pPr>
+            <a:lvl6pPr marL="2286000" indent="0">
+              <a:buNone/>
+              <a:defRPr sz="1400">
+                <a:solidFill>
+                  <a:schemeClr val="tx1">
+                    <a:tint val="75000"/>
+                  </a:schemeClr>
+                </a:solidFill>
+              </a:defRPr>
+            </a:lvl6pPr>
+            <a:lvl7pPr marL="2743200" indent="0">
+              <a:buNone/>
+              <a:defRPr sz="1400">
+                <a:solidFill>
+                  <a:schemeClr val="tx1">
+                    <a:tint val="75000"/>
+                  </a:schemeClr>
+                </a:solidFill>
+              </a:defRPr>
+            </a:lvl7pPr>
+            <a:lvl8pPr marL="3200400" indent="0">
+              <a:buNone/>
+              <a:defRPr sz="1400">
+                <a:solidFill>
+                  <a:schemeClr val="tx1">
+                    <a:tint val="75000"/>
+                  </a:schemeClr>
+                </a:solidFill>
+              </a:defRPr>
+            </a:lvl8pPr>
+            <a:lvl9pPr marL="3657600" indent="0">
+              <a:buNone/>
+              <a:defRPr sz="1400">
+                <a:solidFill>
+                  <a:schemeClr val="tx1">
+                    <a:tint val="75000"/>
+                  </a:schemeClr>
+                </a:solidFill>
+              </a:defRPr>
+            </a:lvl9pPr>
+          </a:lstStyle>
+          <a:p>
+            <a:pPr lvl="0"/>
+            <a:r>
+              <a:rPr lang="en-US"/>
+              <a:t>Edit Master text styles</a:t>
+            </a:r>
+          </a:p>
+        </p:txBody>
+      </p:sp>
+      <p:sp>
+        <p:nvSpPr>
+          <p:cNvPr id="4" name="Date Placeholder 3"/>
+          <p:cNvSpPr>
+            <a:spLocks noGrp="1"/>
+          </p:cNvSpPr>
+          <p:nvPr>
+            <p:ph type="dt" sz="half" idx="10"/>
+          </p:nvPr>
+        </p:nvSpPr>
+        <p:spPr/>
+        <p:txBody>
+          <a:bodyPr/>
+          <a:lstStyle/>
+          <a:p>
+            <a:fld id="{8A825621-041C-4E9C-9BC7-B11EF57970CE}" type="datetimeFigureOut">
+              <a:rPr lang="en-US" smtClean="0"/>
+              <a:t>3/17/2018</a:t>
+            </a:fld>
+            <a:endParaRPr lang="en-US"/>
+          </a:p>
+        </p:txBody>
+      </p:sp>
+      <p:sp>
+        <p:nvSpPr>
+          <p:cNvPr id="5" name="Footer Placeholder 4"/>
+          <p:cNvSpPr>
+            <a:spLocks noGrp="1"/>
+          </p:cNvSpPr>
+          <p:nvPr>
+            <p:ph type="ftr" sz="quarter" idx="11"/>
+          </p:nvPr>
+        </p:nvSpPr>
+        <p:spPr/>
+        <p:txBody>
+          <a:bodyPr/>
+          <a:lstStyle/>
+          <a:p>
+            <a:endParaRPr lang="en-US"/>
+          </a:p>
+        </p:txBody>
+      </p:sp>
+      <p:sp>
+        <p:nvSpPr>
+          <p:cNvPr id="6" name="Slide Number Placeholder 5"/>
+          <p:cNvSpPr>
+            <a:spLocks noGrp="1"/>
+          </p:cNvSpPr>
+          <p:nvPr>
+            <p:ph type="sldNum" sz="quarter" idx="12"/>
+          </p:nvPr>
+        </p:nvSpPr>
+        <p:spPr/>
+        <p:txBody>
+          <a:bodyPr/>
+          <a:lstStyle/>
+          <a:p>
+            <a:fld id="{81B1F688-C838-46F8-ACFE-E577F8C329DA}" type="slidenum">
+              <a:rPr lang="en-US" smtClean="0"/>
+              <a:t>‹#›</a:t>
+            </a:fld>
+            <a:endParaRPr lang="en-US"/>
+          </a:p>
+        </p:txBody>
+      </p:sp>
+    </p:spTree>
+    <p:extLst>
+      <p:ext uri="{BB962C8B-B14F-4D97-AF65-F5344CB8AC3E}">
+        <p14:creationId xmlns:p14="http://schemas.microsoft.com/office/powerpoint/2010/main" val="2728465852"/>
+      </p:ext>
+    </p:extLst>
+  </p:cSld>
+  <p:clrMapOvr>
+    <a:masterClrMapping/>
+  </p:clrMapOvr>
+</p:sldLayout>
+</file>
+
+<file path=ppt/slideLayouts/slideLayout11.xml><?xml version="1.0" encoding="utf-8"?>
+<p:sldLayout xmlns:a="http://schemas.openxmlformats.org/drawingml/2006/main" xmlns:r="http://schemas.openxmlformats.org/officeDocument/2006/relationships" xmlns:p="http://schemas.openxmlformats.org/presentationml/2006/main" preserve="1">
+  <p:cSld name="Quote with Caption">
+    <p:spTree>
+      <p:nvGrpSpPr>
+        <p:cNvPr id="1" name=""/>
+        <p:cNvGrpSpPr/>
+        <p:nvPr/>
+      </p:nvGrpSpPr>
+      <p:grpSpPr>
+        <a:xfrm>
+          <a:off x="0" y="0"/>
+          <a:ext cx="0" cy="0"/>
+          <a:chOff x="0" y="0"/>
+          <a:chExt cx="0" cy="0"/>
+        </a:xfrm>
+      </p:grpSpPr>
+      <p:sp>
+        <p:nvSpPr>
+          <p:cNvPr id="2" name="Title 1"/>
+          <p:cNvSpPr>
+            <a:spLocks noGrp="1"/>
+          </p:cNvSpPr>
+          <p:nvPr>
+            <p:ph type="title"/>
+          </p:nvPr>
+        </p:nvSpPr>
+        <p:spPr>
+          <a:xfrm>
+            <a:off x="931334" y="609600"/>
+            <a:ext cx="8094134" cy="3022600"/>
+          </a:xfrm>
+        </p:spPr>
+        <p:txBody>
+          <a:bodyPr anchor="ctr">
+            <a:normAutofit/>
+          </a:bodyPr>
+          <a:lstStyle>
+            <a:lvl1pPr algn="l">
+              <a:defRPr sz="4400" b="0" cap="none"/>
+            </a:lvl1pPr>
+          </a:lstStyle>
+          <a:p>
+            <a:r>
+              <a:rPr lang="en-US"/>
+              <a:t>Click to edit Master title style</a:t>
+            </a:r>
+            <a:endParaRPr lang="en-US" dirty="0"/>
+          </a:p>
+        </p:txBody>
+      </p:sp>
+      <p:sp>
+        <p:nvSpPr>
+          <p:cNvPr id="23" name="Text Placeholder 9"/>
+          <p:cNvSpPr>
+            <a:spLocks noGrp="1"/>
+          </p:cNvSpPr>
+          <p:nvPr>
+            <p:ph type="body" sz="quarter" idx="13"/>
+          </p:nvPr>
+        </p:nvSpPr>
+        <p:spPr>
+          <a:xfrm>
+            <a:off x="1366139" y="3632200"/>
+            <a:ext cx="7224524" cy="381000"/>
+          </a:xfrm>
+        </p:spPr>
+        <p:txBody>
+          <a:bodyPr anchor="ctr">
+            <a:noAutofit/>
+          </a:bodyPr>
+          <a:lstStyle>
+            <a:lvl1pPr marL="0" indent="0">
+              <a:buFontTx/>
+              <a:buNone/>
+              <a:defRPr sz="1600">
+                <a:solidFill>
+                  <a:schemeClr val="tx1">
+                    <a:lumMod val="50000"/>
+                    <a:lumOff val="50000"/>
+                  </a:schemeClr>
+                </a:solidFill>
+              </a:defRPr>
+            </a:lvl1pPr>
+            <a:lvl2pPr marL="457200" indent="0">
+              <a:buFontTx/>
+              <a:buNone/>
+              <a:defRPr/>
+            </a:lvl2pPr>
+            <a:lvl3pPr marL="914400" indent="0">
+              <a:buFontTx/>
+              <a:buNone/>
+              <a:defRPr/>
+            </a:lvl3pPr>
+            <a:lvl4pPr marL="1371600" indent="0">
+              <a:buFontTx/>
+              <a:buNone/>
+              <a:defRPr/>
+            </a:lvl4pPr>
+            <a:lvl5pPr marL="1828800" indent="0">
+              <a:buFontTx/>
+              <a:buNone/>
+              <a:defRPr/>
+            </a:lvl5pPr>
+          </a:lstStyle>
+          <a:p>
+            <a:pPr lvl="0"/>
+            <a:r>
+              <a:rPr lang="en-US"/>
+              <a:t>Edit Master text styles</a:t>
+            </a:r>
+          </a:p>
+        </p:txBody>
+      </p:sp>
+      <p:sp>
+        <p:nvSpPr>
+          <p:cNvPr id="3" name="Text Placeholder 2"/>
+          <p:cNvSpPr>
+            <a:spLocks noGrp="1"/>
+          </p:cNvSpPr>
+          <p:nvPr>
+            <p:ph type="body" idx="1"/>
+          </p:nvPr>
+        </p:nvSpPr>
+        <p:spPr>
+          <a:xfrm>
+            <a:off x="677335" y="4470400"/>
+            <a:ext cx="8596668" cy="1570962"/>
+          </a:xfrm>
+        </p:spPr>
+        <p:txBody>
+          <a:bodyPr anchor="ctr">
+            <a:normAutofit/>
+          </a:bodyPr>
+          <a:lstStyle>
+            <a:lvl1pPr marL="0" indent="0" algn="l">
+              <a:buNone/>
+              <a:defRPr sz="1800">
+                <a:solidFill>
+                  <a:schemeClr val="tx1">
+                    <a:lumMod val="75000"/>
+                    <a:lumOff val="25000"/>
+                  </a:schemeClr>
+                </a:solidFill>
+              </a:defRPr>
+            </a:lvl1pPr>
+            <a:lvl2pPr marL="457200" indent="0">
+              <a:buNone/>
+              <a:defRPr sz="1800">
+                <a:solidFill>
+                  <a:schemeClr val="tx1">
+                    <a:tint val="75000"/>
+                  </a:schemeClr>
+                </a:solidFill>
+              </a:defRPr>
+            </a:lvl2pPr>
+            <a:lvl3pPr marL="914400" indent="0">
+              <a:buNone/>
+              <a:defRPr sz="1600">
+                <a:solidFill>
+                  <a:schemeClr val="tx1">
+                    <a:tint val="75000"/>
+                  </a:schemeClr>
+                </a:solidFill>
+              </a:defRPr>
+            </a:lvl3pPr>
+            <a:lvl4pPr marL="1371600" indent="0">
+              <a:buNone/>
+              <a:defRPr sz="1400">
+                <a:solidFill>
+                  <a:schemeClr val="tx1">
+                    <a:tint val="75000"/>
+                  </a:schemeClr>
+                </a:solidFill>
+              </a:defRPr>
+            </a:lvl4pPr>
+            <a:lvl5pPr marL="1828800" indent="0">
+              <a:buNone/>
+              <a:defRPr sz="1400">
+                <a:solidFill>
+                  <a:schemeClr val="tx1">
+                    <a:tint val="75000"/>
+                  </a:schemeClr>
+                </a:solidFill>
+              </a:defRPr>
+            </a:lvl5pPr>
+            <a:lvl6pPr marL="2286000" indent="0">
+              <a:buNone/>
+              <a:defRPr sz="1400">
+                <a:solidFill>
+                  <a:schemeClr val="tx1">
+                    <a:tint val="75000"/>
+                  </a:schemeClr>
+                </a:solidFill>
+              </a:defRPr>
+            </a:lvl6pPr>
+            <a:lvl7pPr marL="2743200" indent="0">
+              <a:buNone/>
+              <a:defRPr sz="1400">
+                <a:solidFill>
+                  <a:schemeClr val="tx1">
+                    <a:tint val="75000"/>
+                  </a:schemeClr>
+                </a:solidFill>
+              </a:defRPr>
+            </a:lvl7pPr>
+            <a:lvl8pPr marL="3200400" indent="0">
+              <a:buNone/>
+              <a:defRPr sz="1400">
+                <a:solidFill>
+                  <a:schemeClr val="tx1">
+                    <a:tint val="75000"/>
+                  </a:schemeClr>
+                </a:solidFill>
+              </a:defRPr>
+            </a:lvl8pPr>
+            <a:lvl9pPr marL="3657600" indent="0">
+              <a:buNone/>
+              <a:defRPr sz="1400">
+                <a:solidFill>
+                  <a:schemeClr val="tx1">
+                    <a:tint val="75000"/>
+                  </a:schemeClr>
+                </a:solidFill>
+              </a:defRPr>
+            </a:lvl9pPr>
+          </a:lstStyle>
+          <a:p>
+            <a:pPr lvl="0"/>
+            <a:r>
+              <a:rPr lang="en-US"/>
+              <a:t>Edit Master text styles</a:t>
+            </a:r>
+          </a:p>
+        </p:txBody>
+      </p:sp>
+      <p:sp>
+        <p:nvSpPr>
+          <p:cNvPr id="4" name="Date Placeholder 3"/>
+          <p:cNvSpPr>
+            <a:spLocks noGrp="1"/>
+          </p:cNvSpPr>
+          <p:nvPr>
+            <p:ph type="dt" sz="half" idx="10"/>
+          </p:nvPr>
+        </p:nvSpPr>
+        <p:spPr/>
+        <p:txBody>
+          <a:bodyPr/>
+          <a:lstStyle/>
+          <a:p>
+            <a:fld id="{8A825621-041C-4E9C-9BC7-B11EF57970CE}" type="datetimeFigureOut">
+              <a:rPr lang="en-US" smtClean="0"/>
+              <a:t>3/17/2018</a:t>
+            </a:fld>
+            <a:endParaRPr lang="en-US"/>
+          </a:p>
+        </p:txBody>
+      </p:sp>
+      <p:sp>
+        <p:nvSpPr>
+          <p:cNvPr id="5" name="Footer Placeholder 4"/>
+          <p:cNvSpPr>
+            <a:spLocks noGrp="1"/>
+          </p:cNvSpPr>
+          <p:nvPr>
+            <p:ph type="ftr" sz="quarter" idx="11"/>
+          </p:nvPr>
+        </p:nvSpPr>
+        <p:spPr/>
+        <p:txBody>
+          <a:bodyPr/>
+          <a:lstStyle/>
+          <a:p>
+            <a:endParaRPr lang="en-US"/>
+          </a:p>
+        </p:txBody>
+      </p:sp>
+      <p:sp>
+        <p:nvSpPr>
+          <p:cNvPr id="6" name="Slide Number Placeholder 5"/>
+          <p:cNvSpPr>
+            <a:spLocks noGrp="1"/>
+          </p:cNvSpPr>
+          <p:nvPr>
+            <p:ph type="sldNum" sz="quarter" idx="12"/>
+          </p:nvPr>
+        </p:nvSpPr>
+        <p:spPr/>
+        <p:txBody>
+          <a:bodyPr/>
+          <a:lstStyle/>
+          <a:p>
+            <a:fld id="{81B1F688-C838-46F8-ACFE-E577F8C329DA}" type="slidenum">
+              <a:rPr lang="en-US" smtClean="0"/>
+              <a:t>‹#›</a:t>
+            </a:fld>
+            <a:endParaRPr lang="en-US"/>
+          </a:p>
+        </p:txBody>
+      </p:sp>
+      <p:sp>
+        <p:nvSpPr>
+          <p:cNvPr id="20" name="TextBox 19"/>
+          <p:cNvSpPr txBox="1"/>
+          <p:nvPr/>
+        </p:nvSpPr>
+        <p:spPr>
+          <a:xfrm>
+            <a:off x="541870" y="790378"/>
+            <a:ext cx="609600" cy="584776"/>
+          </a:xfrm>
+          <a:prstGeom prst="rect">
+            <a:avLst/>
+          </a:prstGeom>
+        </p:spPr>
+        <p:txBody>
+          <a:bodyPr vert="horz" lIns="91440" tIns="45720" rIns="91440" bIns="45720" rtlCol="0" anchor="ctr">
+            <a:noAutofit/>
+          </a:bodyPr>
+          <a:lstStyle/>
+          <a:p>
+            <a:pPr lvl="0"/>
+            <a:r>
+              <a:rPr lang="en-US" sz="8000" baseline="0" dirty="0">
+                <a:ln w="3175" cmpd="sng">
+                  <a:noFill/>
+                </a:ln>
+                <a:solidFill>
+                  <a:schemeClr val="accent1">
+                    <a:lumMod val="60000"/>
+                    <a:lumOff val="40000"/>
+                  </a:schemeClr>
+                </a:solidFill>
+                <a:effectLst/>
+                <a:latin typeface="Arial"/>
+              </a:rPr>
+              <a:t>“</a:t>
+            </a:r>
+          </a:p>
+        </p:txBody>
+      </p:sp>
+      <p:sp>
+        <p:nvSpPr>
+          <p:cNvPr id="22" name="TextBox 21"/>
+          <p:cNvSpPr txBox="1"/>
+          <p:nvPr/>
+        </p:nvSpPr>
+        <p:spPr>
+          <a:xfrm>
+            <a:off x="8893011" y="2886556"/>
+            <a:ext cx="609600" cy="584776"/>
+          </a:xfrm>
+          <a:prstGeom prst="rect">
+            <a:avLst/>
+          </a:prstGeom>
+        </p:spPr>
+        <p:txBody>
+          <a:bodyPr vert="horz" lIns="91440" tIns="45720" rIns="91440" bIns="45720" rtlCol="0" anchor="ctr">
+            <a:noAutofit/>
+          </a:bodyPr>
+          <a:lstStyle/>
+          <a:p>
+            <a:pPr lvl="0"/>
+            <a:r>
+              <a:rPr lang="en-US" sz="8000" baseline="0" dirty="0">
+                <a:ln w="3175" cmpd="sng">
+                  <a:noFill/>
+                </a:ln>
+                <a:solidFill>
+                  <a:schemeClr val="accent1">
+                    <a:lumMod val="60000"/>
+                    <a:lumOff val="40000"/>
+                  </a:schemeClr>
+                </a:solidFill>
+                <a:latin typeface="Arial"/>
+              </a:rPr>
+              <a:t>”</a:t>
+            </a:r>
+            <a:endParaRPr lang="en-US" dirty="0">
+              <a:solidFill>
+                <a:schemeClr val="accent1">
+                  <a:lumMod val="60000"/>
+                  <a:lumOff val="40000"/>
+                </a:schemeClr>
+              </a:solidFill>
+              <a:latin typeface="Arial"/>
+            </a:endParaRPr>
+          </a:p>
+        </p:txBody>
+      </p:sp>
+    </p:spTree>
+    <p:extLst>
+      <p:ext uri="{BB962C8B-B14F-4D97-AF65-F5344CB8AC3E}">
+        <p14:creationId xmlns:p14="http://schemas.microsoft.com/office/powerpoint/2010/main" val="4061721542"/>
+      </p:ext>
+    </p:extLst>
+  </p:cSld>
+  <p:clrMapOvr>
+    <a:masterClrMapping/>
+  </p:clrMapOvr>
+</p:sldLayout>
+</file>
+
+<file path=ppt/slideLayouts/slideLayout12.xml><?xml version="1.0" encoding="utf-8"?>
+<p:sldLayout xmlns:a="http://schemas.openxmlformats.org/drawingml/2006/main" xmlns:r="http://schemas.openxmlformats.org/officeDocument/2006/relationships" xmlns:p="http://schemas.openxmlformats.org/presentationml/2006/main" preserve="1">
+  <p:cSld name="Name Card">
+    <p:spTree>
+      <p:nvGrpSpPr>
+        <p:cNvPr id="1" name=""/>
+        <p:cNvGrpSpPr/>
+        <p:nvPr/>
+      </p:nvGrpSpPr>
+      <p:grpSpPr>
+        <a:xfrm>
+          <a:off x="0" y="0"/>
+          <a:ext cx="0" cy="0"/>
+          <a:chOff x="0" y="0"/>
+          <a:chExt cx="0" cy="0"/>
+        </a:xfrm>
+      </p:grpSpPr>
+      <p:sp>
+        <p:nvSpPr>
+          <p:cNvPr id="2" name="Title 1"/>
+          <p:cNvSpPr>
+            <a:spLocks noGrp="1"/>
+          </p:cNvSpPr>
+          <p:nvPr>
+            <p:ph type="title"/>
+          </p:nvPr>
+        </p:nvSpPr>
+        <p:spPr>
+          <a:xfrm>
+            <a:off x="677335" y="1931988"/>
+            <a:ext cx="8596668" cy="2595460"/>
+          </a:xfrm>
+        </p:spPr>
+        <p:txBody>
+          <a:bodyPr anchor="b">
+            <a:normAutofit/>
+          </a:bodyPr>
+          <a:lstStyle>
+            <a:lvl1pPr algn="l">
+              <a:defRPr sz="4400" b="0" cap="none"/>
+            </a:lvl1pPr>
+          </a:lstStyle>
+          <a:p>
+            <a:r>
+              <a:rPr lang="en-US"/>
+              <a:t>Click to edit Master title style</a:t>
+            </a:r>
+            <a:endParaRPr lang="en-US" dirty="0"/>
+          </a:p>
+        </p:txBody>
+      </p:sp>
+      <p:sp>
+        <p:nvSpPr>
+          <p:cNvPr id="3" name="Text Placeholder 2"/>
+          <p:cNvSpPr>
+            <a:spLocks noGrp="1"/>
+          </p:cNvSpPr>
+          <p:nvPr>
+            <p:ph type="body" idx="1"/>
+          </p:nvPr>
+        </p:nvSpPr>
+        <p:spPr>
+          <a:xfrm>
+            <a:off x="677335" y="4527448"/>
+            <a:ext cx="8596668" cy="1513914"/>
+          </a:xfrm>
+        </p:spPr>
+        <p:txBody>
+          <a:bodyPr anchor="t">
+            <a:normAutofit/>
+          </a:bodyPr>
+          <a:lstStyle>
+            <a:lvl1pPr marL="0" indent="0" algn="l">
+              <a:buNone/>
+              <a:defRPr sz="1800">
+                <a:solidFill>
+                  <a:schemeClr val="tx1">
+                    <a:lumMod val="75000"/>
+                    <a:lumOff val="25000"/>
+                  </a:schemeClr>
+                </a:solidFill>
+              </a:defRPr>
+            </a:lvl1pPr>
+            <a:lvl2pPr marL="457200" indent="0">
+              <a:buNone/>
+              <a:defRPr sz="1800">
+                <a:solidFill>
+                  <a:schemeClr val="tx1">
+                    <a:tint val="75000"/>
+                  </a:schemeClr>
+                </a:solidFill>
+              </a:defRPr>
+            </a:lvl2pPr>
+            <a:lvl3pPr marL="914400" indent="0">
+              <a:buNone/>
+              <a:defRPr sz="1600">
+                <a:solidFill>
+                  <a:schemeClr val="tx1">
+                    <a:tint val="75000"/>
+                  </a:schemeClr>
+                </a:solidFill>
+              </a:defRPr>
+            </a:lvl3pPr>
+            <a:lvl4pPr marL="1371600" indent="0">
+              <a:buNone/>
+              <a:defRPr sz="1400">
+                <a:solidFill>
+                  <a:schemeClr val="tx1">
+                    <a:tint val="75000"/>
+                  </a:schemeClr>
+                </a:solidFill>
+              </a:defRPr>
+            </a:lvl4pPr>
+            <a:lvl5pPr marL="1828800" indent="0">
+              <a:buNone/>
+              <a:defRPr sz="1400">
+                <a:solidFill>
+                  <a:schemeClr val="tx1">
+                    <a:tint val="75000"/>
+                  </a:schemeClr>
+                </a:solidFill>
+              </a:defRPr>
+            </a:lvl5pPr>
+            <a:lvl6pPr marL="2286000" indent="0">
+              <a:buNone/>
+              <a:defRPr sz="1400">
+                <a:solidFill>
+                  <a:schemeClr val="tx1">
+                    <a:tint val="75000"/>
+                  </a:schemeClr>
+                </a:solidFill>
+              </a:defRPr>
+            </a:lvl6pPr>
+            <a:lvl7pPr marL="2743200" indent="0">
+              <a:buNone/>
+              <a:defRPr sz="1400">
+                <a:solidFill>
+                  <a:schemeClr val="tx1">
+                    <a:tint val="75000"/>
+                  </a:schemeClr>
+                </a:solidFill>
+              </a:defRPr>
+            </a:lvl7pPr>
+            <a:lvl8pPr marL="3200400" indent="0">
+              <a:buNone/>
+              <a:defRPr sz="1400">
+                <a:solidFill>
+                  <a:schemeClr val="tx1">
+                    <a:tint val="75000"/>
+                  </a:schemeClr>
+                </a:solidFill>
+              </a:defRPr>
+            </a:lvl8pPr>
+            <a:lvl9pPr marL="3657600" indent="0">
+              <a:buNone/>
+              <a:defRPr sz="1400">
+                <a:solidFill>
+                  <a:schemeClr val="tx1">
+                    <a:tint val="75000"/>
+                  </a:schemeClr>
+                </a:solidFill>
+              </a:defRPr>
+            </a:lvl9pPr>
+          </a:lstStyle>
+          <a:p>
+            <a:pPr lvl="0"/>
+            <a:r>
+              <a:rPr lang="en-US"/>
+              <a:t>Edit Master text styles</a:t>
+            </a:r>
+          </a:p>
+        </p:txBody>
+      </p:sp>
+      <p:sp>
+        <p:nvSpPr>
+          <p:cNvPr id="4" name="Date Placeholder 3"/>
+          <p:cNvSpPr>
+            <a:spLocks noGrp="1"/>
+          </p:cNvSpPr>
+          <p:nvPr>
+            <p:ph type="dt" sz="half" idx="10"/>
+          </p:nvPr>
+        </p:nvSpPr>
+        <p:spPr/>
+        <p:txBody>
+          <a:bodyPr/>
+          <a:lstStyle/>
+          <a:p>
+            <a:fld id="{8A825621-041C-4E9C-9BC7-B11EF57970CE}" type="datetimeFigureOut">
+              <a:rPr lang="en-US" smtClean="0"/>
+              <a:t>3/17/2018</a:t>
+            </a:fld>
+            <a:endParaRPr lang="en-US"/>
+          </a:p>
+        </p:txBody>
+      </p:sp>
+      <p:sp>
+        <p:nvSpPr>
+          <p:cNvPr id="5" name="Footer Placeholder 4"/>
+          <p:cNvSpPr>
+            <a:spLocks noGrp="1"/>
+          </p:cNvSpPr>
+          <p:nvPr>
+            <p:ph type="ftr" sz="quarter" idx="11"/>
+          </p:nvPr>
+        </p:nvSpPr>
+        <p:spPr/>
+        <p:txBody>
+          <a:bodyPr/>
+          <a:lstStyle/>
+          <a:p>
+            <a:endParaRPr lang="en-US"/>
+          </a:p>
+        </p:txBody>
+      </p:sp>
+      <p:sp>
+        <p:nvSpPr>
+          <p:cNvPr id="6" name="Slide Number Placeholder 5"/>
+          <p:cNvSpPr>
+            <a:spLocks noGrp="1"/>
+          </p:cNvSpPr>
+          <p:nvPr>
+            <p:ph type="sldNum" sz="quarter" idx="12"/>
+          </p:nvPr>
+        </p:nvSpPr>
+        <p:spPr/>
+        <p:txBody>
+          <a:bodyPr/>
+          <a:lstStyle/>
+          <a:p>
+            <a:fld id="{81B1F688-C838-46F8-ACFE-E577F8C329DA}" type="slidenum">
+              <a:rPr lang="en-US" smtClean="0"/>
+              <a:t>‹#›</a:t>
+            </a:fld>
+            <a:endParaRPr lang="en-US"/>
+          </a:p>
+        </p:txBody>
+      </p:sp>
+    </p:spTree>
+    <p:extLst>
+      <p:ext uri="{BB962C8B-B14F-4D97-AF65-F5344CB8AC3E}">
+        <p14:creationId xmlns:p14="http://schemas.microsoft.com/office/powerpoint/2010/main" val="2860731339"/>
+      </p:ext>
+    </p:extLst>
+  </p:cSld>
+  <p:clrMapOvr>
+    <a:masterClrMapping/>
+  </p:clrMapOvr>
+</p:sldLayout>
+</file>
+
+<file path=ppt/slideLayouts/slideLayout13.xml><?xml version="1.0" encoding="utf-8"?>
+<p:sldLayout xmlns:a="http://schemas.openxmlformats.org/drawingml/2006/main" xmlns:r="http://schemas.openxmlformats.org/officeDocument/2006/relationships" xmlns:p="http://schemas.openxmlformats.org/presentationml/2006/main" preserve="1">
+  <p:cSld name="Quote Name Card">
+    <p:spTree>
+      <p:nvGrpSpPr>
+        <p:cNvPr id="1" name=""/>
+        <p:cNvGrpSpPr/>
+        <p:nvPr/>
+      </p:nvGrpSpPr>
+      <p:grpSpPr>
+        <a:xfrm>
+          <a:off x="0" y="0"/>
+          <a:ext cx="0" cy="0"/>
+          <a:chOff x="0" y="0"/>
+          <a:chExt cx="0" cy="0"/>
+        </a:xfrm>
+      </p:grpSpPr>
+      <p:sp>
+        <p:nvSpPr>
+          <p:cNvPr id="2" name="Title 1"/>
+          <p:cNvSpPr>
+            <a:spLocks noGrp="1"/>
+          </p:cNvSpPr>
+          <p:nvPr>
+            <p:ph type="title"/>
+          </p:nvPr>
+        </p:nvSpPr>
+        <p:spPr>
+          <a:xfrm>
+            <a:off x="931334" y="609600"/>
+            <a:ext cx="8094134" cy="3022600"/>
+          </a:xfrm>
+        </p:spPr>
+        <p:txBody>
+          <a:bodyPr anchor="ctr">
+            <a:normAutofit/>
+          </a:bodyPr>
+          <a:lstStyle>
+            <a:lvl1pPr algn="l">
+              <a:defRPr sz="4400" b="0" cap="none"/>
+            </a:lvl1pPr>
+          </a:lstStyle>
+          <a:p>
+            <a:r>
+              <a:rPr lang="en-US"/>
+              <a:t>Click to edit Master title style</a:t>
+            </a:r>
+            <a:endParaRPr lang="en-US" dirty="0"/>
+          </a:p>
+        </p:txBody>
+      </p:sp>
+      <p:sp>
+        <p:nvSpPr>
+          <p:cNvPr id="23" name="Text Placeholder 9"/>
+          <p:cNvSpPr>
+            <a:spLocks noGrp="1"/>
+          </p:cNvSpPr>
+          <p:nvPr>
+            <p:ph type="body" sz="quarter" idx="13"/>
+          </p:nvPr>
+        </p:nvSpPr>
+        <p:spPr>
+          <a:xfrm>
+            <a:off x="677332" y="4013200"/>
+            <a:ext cx="8596669" cy="514248"/>
+          </a:xfrm>
+        </p:spPr>
+        <p:txBody>
+          <a:bodyPr anchor="b">
+            <a:noAutofit/>
+          </a:bodyPr>
+          <a:lstStyle>
+            <a:lvl1pPr marL="0" indent="0">
+              <a:buFontTx/>
+              <a:buNone/>
+              <a:defRPr sz="2400">
+                <a:solidFill>
+                  <a:schemeClr val="tx1">
+                    <a:lumMod val="75000"/>
+                    <a:lumOff val="25000"/>
+                  </a:schemeClr>
+                </a:solidFill>
+              </a:defRPr>
+            </a:lvl1pPr>
+            <a:lvl2pPr marL="457200" indent="0">
+              <a:buFontTx/>
+              <a:buNone/>
+              <a:defRPr/>
+            </a:lvl2pPr>
+            <a:lvl3pPr marL="914400" indent="0">
+              <a:buFontTx/>
+              <a:buNone/>
+              <a:defRPr/>
+            </a:lvl3pPr>
+            <a:lvl4pPr marL="1371600" indent="0">
+              <a:buFontTx/>
+              <a:buNone/>
+              <a:defRPr/>
+            </a:lvl4pPr>
+            <a:lvl5pPr marL="1828800" indent="0">
+              <a:buFontTx/>
+              <a:buNone/>
+              <a:defRPr/>
+            </a:lvl5pPr>
+          </a:lstStyle>
+          <a:p>
+            <a:pPr lvl="0"/>
+            <a:r>
+              <a:rPr lang="en-US"/>
+              <a:t>Edit Master text styles</a:t>
+            </a:r>
+          </a:p>
+        </p:txBody>
+      </p:sp>
+      <p:sp>
+        <p:nvSpPr>
+          <p:cNvPr id="3" name="Text Placeholder 2"/>
+          <p:cNvSpPr>
+            <a:spLocks noGrp="1"/>
+          </p:cNvSpPr>
+          <p:nvPr>
+            <p:ph type="body" idx="1"/>
+          </p:nvPr>
+        </p:nvSpPr>
+        <p:spPr>
+          <a:xfrm>
+            <a:off x="677335" y="4527448"/>
+            <a:ext cx="8596668" cy="1513914"/>
+          </a:xfrm>
+        </p:spPr>
+        <p:txBody>
+          <a:bodyPr anchor="t">
+            <a:normAutofit/>
+          </a:bodyPr>
+          <a:lstStyle>
+            <a:lvl1pPr marL="0" indent="0" algn="l">
+              <a:buNone/>
+              <a:defRPr sz="1800">
+                <a:solidFill>
+                  <a:schemeClr val="tx1">
+                    <a:lumMod val="50000"/>
+                    <a:lumOff val="50000"/>
+                  </a:schemeClr>
+                </a:solidFill>
+              </a:defRPr>
+            </a:lvl1pPr>
+            <a:lvl2pPr marL="457200" indent="0">
+              <a:buNone/>
+              <a:defRPr sz="1800">
+                <a:solidFill>
+                  <a:schemeClr val="tx1">
+                    <a:tint val="75000"/>
+                  </a:schemeClr>
+                </a:solidFill>
+              </a:defRPr>
+            </a:lvl2pPr>
+            <a:lvl3pPr marL="914400" indent="0">
+              <a:buNone/>
+              <a:defRPr sz="1600">
+                <a:solidFill>
+                  <a:schemeClr val="tx1">
+                    <a:tint val="75000"/>
+                  </a:schemeClr>
+                </a:solidFill>
+              </a:defRPr>
+            </a:lvl3pPr>
+            <a:lvl4pPr marL="1371600" indent="0">
+              <a:buNone/>
+              <a:defRPr sz="1400">
+                <a:solidFill>
+                  <a:schemeClr val="tx1">
+                    <a:tint val="75000"/>
+                  </a:schemeClr>
+                </a:solidFill>
+              </a:defRPr>
+            </a:lvl4pPr>
+            <a:lvl5pPr marL="1828800" indent="0">
+              <a:buNone/>
+              <a:defRPr sz="1400">
+                <a:solidFill>
+                  <a:schemeClr val="tx1">
+                    <a:tint val="75000"/>
+                  </a:schemeClr>
+                </a:solidFill>
+              </a:defRPr>
+            </a:lvl5pPr>
+            <a:lvl6pPr marL="2286000" indent="0">
+              <a:buNone/>
+              <a:defRPr sz="1400">
+                <a:solidFill>
+                  <a:schemeClr val="tx1">
+                    <a:tint val="75000"/>
+                  </a:schemeClr>
+                </a:solidFill>
+              </a:defRPr>
+            </a:lvl6pPr>
+            <a:lvl7pPr marL="2743200" indent="0">
+              <a:buNone/>
+              <a:defRPr sz="1400">
+                <a:solidFill>
+                  <a:schemeClr val="tx1">
+                    <a:tint val="75000"/>
+                  </a:schemeClr>
+                </a:solidFill>
+              </a:defRPr>
+            </a:lvl7pPr>
+            <a:lvl8pPr marL="3200400" indent="0">
+              <a:buNone/>
+              <a:defRPr sz="1400">
+                <a:solidFill>
+                  <a:schemeClr val="tx1">
+                    <a:tint val="75000"/>
+                  </a:schemeClr>
+                </a:solidFill>
+              </a:defRPr>
+            </a:lvl8pPr>
+            <a:lvl9pPr marL="3657600" indent="0">
+              <a:buNone/>
+              <a:defRPr sz="1400">
+                <a:solidFill>
+                  <a:schemeClr val="tx1">
+                    <a:tint val="75000"/>
+                  </a:schemeClr>
+                </a:solidFill>
+              </a:defRPr>
+            </a:lvl9pPr>
+          </a:lstStyle>
+          <a:p>
+            <a:pPr lvl="0"/>
+            <a:r>
+              <a:rPr lang="en-US"/>
+              <a:t>Edit Master text styles</a:t>
+            </a:r>
+          </a:p>
+        </p:txBody>
+      </p:sp>
+      <p:sp>
+        <p:nvSpPr>
+          <p:cNvPr id="4" name="Date Placeholder 3"/>
+          <p:cNvSpPr>
+            <a:spLocks noGrp="1"/>
+          </p:cNvSpPr>
+          <p:nvPr>
+            <p:ph type="dt" sz="half" idx="10"/>
+          </p:nvPr>
+        </p:nvSpPr>
+        <p:spPr/>
+        <p:txBody>
+          <a:bodyPr/>
+          <a:lstStyle/>
+          <a:p>
+            <a:fld id="{8A825621-041C-4E9C-9BC7-B11EF57970CE}" type="datetimeFigureOut">
+              <a:rPr lang="en-US" smtClean="0"/>
+              <a:t>3/17/2018</a:t>
+            </a:fld>
+            <a:endParaRPr lang="en-US"/>
+          </a:p>
+        </p:txBody>
+      </p:sp>
+      <p:sp>
+        <p:nvSpPr>
+          <p:cNvPr id="5" name="Footer Placeholder 4"/>
+          <p:cNvSpPr>
+            <a:spLocks noGrp="1"/>
+          </p:cNvSpPr>
+          <p:nvPr>
+            <p:ph type="ftr" sz="quarter" idx="11"/>
+          </p:nvPr>
+        </p:nvSpPr>
+        <p:spPr/>
+        <p:txBody>
+          <a:bodyPr/>
+          <a:lstStyle/>
+          <a:p>
+            <a:endParaRPr lang="en-US"/>
+          </a:p>
+        </p:txBody>
+      </p:sp>
+      <p:sp>
+        <p:nvSpPr>
+          <p:cNvPr id="6" name="Slide Number Placeholder 5"/>
+          <p:cNvSpPr>
+            <a:spLocks noGrp="1"/>
+          </p:cNvSpPr>
+          <p:nvPr>
+            <p:ph type="sldNum" sz="quarter" idx="12"/>
+          </p:nvPr>
+        </p:nvSpPr>
+        <p:spPr/>
+        <p:txBody>
+          <a:bodyPr/>
+          <a:lstStyle/>
+          <a:p>
+            <a:fld id="{81B1F688-C838-46F8-ACFE-E577F8C329DA}" type="slidenum">
+              <a:rPr lang="en-US" smtClean="0"/>
+              <a:t>‹#›</a:t>
+            </a:fld>
+            <a:endParaRPr lang="en-US"/>
+          </a:p>
+        </p:txBody>
+      </p:sp>
+      <p:sp>
+        <p:nvSpPr>
+          <p:cNvPr id="24" name="TextBox 23"/>
+          <p:cNvSpPr txBox="1"/>
+          <p:nvPr/>
+        </p:nvSpPr>
+        <p:spPr>
+          <a:xfrm>
+            <a:off x="541870" y="790378"/>
+            <a:ext cx="609600" cy="584776"/>
+          </a:xfrm>
+          <a:prstGeom prst="rect">
+            <a:avLst/>
+          </a:prstGeom>
+        </p:spPr>
+        <p:txBody>
+          <a:bodyPr vert="horz" lIns="91440" tIns="45720" rIns="91440" bIns="45720" rtlCol="0" anchor="ctr">
+            <a:noAutofit/>
+          </a:bodyPr>
+          <a:lstStyle/>
+          <a:p>
+            <a:pPr lvl="0"/>
+            <a:r>
+              <a:rPr lang="en-US" sz="8000" baseline="0" dirty="0">
+                <a:ln w="3175" cmpd="sng">
+                  <a:noFill/>
+                </a:ln>
+                <a:solidFill>
+                  <a:schemeClr val="accent1">
+                    <a:lumMod val="60000"/>
+                    <a:lumOff val="40000"/>
+                  </a:schemeClr>
+                </a:solidFill>
+                <a:effectLst/>
+                <a:latin typeface="Arial"/>
+              </a:rPr>
+              <a:t>“</a:t>
+            </a:r>
+          </a:p>
+        </p:txBody>
+      </p:sp>
+      <p:sp>
+        <p:nvSpPr>
+          <p:cNvPr id="25" name="TextBox 24"/>
+          <p:cNvSpPr txBox="1"/>
+          <p:nvPr/>
+        </p:nvSpPr>
+        <p:spPr>
+          <a:xfrm>
+            <a:off x="8893011" y="2886556"/>
+            <a:ext cx="609600" cy="584776"/>
+          </a:xfrm>
+          <a:prstGeom prst="rect">
+            <a:avLst/>
+          </a:prstGeom>
+        </p:spPr>
+        <p:txBody>
+          <a:bodyPr vert="horz" lIns="91440" tIns="45720" rIns="91440" bIns="45720" rtlCol="0" anchor="ctr">
+            <a:noAutofit/>
+          </a:bodyPr>
+          <a:lstStyle/>
+          <a:p>
+            <a:pPr lvl="0"/>
+            <a:r>
+              <a:rPr lang="en-US" sz="8000" baseline="0" dirty="0">
+                <a:ln w="3175" cmpd="sng">
+                  <a:noFill/>
+                </a:ln>
+                <a:solidFill>
+                  <a:schemeClr val="accent1">
+                    <a:lumMod val="60000"/>
+                    <a:lumOff val="40000"/>
+                  </a:schemeClr>
+                </a:solidFill>
+                <a:effectLst/>
+                <a:latin typeface="Arial"/>
+              </a:rPr>
+              <a:t>”</a:t>
+            </a:r>
+          </a:p>
+        </p:txBody>
+      </p:sp>
+    </p:spTree>
+    <p:extLst>
+      <p:ext uri="{BB962C8B-B14F-4D97-AF65-F5344CB8AC3E}">
+        <p14:creationId xmlns:p14="http://schemas.microsoft.com/office/powerpoint/2010/main" val="3504806581"/>
+      </p:ext>
+    </p:extLst>
+  </p:cSld>
+  <p:clrMapOvr>
+    <a:masterClrMapping/>
+  </p:clrMapOvr>
+</p:sldLayout>
+</file>
+
+<file path=ppt/slideLayouts/slideLayout14.xml><?xml version="1.0" encoding="utf-8"?>
+<p:sldLayout xmlns:a="http://schemas.openxmlformats.org/drawingml/2006/main" xmlns:r="http://schemas.openxmlformats.org/officeDocument/2006/relationships" xmlns:p="http://schemas.openxmlformats.org/presentationml/2006/main" preserve="1">
+  <p:cSld name="True or False">
+    <p:spTree>
+      <p:nvGrpSpPr>
+        <p:cNvPr id="1" name=""/>
+        <p:cNvGrpSpPr/>
+        <p:nvPr/>
+      </p:nvGrpSpPr>
+      <p:grpSpPr>
+        <a:xfrm>
+          <a:off x="0" y="0"/>
+          <a:ext cx="0" cy="0"/>
+          <a:chOff x="0" y="0"/>
+          <a:chExt cx="0" cy="0"/>
+        </a:xfrm>
+      </p:grpSpPr>
+      <p:sp>
+        <p:nvSpPr>
+          <p:cNvPr id="2" name="Title 1"/>
+          <p:cNvSpPr>
+            <a:spLocks noGrp="1"/>
+          </p:cNvSpPr>
+          <p:nvPr>
+            <p:ph type="title"/>
+          </p:nvPr>
+        </p:nvSpPr>
+        <p:spPr>
+          <a:xfrm>
+            <a:off x="685799" y="609600"/>
+            <a:ext cx="8588203" cy="3022600"/>
+          </a:xfrm>
+        </p:spPr>
+        <p:txBody>
+          <a:bodyPr anchor="ctr">
+            <a:normAutofit/>
+          </a:bodyPr>
+          <a:lstStyle>
+            <a:lvl1pPr algn="l">
+              <a:defRPr sz="4400" b="0" cap="none"/>
+            </a:lvl1pPr>
+          </a:lstStyle>
+          <a:p>
+            <a:r>
+              <a:rPr lang="en-US"/>
+              <a:t>Click to edit Master title style</a:t>
+            </a:r>
+            <a:endParaRPr lang="en-US" dirty="0"/>
+          </a:p>
+        </p:txBody>
+      </p:sp>
+      <p:sp>
+        <p:nvSpPr>
+          <p:cNvPr id="23" name="Text Placeholder 9"/>
+          <p:cNvSpPr>
+            <a:spLocks noGrp="1"/>
+          </p:cNvSpPr>
+          <p:nvPr>
+            <p:ph type="body" sz="quarter" idx="13"/>
+          </p:nvPr>
+        </p:nvSpPr>
+        <p:spPr>
+          <a:xfrm>
+            <a:off x="677332" y="4013200"/>
+            <a:ext cx="8596669" cy="514248"/>
+          </a:xfrm>
+        </p:spPr>
+        <p:txBody>
+          <a:bodyPr anchor="b">
+            <a:noAutofit/>
+          </a:bodyPr>
+          <a:lstStyle>
+            <a:lvl1pPr marL="0" indent="0">
+              <a:buFontTx/>
+              <a:buNone/>
+              <a:defRPr sz="2400">
+                <a:solidFill>
+                  <a:schemeClr val="accent1"/>
+                </a:solidFill>
+              </a:defRPr>
+            </a:lvl1pPr>
+            <a:lvl2pPr marL="457200" indent="0">
+              <a:buFontTx/>
+              <a:buNone/>
+              <a:defRPr/>
+            </a:lvl2pPr>
+            <a:lvl3pPr marL="914400" indent="0">
+              <a:buFontTx/>
+              <a:buNone/>
+              <a:defRPr/>
+            </a:lvl3pPr>
+            <a:lvl4pPr marL="1371600" indent="0">
+              <a:buFontTx/>
+              <a:buNone/>
+              <a:defRPr/>
+            </a:lvl4pPr>
+            <a:lvl5pPr marL="1828800" indent="0">
+              <a:buFontTx/>
+              <a:buNone/>
+              <a:defRPr/>
+            </a:lvl5pPr>
+          </a:lstStyle>
+          <a:p>
+            <a:pPr lvl="0"/>
+            <a:r>
+              <a:rPr lang="en-US"/>
+              <a:t>Edit Master text styles</a:t>
+            </a:r>
+          </a:p>
+        </p:txBody>
+      </p:sp>
+      <p:sp>
+        <p:nvSpPr>
+          <p:cNvPr id="3" name="Text Placeholder 2"/>
+          <p:cNvSpPr>
+            <a:spLocks noGrp="1"/>
+          </p:cNvSpPr>
+          <p:nvPr>
+            <p:ph type="body" idx="1"/>
+          </p:nvPr>
+        </p:nvSpPr>
+        <p:spPr>
+          <a:xfrm>
+            <a:off x="677335" y="4527448"/>
+            <a:ext cx="8596668" cy="1513914"/>
+          </a:xfrm>
+        </p:spPr>
+        <p:txBody>
+          <a:bodyPr anchor="t">
+            <a:normAutofit/>
+          </a:bodyPr>
+          <a:lstStyle>
+            <a:lvl1pPr marL="0" indent="0" algn="l">
+              <a:buNone/>
+              <a:defRPr sz="1800">
+                <a:solidFill>
+                  <a:schemeClr val="tx1">
+                    <a:lumMod val="50000"/>
+                    <a:lumOff val="50000"/>
+                  </a:schemeClr>
+                </a:solidFill>
+              </a:defRPr>
+            </a:lvl1pPr>
+            <a:lvl2pPr marL="457200" indent="0">
+              <a:buNone/>
+              <a:defRPr sz="1800">
+                <a:solidFill>
+                  <a:schemeClr val="tx1">
+                    <a:tint val="75000"/>
+                  </a:schemeClr>
+                </a:solidFill>
+              </a:defRPr>
+            </a:lvl2pPr>
+            <a:lvl3pPr marL="914400" indent="0">
+              <a:buNone/>
+              <a:defRPr sz="1600">
+                <a:solidFill>
+                  <a:schemeClr val="tx1">
+                    <a:tint val="75000"/>
+                  </a:schemeClr>
+                </a:solidFill>
+              </a:defRPr>
+            </a:lvl3pPr>
+            <a:lvl4pPr marL="1371600" indent="0">
+              <a:buNone/>
+              <a:defRPr sz="1400">
+                <a:solidFill>
+                  <a:schemeClr val="tx1">
+                    <a:tint val="75000"/>
+                  </a:schemeClr>
+                </a:solidFill>
+              </a:defRPr>
+            </a:lvl4pPr>
+            <a:lvl5pPr marL="1828800" indent="0">
+              <a:buNone/>
+              <a:defRPr sz="1400">
+                <a:solidFill>
+                  <a:schemeClr val="tx1">
+                    <a:tint val="75000"/>
+                  </a:schemeClr>
+                </a:solidFill>
+              </a:defRPr>
+            </a:lvl5pPr>
+            <a:lvl6pPr marL="2286000" indent="0">
+              <a:buNone/>
+              <a:defRPr sz="1400">
+                <a:solidFill>
+                  <a:schemeClr val="tx1">
+                    <a:tint val="75000"/>
+                  </a:schemeClr>
+                </a:solidFill>
+              </a:defRPr>
+            </a:lvl6pPr>
+            <a:lvl7pPr marL="2743200" indent="0">
+              <a:buNone/>
+              <a:defRPr sz="1400">
+                <a:solidFill>
+                  <a:schemeClr val="tx1">
+                    <a:tint val="75000"/>
+                  </a:schemeClr>
+                </a:solidFill>
+              </a:defRPr>
+            </a:lvl7pPr>
+            <a:lvl8pPr marL="3200400" indent="0">
+              <a:buNone/>
+              <a:defRPr sz="1400">
+                <a:solidFill>
+                  <a:schemeClr val="tx1">
+                    <a:tint val="75000"/>
+                  </a:schemeClr>
+                </a:solidFill>
+              </a:defRPr>
+            </a:lvl8pPr>
+            <a:lvl9pPr marL="3657600" indent="0">
+              <a:buNone/>
+              <a:defRPr sz="1400">
+                <a:solidFill>
+                  <a:schemeClr val="tx1">
+                    <a:tint val="75000"/>
+                  </a:schemeClr>
+                </a:solidFill>
+              </a:defRPr>
+            </a:lvl9pPr>
+          </a:lstStyle>
+          <a:p>
+            <a:pPr lvl="0"/>
+            <a:r>
+              <a:rPr lang="en-US"/>
+              <a:t>Edit Master text styles</a:t>
+            </a:r>
+          </a:p>
+        </p:txBody>
+      </p:sp>
+      <p:sp>
+        <p:nvSpPr>
+          <p:cNvPr id="4" name="Date Placeholder 3"/>
+          <p:cNvSpPr>
+            <a:spLocks noGrp="1"/>
+          </p:cNvSpPr>
+          <p:nvPr>
+            <p:ph type="dt" sz="half" idx="10"/>
+          </p:nvPr>
+        </p:nvSpPr>
+        <p:spPr/>
+        <p:txBody>
+          <a:bodyPr/>
+          <a:lstStyle/>
+          <a:p>
+            <a:fld id="{8A825621-041C-4E9C-9BC7-B11EF57970CE}" type="datetimeFigureOut">
+              <a:rPr lang="en-US" smtClean="0"/>
+              <a:t>3/17/2018</a:t>
+            </a:fld>
+            <a:endParaRPr lang="en-US"/>
+          </a:p>
+        </p:txBody>
+      </p:sp>
+      <p:sp>
+        <p:nvSpPr>
+          <p:cNvPr id="5" name="Footer Placeholder 4"/>
+          <p:cNvSpPr>
+            <a:spLocks noGrp="1"/>
+          </p:cNvSpPr>
+          <p:nvPr>
+            <p:ph type="ftr" sz="quarter" idx="11"/>
+          </p:nvPr>
+        </p:nvSpPr>
+        <p:spPr/>
+        <p:txBody>
+          <a:bodyPr/>
+          <a:lstStyle/>
+          <a:p>
+            <a:endParaRPr lang="en-US"/>
+          </a:p>
+        </p:txBody>
+      </p:sp>
+      <p:sp>
+        <p:nvSpPr>
+          <p:cNvPr id="6" name="Slide Number Placeholder 5"/>
+          <p:cNvSpPr>
+            <a:spLocks noGrp="1"/>
+          </p:cNvSpPr>
+          <p:nvPr>
+            <p:ph type="sldNum" sz="quarter" idx="12"/>
+          </p:nvPr>
+        </p:nvSpPr>
+        <p:spPr/>
+        <p:txBody>
+          <a:bodyPr/>
+          <a:lstStyle/>
+          <a:p>
+            <a:fld id="{81B1F688-C838-46F8-ACFE-E577F8C329DA}" type="slidenum">
+              <a:rPr lang="en-US" smtClean="0"/>
+              <a:t>‹#›</a:t>
+            </a:fld>
+            <a:endParaRPr lang="en-US"/>
+          </a:p>
+        </p:txBody>
+      </p:sp>
+    </p:spTree>
+    <p:extLst>
+      <p:ext uri="{BB962C8B-B14F-4D97-AF65-F5344CB8AC3E}">
+        <p14:creationId xmlns:p14="http://schemas.microsoft.com/office/powerpoint/2010/main" val="525878521"/>
+      </p:ext>
+    </p:extLst>
+  </p:cSld>
+  <p:clrMapOvr>
+    <a:masterClrMapping/>
+  </p:clrMapOvr>
+</p:sldLayout>
+</file>
+
+<file path=ppt/slideLayouts/slideLayout15.xml><?xml version="1.0" encoding="utf-8"?>
 <p:sldLayout xmlns:a="http://schemas.openxmlformats.org/drawingml/2006/main" xmlns:r="http://schemas.openxmlformats.org/officeDocument/2006/relationships" xmlns:p="http://schemas.openxmlformats.org/presentationml/2006/main" type="vertTx" preserve="1">
   <p:cSld name="Title and Vertical Text">
     <p:spTree>
@@ -965,13 +3149,7 @@
       </p:grpSpPr>
       <p:sp>
         <p:nvSpPr>
-          <p:cNvPr id="2" name="Title 1">
-            <a:extLst>
-              <a:ext uri="{FF2B5EF4-FFF2-40B4-BE49-F238E27FC236}">
-                <a16:creationId xmlns:a16="http://schemas.microsoft.com/office/drawing/2014/main" id="{516DE4E0-DB48-4E08-8FD6-EDA8A909FD15}"/>
-              </a:ext>
-            </a:extLst>
-          </p:cNvPr>
+          <p:cNvPr id="2" name="Title 1"/>
           <p:cNvSpPr>
             <a:spLocks noGrp="1"/>
           </p:cNvSpPr>
@@ -988,18 +3166,13 @@
               <a:rPr lang="en-US"/>
               <a:t>Click to edit Master title style</a:t>
             </a:r>
-          </a:p>
-        </p:txBody>
-      </p:sp>
-      <p:sp>
-        <p:nvSpPr>
-          <p:cNvPr id="3" name="Vertical Text Placeholder 2">
-            <a:extLst>
-              <a:ext uri="{FF2B5EF4-FFF2-40B4-BE49-F238E27FC236}">
-                <a16:creationId xmlns:a16="http://schemas.microsoft.com/office/drawing/2014/main" id="{E7A05B1A-1FA5-460A-A003-64A665122762}"/>
-              </a:ext>
-            </a:extLst>
-          </p:cNvPr>
+            <a:endParaRPr lang="en-US" dirty="0"/>
+          </a:p>
+        </p:txBody>
+      </p:sp>
+      <p:sp>
+        <p:nvSpPr>
+          <p:cNvPr id="3" name="Vertical Text Placeholder 2"/>
           <p:cNvSpPr>
             <a:spLocks noGrp="1"/>
           </p:cNvSpPr>
@@ -1045,18 +3218,13 @@
               <a:rPr lang="en-US"/>
               <a:t>Fifth level</a:t>
             </a:r>
-          </a:p>
-        </p:txBody>
-      </p:sp>
-      <p:sp>
-        <p:nvSpPr>
-          <p:cNvPr id="4" name="Date Placeholder 3">
-            <a:extLst>
-              <a:ext uri="{FF2B5EF4-FFF2-40B4-BE49-F238E27FC236}">
-                <a16:creationId xmlns:a16="http://schemas.microsoft.com/office/drawing/2014/main" id="{90D81FA4-9A89-4705-B6E0-651C2526E160}"/>
-              </a:ext>
-            </a:extLst>
-          </p:cNvPr>
+            <a:endParaRPr lang="en-US" dirty="0"/>
+          </a:p>
+        </p:txBody>
+      </p:sp>
+      <p:sp>
+        <p:nvSpPr>
+          <p:cNvPr id="4" name="Date Placeholder 3"/>
           <p:cNvSpPr>
             <a:spLocks noGrp="1"/>
           </p:cNvSpPr>
@@ -1071,7 +3239,7 @@
           <a:p>
             <a:fld id="{8A825621-041C-4E9C-9BC7-B11EF57970CE}" type="datetimeFigureOut">
               <a:rPr lang="en-US" smtClean="0"/>
-              <a:t>3/7/2018</a:t>
+              <a:t>3/17/2018</a:t>
             </a:fld>
             <a:endParaRPr lang="en-US"/>
           </a:p>
@@ -1079,13 +3247,7 @@
       </p:sp>
       <p:sp>
         <p:nvSpPr>
-          <p:cNvPr id="5" name="Footer Placeholder 4">
-            <a:extLst>
-              <a:ext uri="{FF2B5EF4-FFF2-40B4-BE49-F238E27FC236}">
-                <a16:creationId xmlns:a16="http://schemas.microsoft.com/office/drawing/2014/main" id="{42CFF162-85C7-4FF4-AF66-DFC7B3194196}"/>
-              </a:ext>
-            </a:extLst>
-          </p:cNvPr>
+          <p:cNvPr id="5" name="Footer Placeholder 4"/>
           <p:cNvSpPr>
             <a:spLocks noGrp="1"/>
           </p:cNvSpPr>
@@ -1104,13 +3266,7 @@
       </p:sp>
       <p:sp>
         <p:nvSpPr>
-          <p:cNvPr id="6" name="Slide Number Placeholder 5">
-            <a:extLst>
-              <a:ext uri="{FF2B5EF4-FFF2-40B4-BE49-F238E27FC236}">
-                <a16:creationId xmlns:a16="http://schemas.microsoft.com/office/drawing/2014/main" id="{5522C641-58CA-4068-AEB9-9A6C18F91060}"/>
-              </a:ext>
-            </a:extLst>
-          </p:cNvPr>
+          <p:cNvPr id="6" name="Slide Number Placeholder 5"/>
           <p:cNvSpPr>
             <a:spLocks noGrp="1"/>
           </p:cNvSpPr>
@@ -1134,7 +3290,7 @@
     </p:spTree>
     <p:extLst>
       <p:ext uri="{BB962C8B-B14F-4D97-AF65-F5344CB8AC3E}">
-        <p14:creationId xmlns:p14="http://schemas.microsoft.com/office/powerpoint/2010/main" val="2134589786"/>
+        <p14:creationId xmlns:p14="http://schemas.microsoft.com/office/powerpoint/2010/main" val="166922751"/>
       </p:ext>
     </p:extLst>
   </p:cSld>
@@ -1144,7 +3300,7 @@
 </p:sldLayout>
 </file>
 
-<file path=ppt/slideLayouts/slideLayout11.xml><?xml version="1.0" encoding="utf-8"?>
+<file path=ppt/slideLayouts/slideLayout16.xml><?xml version="1.0" encoding="utf-8"?>
 <p:sldLayout xmlns:a="http://schemas.openxmlformats.org/drawingml/2006/main" xmlns:r="http://schemas.openxmlformats.org/officeDocument/2006/relationships" xmlns:p="http://schemas.openxmlformats.org/presentationml/2006/main" type="vertTitleAndTx" preserve="1">
   <p:cSld name="Vertical Title and Text">
     <p:spTree>
@@ -1163,13 +3319,7 @@
       </p:grpSpPr>
       <p:sp>
         <p:nvSpPr>
-          <p:cNvPr id="2" name="Vertical Title 1">
-            <a:extLst>
-              <a:ext uri="{FF2B5EF4-FFF2-40B4-BE49-F238E27FC236}">
-                <a16:creationId xmlns:a16="http://schemas.microsoft.com/office/drawing/2014/main" id="{CC80872A-CAAD-486C-AC80-43618466B64B}"/>
-              </a:ext>
-            </a:extLst>
-          </p:cNvPr>
+          <p:cNvPr id="2" name="Vertical Title 1"/>
           <p:cNvSpPr>
             <a:spLocks noGrp="1"/>
           </p:cNvSpPr>
@@ -1179,47 +3329,42 @@
         </p:nvSpPr>
         <p:spPr>
           <a:xfrm>
-            <a:off x="8724900" y="365125"/>
-            <a:ext cx="2628900" cy="5811838"/>
+            <a:off x="7967673" y="609599"/>
+            <a:ext cx="1304743" cy="5251451"/>
           </a:xfrm>
         </p:spPr>
         <p:txBody>
+          <a:bodyPr vert="eaVert" anchor="ctr"/>
+          <a:lstStyle/>
+          <a:p>
+            <a:r>
+              <a:rPr lang="en-US"/>
+              <a:t>Click to edit Master title style</a:t>
+            </a:r>
+            <a:endParaRPr lang="en-US" dirty="0"/>
+          </a:p>
+        </p:txBody>
+      </p:sp>
+      <p:sp>
+        <p:nvSpPr>
+          <p:cNvPr id="3" name="Vertical Text Placeholder 2"/>
+          <p:cNvSpPr>
+            <a:spLocks noGrp="1"/>
+          </p:cNvSpPr>
+          <p:nvPr>
+            <p:ph type="body" orient="vert" idx="1"/>
+          </p:nvPr>
+        </p:nvSpPr>
+        <p:spPr>
+          <a:xfrm>
+            <a:off x="677335" y="609600"/>
+            <a:ext cx="7060150" cy="5251450"/>
+          </a:xfrm>
+        </p:spPr>
+        <p:txBody>
           <a:bodyPr vert="eaVert"/>
           <a:lstStyle/>
           <a:p>
-            <a:r>
-              <a:rPr lang="en-US"/>
-              <a:t>Click to edit Master title style</a:t>
-            </a:r>
-          </a:p>
-        </p:txBody>
-      </p:sp>
-      <p:sp>
-        <p:nvSpPr>
-          <p:cNvPr id="3" name="Vertical Text Placeholder 2">
-            <a:extLst>
-              <a:ext uri="{FF2B5EF4-FFF2-40B4-BE49-F238E27FC236}">
-                <a16:creationId xmlns:a16="http://schemas.microsoft.com/office/drawing/2014/main" id="{E365C34D-6CDB-49AC-8F8D-C159287990B1}"/>
-              </a:ext>
-            </a:extLst>
-          </p:cNvPr>
-          <p:cNvSpPr>
-            <a:spLocks noGrp="1"/>
-          </p:cNvSpPr>
-          <p:nvPr>
-            <p:ph type="body" orient="vert" idx="1"/>
-          </p:nvPr>
-        </p:nvSpPr>
-        <p:spPr>
-          <a:xfrm>
-            <a:off x="838200" y="365125"/>
-            <a:ext cx="7734300" cy="5811838"/>
-          </a:xfrm>
-        </p:spPr>
-        <p:txBody>
-          <a:bodyPr vert="eaVert"/>
-          <a:lstStyle/>
-          <a:p>
             <a:pPr lvl="0"/>
             <a:r>
               <a:rPr lang="en-US"/>
@@ -1253,18 +3398,13 @@
               <a:rPr lang="en-US"/>
               <a:t>Fifth level</a:t>
             </a:r>
-          </a:p>
-        </p:txBody>
-      </p:sp>
-      <p:sp>
-        <p:nvSpPr>
-          <p:cNvPr id="4" name="Date Placeholder 3">
-            <a:extLst>
-              <a:ext uri="{FF2B5EF4-FFF2-40B4-BE49-F238E27FC236}">
-                <a16:creationId xmlns:a16="http://schemas.microsoft.com/office/drawing/2014/main" id="{322E94B0-BBCE-4DFF-990E-04F824AE4288}"/>
-              </a:ext>
-            </a:extLst>
-          </p:cNvPr>
+            <a:endParaRPr lang="en-US" dirty="0"/>
+          </a:p>
+        </p:txBody>
+      </p:sp>
+      <p:sp>
+        <p:nvSpPr>
+          <p:cNvPr id="4" name="Date Placeholder 3"/>
           <p:cNvSpPr>
             <a:spLocks noGrp="1"/>
           </p:cNvSpPr>
@@ -1279,7 +3419,7 @@
           <a:p>
             <a:fld id="{8A825621-041C-4E9C-9BC7-B11EF57970CE}" type="datetimeFigureOut">
               <a:rPr lang="en-US" smtClean="0"/>
-              <a:t>3/7/2018</a:t>
+              <a:t>3/17/2018</a:t>
             </a:fld>
             <a:endParaRPr lang="en-US"/>
           </a:p>
@@ -1287,13 +3427,7 @@
       </p:sp>
       <p:sp>
         <p:nvSpPr>
-          <p:cNvPr id="5" name="Footer Placeholder 4">
-            <a:extLst>
-              <a:ext uri="{FF2B5EF4-FFF2-40B4-BE49-F238E27FC236}">
-                <a16:creationId xmlns:a16="http://schemas.microsoft.com/office/drawing/2014/main" id="{BD642AA4-DD0B-4347-8F85-72F95724930C}"/>
-              </a:ext>
-            </a:extLst>
-          </p:cNvPr>
+          <p:cNvPr id="5" name="Footer Placeholder 4"/>
           <p:cNvSpPr>
             <a:spLocks noGrp="1"/>
           </p:cNvSpPr>
@@ -1312,13 +3446,7 @@
       </p:sp>
       <p:sp>
         <p:nvSpPr>
-          <p:cNvPr id="6" name="Slide Number Placeholder 5">
-            <a:extLst>
-              <a:ext uri="{FF2B5EF4-FFF2-40B4-BE49-F238E27FC236}">
-                <a16:creationId xmlns:a16="http://schemas.microsoft.com/office/drawing/2014/main" id="{C7E49CB8-F2D7-4734-B581-AF7EB09A5DB9}"/>
-              </a:ext>
-            </a:extLst>
-          </p:cNvPr>
+          <p:cNvPr id="6" name="Slide Number Placeholder 5"/>
           <p:cNvSpPr>
             <a:spLocks noGrp="1"/>
           </p:cNvSpPr>
@@ -1342,7 +3470,7 @@
     </p:spTree>
     <p:extLst>
       <p:ext uri="{BB962C8B-B14F-4D97-AF65-F5344CB8AC3E}">
-        <p14:creationId xmlns:p14="http://schemas.microsoft.com/office/powerpoint/2010/main" val="3822803781"/>
+        <p14:creationId xmlns:p14="http://schemas.microsoft.com/office/powerpoint/2010/main" val="1276993111"/>
       </p:ext>
     </p:extLst>
   </p:cSld>
@@ -1371,18 +3499,41 @@
       </p:grpSpPr>
       <p:sp>
         <p:nvSpPr>
-          <p:cNvPr id="2" name="Title 1">
-            <a:extLst>
-              <a:ext uri="{FF2B5EF4-FFF2-40B4-BE49-F238E27FC236}">
-                <a16:creationId xmlns:a16="http://schemas.microsoft.com/office/drawing/2014/main" id="{31F6DED8-873A-447A-B2E2-D9B69F86A246}"/>
-              </a:ext>
-            </a:extLst>
-          </p:cNvPr>
+          <p:cNvPr id="2" name="Title 1"/>
           <p:cNvSpPr>
             <a:spLocks noGrp="1"/>
           </p:cNvSpPr>
           <p:nvPr>
             <p:ph type="title"/>
+          </p:nvPr>
+        </p:nvSpPr>
+        <p:spPr/>
+        <p:txBody>
+          <a:bodyPr>
+            <a:normAutofit/>
+          </a:bodyPr>
+          <a:lstStyle>
+            <a:lvl1pPr>
+              <a:defRPr sz="3600"/>
+            </a:lvl1pPr>
+          </a:lstStyle>
+          <a:p>
+            <a:r>
+              <a:rPr lang="en-US"/>
+              <a:t>Click to edit Master title style</a:t>
+            </a:r>
+            <a:endParaRPr lang="en-US" dirty="0"/>
+          </a:p>
+        </p:txBody>
+      </p:sp>
+      <p:sp>
+        <p:nvSpPr>
+          <p:cNvPr id="3" name="Content Placeholder 2"/>
+          <p:cNvSpPr>
+            <a:spLocks noGrp="1"/>
+          </p:cNvSpPr>
+          <p:nvPr>
+            <p:ph idx="1"/>
           </p:nvPr>
         </p:nvSpPr>
         <p:spPr/>
@@ -1390,27 +3541,51 @@
           <a:bodyPr/>
           <a:lstStyle/>
           <a:p>
+            <a:pPr lvl="0"/>
             <a:r>
               <a:rPr lang="en-US"/>
-              <a:t>Click to edit Master title style</a:t>
-            </a:r>
-          </a:p>
-        </p:txBody>
-      </p:sp>
-      <p:sp>
-        <p:nvSpPr>
-          <p:cNvPr id="3" name="Content Placeholder 2">
-            <a:extLst>
-              <a:ext uri="{FF2B5EF4-FFF2-40B4-BE49-F238E27FC236}">
-                <a16:creationId xmlns:a16="http://schemas.microsoft.com/office/drawing/2014/main" id="{BB9B6CCD-3FD5-494D-A3CF-C5AA08D15D04}"/>
-              </a:ext>
-            </a:extLst>
-          </p:cNvPr>
-          <p:cNvSpPr>
-            <a:spLocks noGrp="1"/>
-          </p:cNvSpPr>
-          <p:nvPr>
-            <p:ph idx="1"/>
+              <a:t>Edit Master text styles</a:t>
+            </a:r>
+          </a:p>
+          <a:p>
+            <a:pPr lvl="1"/>
+            <a:r>
+              <a:rPr lang="en-US"/>
+              <a:t>Second level</a:t>
+            </a:r>
+          </a:p>
+          <a:p>
+            <a:pPr lvl="2"/>
+            <a:r>
+              <a:rPr lang="en-US"/>
+              <a:t>Third level</a:t>
+            </a:r>
+          </a:p>
+          <a:p>
+            <a:pPr lvl="3"/>
+            <a:r>
+              <a:rPr lang="en-US"/>
+              <a:t>Fourth level</a:t>
+            </a:r>
+          </a:p>
+          <a:p>
+            <a:pPr lvl="4"/>
+            <a:r>
+              <a:rPr lang="en-US"/>
+              <a:t>Fifth level</a:t>
+            </a:r>
+            <a:endParaRPr lang="en-US" dirty="0"/>
+          </a:p>
+        </p:txBody>
+      </p:sp>
+      <p:sp>
+        <p:nvSpPr>
+          <p:cNvPr id="4" name="Date Placeholder 3"/>
+          <p:cNvSpPr>
+            <a:spLocks noGrp="1"/>
+          </p:cNvSpPr>
+          <p:nvPr>
+            <p:ph type="dt" sz="half" idx="10"/>
           </p:nvPr>
         </p:nvSpPr>
         <p:spPr/>
@@ -1418,56 +3593,22 @@
           <a:bodyPr/>
           <a:lstStyle/>
           <a:p>
-            <a:pPr lvl="0"/>
-            <a:r>
-              <a:rPr lang="en-US"/>
-              <a:t>Edit Master text styles</a:t>
-            </a:r>
-          </a:p>
-          <a:p>
-            <a:pPr lvl="1"/>
-            <a:r>
-              <a:rPr lang="en-US"/>
-              <a:t>Second level</a:t>
-            </a:r>
-          </a:p>
-          <a:p>
-            <a:pPr lvl="2"/>
-            <a:r>
-              <a:rPr lang="en-US"/>
-              <a:t>Third level</a:t>
-            </a:r>
-          </a:p>
-          <a:p>
-            <a:pPr lvl="3"/>
-            <a:r>
-              <a:rPr lang="en-US"/>
-              <a:t>Fourth level</a:t>
-            </a:r>
-          </a:p>
-          <a:p>
-            <a:pPr lvl="4"/>
-            <a:r>
-              <a:rPr lang="en-US"/>
-              <a:t>Fifth level</a:t>
-            </a:r>
-          </a:p>
-        </p:txBody>
-      </p:sp>
-      <p:sp>
-        <p:nvSpPr>
-          <p:cNvPr id="4" name="Date Placeholder 3">
-            <a:extLst>
-              <a:ext uri="{FF2B5EF4-FFF2-40B4-BE49-F238E27FC236}">
-                <a16:creationId xmlns:a16="http://schemas.microsoft.com/office/drawing/2014/main" id="{5B9E544C-72ED-45BE-A8AA-BF450D18C49F}"/>
-              </a:ext>
-            </a:extLst>
-          </p:cNvPr>
-          <p:cNvSpPr>
-            <a:spLocks noGrp="1"/>
-          </p:cNvSpPr>
-          <p:nvPr>
-            <p:ph type="dt" sz="half" idx="10"/>
+            <a:fld id="{8A825621-041C-4E9C-9BC7-B11EF57970CE}" type="datetimeFigureOut">
+              <a:rPr lang="en-US" smtClean="0"/>
+              <a:t>3/17/2018</a:t>
+            </a:fld>
+            <a:endParaRPr lang="en-US"/>
+          </a:p>
+        </p:txBody>
+      </p:sp>
+      <p:sp>
+        <p:nvSpPr>
+          <p:cNvPr id="5" name="Footer Placeholder 4"/>
+          <p:cNvSpPr>
+            <a:spLocks noGrp="1"/>
+          </p:cNvSpPr>
+          <p:nvPr>
+            <p:ph type="ftr" sz="quarter" idx="11"/>
           </p:nvPr>
         </p:nvSpPr>
         <p:spPr/>
@@ -1475,48 +3616,13 @@
           <a:bodyPr/>
           <a:lstStyle/>
           <a:p>
-            <a:fld id="{8A825621-041C-4E9C-9BC7-B11EF57970CE}" type="datetimeFigureOut">
-              <a:rPr lang="en-US" smtClean="0"/>
-              <a:t>3/7/2018</a:t>
-            </a:fld>
             <a:endParaRPr lang="en-US"/>
           </a:p>
         </p:txBody>
       </p:sp>
       <p:sp>
         <p:nvSpPr>
-          <p:cNvPr id="5" name="Footer Placeholder 4">
-            <a:extLst>
-              <a:ext uri="{FF2B5EF4-FFF2-40B4-BE49-F238E27FC236}">
-                <a16:creationId xmlns:a16="http://schemas.microsoft.com/office/drawing/2014/main" id="{96D63ACE-4EAC-42AF-A6A2-0252408DA768}"/>
-              </a:ext>
-            </a:extLst>
-          </p:cNvPr>
-          <p:cNvSpPr>
-            <a:spLocks noGrp="1"/>
-          </p:cNvSpPr>
-          <p:nvPr>
-            <p:ph type="ftr" sz="quarter" idx="11"/>
-          </p:nvPr>
-        </p:nvSpPr>
-        <p:spPr/>
-        <p:txBody>
-          <a:bodyPr/>
-          <a:lstStyle/>
-          <a:p>
-            <a:endParaRPr lang="en-US"/>
-          </a:p>
-        </p:txBody>
-      </p:sp>
-      <p:sp>
-        <p:nvSpPr>
-          <p:cNvPr id="6" name="Slide Number Placeholder 5">
-            <a:extLst>
-              <a:ext uri="{FF2B5EF4-FFF2-40B4-BE49-F238E27FC236}">
-                <a16:creationId xmlns:a16="http://schemas.microsoft.com/office/drawing/2014/main" id="{65C2C177-A2C1-4D82-A5CF-BED4E9657856}"/>
-              </a:ext>
-            </a:extLst>
-          </p:cNvPr>
+          <p:cNvPr id="6" name="Slide Number Placeholder 5"/>
           <p:cNvSpPr>
             <a:spLocks noGrp="1"/>
           </p:cNvSpPr>
@@ -1540,7 +3646,7 @@
     </p:spTree>
     <p:extLst>
       <p:ext uri="{BB962C8B-B14F-4D97-AF65-F5344CB8AC3E}">
-        <p14:creationId xmlns:p14="http://schemas.microsoft.com/office/powerpoint/2010/main" val="2709839594"/>
+        <p14:creationId xmlns:p14="http://schemas.microsoft.com/office/powerpoint/2010/main" val="2105116278"/>
       </p:ext>
     </p:extLst>
   </p:cSld>
@@ -1569,13 +3675,7 @@
       </p:grpSpPr>
       <p:sp>
         <p:nvSpPr>
-          <p:cNvPr id="2" name="Title 1">
-            <a:extLst>
-              <a:ext uri="{FF2B5EF4-FFF2-40B4-BE49-F238E27FC236}">
-                <a16:creationId xmlns:a16="http://schemas.microsoft.com/office/drawing/2014/main" id="{DD2F5366-1B2A-4E2F-AA39-A259066AF28A}"/>
-              </a:ext>
-            </a:extLst>
-          </p:cNvPr>
+          <p:cNvPr id="2" name="Title 1"/>
           <p:cNvSpPr>
             <a:spLocks noGrp="1"/>
           </p:cNvSpPr>
@@ -1585,15 +3685,15 @@
         </p:nvSpPr>
         <p:spPr>
           <a:xfrm>
-            <a:off x="831850" y="1709738"/>
-            <a:ext cx="10515600" cy="2852737"/>
+            <a:off x="677335" y="2700867"/>
+            <a:ext cx="8596668" cy="1826581"/>
           </a:xfrm>
         </p:spPr>
         <p:txBody>
           <a:bodyPr anchor="b"/>
           <a:lstStyle>
-            <a:lvl1pPr>
-              <a:defRPr sz="6000"/>
+            <a:lvl1pPr algn="l">
+              <a:defRPr sz="4000" b="0" cap="none"/>
             </a:lvl1pPr>
           </a:lstStyle>
           <a:p>
@@ -1601,18 +3701,13 @@
               <a:rPr lang="en-US"/>
               <a:t>Click to edit Master title style</a:t>
             </a:r>
-          </a:p>
-        </p:txBody>
-      </p:sp>
-      <p:sp>
-        <p:nvSpPr>
-          <p:cNvPr id="3" name="Text Placeholder 2">
-            <a:extLst>
-              <a:ext uri="{FF2B5EF4-FFF2-40B4-BE49-F238E27FC236}">
-                <a16:creationId xmlns:a16="http://schemas.microsoft.com/office/drawing/2014/main" id="{E236699F-CA35-4FB2-83F5-D2C98EB90928}"/>
-              </a:ext>
-            </a:extLst>
-          </p:cNvPr>
+            <a:endParaRPr lang="en-US" dirty="0"/>
+          </a:p>
+        </p:txBody>
+      </p:sp>
+      <p:sp>
+        <p:nvSpPr>
+          <p:cNvPr id="3" name="Text Placeholder 2"/>
           <p:cNvSpPr>
             <a:spLocks noGrp="1"/>
           </p:cNvSpPr>
@@ -1622,26 +3717,27 @@
         </p:nvSpPr>
         <p:spPr>
           <a:xfrm>
-            <a:off x="831850" y="4589463"/>
-            <a:ext cx="10515600" cy="1500187"/>
+            <a:off x="677335" y="4527448"/>
+            <a:ext cx="8596668" cy="860400"/>
           </a:xfrm>
         </p:spPr>
         <p:txBody>
-          <a:bodyPr/>
+          <a:bodyPr anchor="t"/>
           <a:lstStyle>
-            <a:lvl1pPr marL="0" indent="0">
-              <a:buNone/>
-              <a:defRPr sz="2400">
+            <a:lvl1pPr marL="0" indent="0" algn="l">
+              <a:buNone/>
+              <a:defRPr sz="2000">
                 <a:solidFill>
                   <a:schemeClr val="tx1">
-                    <a:tint val="75000"/>
+                    <a:lumMod val="50000"/>
+                    <a:lumOff val="50000"/>
                   </a:schemeClr>
                 </a:solidFill>
               </a:defRPr>
             </a:lvl1pPr>
             <a:lvl2pPr marL="457200" indent="0">
               <a:buNone/>
-              <a:defRPr sz="2000">
+              <a:defRPr sz="1800">
                 <a:solidFill>
                   <a:schemeClr val="tx1">
                     <a:tint val="75000"/>
@@ -1651,7 +3747,7 @@
             </a:lvl2pPr>
             <a:lvl3pPr marL="914400" indent="0">
               <a:buNone/>
-              <a:defRPr sz="1800">
+              <a:defRPr sz="1600">
                 <a:solidFill>
                   <a:schemeClr val="tx1">
                     <a:tint val="75000"/>
@@ -1661,7 +3757,7 @@
             </a:lvl3pPr>
             <a:lvl4pPr marL="1371600" indent="0">
               <a:buNone/>
-              <a:defRPr sz="1600">
+              <a:defRPr sz="1400">
                 <a:solidFill>
                   <a:schemeClr val="tx1">
                     <a:tint val="75000"/>
@@ -1671,7 +3767,7 @@
             </a:lvl4pPr>
             <a:lvl5pPr marL="1828800" indent="0">
               <a:buNone/>
-              <a:defRPr sz="1600">
+              <a:defRPr sz="1400">
                 <a:solidFill>
                   <a:schemeClr val="tx1">
                     <a:tint val="75000"/>
@@ -1681,7 +3777,7 @@
             </a:lvl5pPr>
             <a:lvl6pPr marL="2286000" indent="0">
               <a:buNone/>
-              <a:defRPr sz="1600">
+              <a:defRPr sz="1400">
                 <a:solidFill>
                   <a:schemeClr val="tx1">
                     <a:tint val="75000"/>
@@ -1691,7 +3787,7 @@
             </a:lvl6pPr>
             <a:lvl7pPr marL="2743200" indent="0">
               <a:buNone/>
-              <a:defRPr sz="1600">
+              <a:defRPr sz="1400">
                 <a:solidFill>
                   <a:schemeClr val="tx1">
                     <a:tint val="75000"/>
@@ -1701,7 +3797,7 @@
             </a:lvl7pPr>
             <a:lvl8pPr marL="3200400" indent="0">
               <a:buNone/>
-              <a:defRPr sz="1600">
+              <a:defRPr sz="1400">
                 <a:solidFill>
                   <a:schemeClr val="tx1">
                     <a:tint val="75000"/>
@@ -1711,7 +3807,7 @@
             </a:lvl8pPr>
             <a:lvl9pPr marL="3657600" indent="0">
               <a:buNone/>
-              <a:defRPr sz="1600">
+              <a:defRPr sz="1400">
                 <a:solidFill>
                   <a:schemeClr val="tx1">
                     <a:tint val="75000"/>
@@ -1731,13 +3827,7 @@
       </p:sp>
       <p:sp>
         <p:nvSpPr>
-          <p:cNvPr id="4" name="Date Placeholder 3">
-            <a:extLst>
-              <a:ext uri="{FF2B5EF4-FFF2-40B4-BE49-F238E27FC236}">
-                <a16:creationId xmlns:a16="http://schemas.microsoft.com/office/drawing/2014/main" id="{7C5077D0-EDCC-4518-9F2F-04F16021C7E0}"/>
-              </a:ext>
-            </a:extLst>
-          </p:cNvPr>
+          <p:cNvPr id="4" name="Date Placeholder 3"/>
           <p:cNvSpPr>
             <a:spLocks noGrp="1"/>
           </p:cNvSpPr>
@@ -1752,7 +3842,7 @@
           <a:p>
             <a:fld id="{8A825621-041C-4E9C-9BC7-B11EF57970CE}" type="datetimeFigureOut">
               <a:rPr lang="en-US" smtClean="0"/>
-              <a:t>3/7/2018</a:t>
+              <a:t>3/17/2018</a:t>
             </a:fld>
             <a:endParaRPr lang="en-US"/>
           </a:p>
@@ -1760,13 +3850,7 @@
       </p:sp>
       <p:sp>
         <p:nvSpPr>
-          <p:cNvPr id="5" name="Footer Placeholder 4">
-            <a:extLst>
-              <a:ext uri="{FF2B5EF4-FFF2-40B4-BE49-F238E27FC236}">
-                <a16:creationId xmlns:a16="http://schemas.microsoft.com/office/drawing/2014/main" id="{050D5B99-C15D-4BD7-9C80-CD289E000B0D}"/>
-              </a:ext>
-            </a:extLst>
-          </p:cNvPr>
+          <p:cNvPr id="5" name="Footer Placeholder 4"/>
           <p:cNvSpPr>
             <a:spLocks noGrp="1"/>
           </p:cNvSpPr>
@@ -1785,13 +3869,7 @@
       </p:sp>
       <p:sp>
         <p:nvSpPr>
-          <p:cNvPr id="6" name="Slide Number Placeholder 5">
-            <a:extLst>
-              <a:ext uri="{FF2B5EF4-FFF2-40B4-BE49-F238E27FC236}">
-                <a16:creationId xmlns:a16="http://schemas.microsoft.com/office/drawing/2014/main" id="{D7B74771-DDFA-41BD-BA9C-E4AFEAAA8523}"/>
-              </a:ext>
-            </a:extLst>
-          </p:cNvPr>
+          <p:cNvPr id="6" name="Slide Number Placeholder 5"/>
           <p:cNvSpPr>
             <a:spLocks noGrp="1"/>
           </p:cNvSpPr>
@@ -1815,7 +3893,7 @@
     </p:spTree>
     <p:extLst>
       <p:ext uri="{BB962C8B-B14F-4D97-AF65-F5344CB8AC3E}">
-        <p14:creationId xmlns:p14="http://schemas.microsoft.com/office/powerpoint/2010/main" val="873331796"/>
+        <p14:creationId xmlns:p14="http://schemas.microsoft.com/office/powerpoint/2010/main" val="577778436"/>
       </p:ext>
     </p:extLst>
   </p:cSld>
@@ -1844,13 +3922,7 @@
       </p:grpSpPr>
       <p:sp>
         <p:nvSpPr>
-          <p:cNvPr id="2" name="Title 1">
-            <a:extLst>
-              <a:ext uri="{FF2B5EF4-FFF2-40B4-BE49-F238E27FC236}">
-                <a16:creationId xmlns:a16="http://schemas.microsoft.com/office/drawing/2014/main" id="{68968320-20E1-4794-AC33-5E27415A2721}"/>
-              </a:ext>
-            </a:extLst>
-          </p:cNvPr>
+          <p:cNvPr id="2" name="Title 1"/>
           <p:cNvSpPr>
             <a:spLocks noGrp="1"/>
           </p:cNvSpPr>
@@ -1867,18 +3939,13 @@
               <a:rPr lang="en-US"/>
               <a:t>Click to edit Master title style</a:t>
             </a:r>
-          </a:p>
-        </p:txBody>
-      </p:sp>
-      <p:sp>
-        <p:nvSpPr>
-          <p:cNvPr id="3" name="Content Placeholder 2">
-            <a:extLst>
-              <a:ext uri="{FF2B5EF4-FFF2-40B4-BE49-F238E27FC236}">
-                <a16:creationId xmlns:a16="http://schemas.microsoft.com/office/drawing/2014/main" id="{CED0FE87-555D-4D3D-BF54-46D9536DF772}"/>
-              </a:ext>
-            </a:extLst>
-          </p:cNvPr>
+            <a:endParaRPr lang="en-US" dirty="0"/>
+          </a:p>
+        </p:txBody>
+      </p:sp>
+      <p:sp>
+        <p:nvSpPr>
+          <p:cNvPr id="3" name="Content Placeholder 2"/>
           <p:cNvSpPr>
             <a:spLocks noGrp="1"/>
           </p:cNvSpPr>
@@ -1888,8 +3955,8 @@
         </p:nvSpPr>
         <p:spPr>
           <a:xfrm>
-            <a:off x="838200" y="1825625"/>
-            <a:ext cx="5181600" cy="4351338"/>
+            <a:off x="677334" y="2160589"/>
+            <a:ext cx="4184035" cy="3880772"/>
           </a:xfrm>
         </p:spPr>
         <p:txBody>
@@ -1929,18 +3996,13 @@
               <a:rPr lang="en-US"/>
               <a:t>Fifth level</a:t>
             </a:r>
-          </a:p>
-        </p:txBody>
-      </p:sp>
-      <p:sp>
-        <p:nvSpPr>
-          <p:cNvPr id="4" name="Content Placeholder 3">
-            <a:extLst>
-              <a:ext uri="{FF2B5EF4-FFF2-40B4-BE49-F238E27FC236}">
-                <a16:creationId xmlns:a16="http://schemas.microsoft.com/office/drawing/2014/main" id="{8BFB3C15-28A9-477D-A2B2-9ADDB3381FB4}"/>
-              </a:ext>
-            </a:extLst>
-          </p:cNvPr>
+            <a:endParaRPr lang="en-US" dirty="0"/>
+          </a:p>
+        </p:txBody>
+      </p:sp>
+      <p:sp>
+        <p:nvSpPr>
+          <p:cNvPr id="4" name="Content Placeholder 3"/>
           <p:cNvSpPr>
             <a:spLocks noGrp="1"/>
           </p:cNvSpPr>
@@ -1950,8 +4012,8 @@
         </p:nvSpPr>
         <p:spPr>
           <a:xfrm>
-            <a:off x="6172200" y="1825625"/>
-            <a:ext cx="5181600" cy="4351338"/>
+            <a:off x="5089970" y="2160589"/>
+            <a:ext cx="4184034" cy="3880773"/>
           </a:xfrm>
         </p:spPr>
         <p:txBody>
@@ -1991,18 +4053,13 @@
               <a:rPr lang="en-US"/>
               <a:t>Fifth level</a:t>
             </a:r>
-          </a:p>
-        </p:txBody>
-      </p:sp>
-      <p:sp>
-        <p:nvSpPr>
-          <p:cNvPr id="5" name="Date Placeholder 4">
-            <a:extLst>
-              <a:ext uri="{FF2B5EF4-FFF2-40B4-BE49-F238E27FC236}">
-                <a16:creationId xmlns:a16="http://schemas.microsoft.com/office/drawing/2014/main" id="{0739C7AC-A39C-44D1-9B1E-9A6D92C91139}"/>
-              </a:ext>
-            </a:extLst>
-          </p:cNvPr>
+            <a:endParaRPr lang="en-US" dirty="0"/>
+          </a:p>
+        </p:txBody>
+      </p:sp>
+      <p:sp>
+        <p:nvSpPr>
+          <p:cNvPr id="5" name="Date Placeholder 4"/>
           <p:cNvSpPr>
             <a:spLocks noGrp="1"/>
           </p:cNvSpPr>
@@ -2017,7 +4074,7 @@
           <a:p>
             <a:fld id="{8A825621-041C-4E9C-9BC7-B11EF57970CE}" type="datetimeFigureOut">
               <a:rPr lang="en-US" smtClean="0"/>
-              <a:t>3/7/2018</a:t>
+              <a:t>3/17/2018</a:t>
             </a:fld>
             <a:endParaRPr lang="en-US"/>
           </a:p>
@@ -2025,13 +4082,7 @@
       </p:sp>
       <p:sp>
         <p:nvSpPr>
-          <p:cNvPr id="6" name="Footer Placeholder 5">
-            <a:extLst>
-              <a:ext uri="{FF2B5EF4-FFF2-40B4-BE49-F238E27FC236}">
-                <a16:creationId xmlns:a16="http://schemas.microsoft.com/office/drawing/2014/main" id="{C1649237-6F31-4A40-9DDC-79A17A03B64F}"/>
-              </a:ext>
-            </a:extLst>
-          </p:cNvPr>
+          <p:cNvPr id="6" name="Footer Placeholder 5"/>
           <p:cNvSpPr>
             <a:spLocks noGrp="1"/>
           </p:cNvSpPr>
@@ -2050,13 +4101,7 @@
       </p:sp>
       <p:sp>
         <p:nvSpPr>
-          <p:cNvPr id="7" name="Slide Number Placeholder 6">
-            <a:extLst>
-              <a:ext uri="{FF2B5EF4-FFF2-40B4-BE49-F238E27FC236}">
-                <a16:creationId xmlns:a16="http://schemas.microsoft.com/office/drawing/2014/main" id="{D52CE67C-9B53-4442-99C3-DFA4EA09F8E1}"/>
-              </a:ext>
-            </a:extLst>
-          </p:cNvPr>
+          <p:cNvPr id="7" name="Slide Number Placeholder 6"/>
           <p:cNvSpPr>
             <a:spLocks noGrp="1"/>
           </p:cNvSpPr>
@@ -2080,7 +4125,7 @@
     </p:spTree>
     <p:extLst>
       <p:ext uri="{BB962C8B-B14F-4D97-AF65-F5344CB8AC3E}">
-        <p14:creationId xmlns:p14="http://schemas.microsoft.com/office/powerpoint/2010/main" val="1605413842"/>
+        <p14:creationId xmlns:p14="http://schemas.microsoft.com/office/powerpoint/2010/main" val="2317156224"/>
       </p:ext>
     </p:extLst>
   </p:cSld>
@@ -2109,65 +4154,55 @@
       </p:grpSpPr>
       <p:sp>
         <p:nvSpPr>
-          <p:cNvPr id="2" name="Title 1">
-            <a:extLst>
-              <a:ext uri="{FF2B5EF4-FFF2-40B4-BE49-F238E27FC236}">
-                <a16:creationId xmlns:a16="http://schemas.microsoft.com/office/drawing/2014/main" id="{74C00149-266A-4863-BCB4-154211AAE145}"/>
-              </a:ext>
-            </a:extLst>
-          </p:cNvPr>
+          <p:cNvPr id="2" name="Title 1"/>
           <p:cNvSpPr>
             <a:spLocks noGrp="1"/>
           </p:cNvSpPr>
           <p:nvPr>
             <p:ph type="title"/>
+          </p:nvPr>
+        </p:nvSpPr>
+        <p:spPr/>
+        <p:txBody>
+          <a:bodyPr/>
+          <a:lstStyle>
+            <a:lvl1pPr>
+              <a:defRPr/>
+            </a:lvl1pPr>
+          </a:lstStyle>
+          <a:p>
+            <a:r>
+              <a:rPr lang="en-US"/>
+              <a:t>Click to edit Master title style</a:t>
+            </a:r>
+            <a:endParaRPr lang="en-US" dirty="0"/>
+          </a:p>
+        </p:txBody>
+      </p:sp>
+      <p:sp>
+        <p:nvSpPr>
+          <p:cNvPr id="3" name="Text Placeholder 2"/>
+          <p:cNvSpPr>
+            <a:spLocks noGrp="1"/>
+          </p:cNvSpPr>
+          <p:nvPr>
+            <p:ph type="body" idx="1"/>
           </p:nvPr>
         </p:nvSpPr>
         <p:spPr>
           <a:xfrm>
-            <a:off x="839788" y="365125"/>
-            <a:ext cx="10515600" cy="1325563"/>
+            <a:off x="675745" y="2160983"/>
+            <a:ext cx="4185623" cy="576262"/>
           </a:xfrm>
         </p:spPr>
         <p:txBody>
-          <a:bodyPr/>
-          <a:lstStyle/>
-          <a:p>
-            <a:r>
-              <a:rPr lang="en-US"/>
-              <a:t>Click to edit Master title style</a:t>
-            </a:r>
-          </a:p>
-        </p:txBody>
-      </p:sp>
-      <p:sp>
-        <p:nvSpPr>
-          <p:cNvPr id="3" name="Text Placeholder 2">
-            <a:extLst>
-              <a:ext uri="{FF2B5EF4-FFF2-40B4-BE49-F238E27FC236}">
-                <a16:creationId xmlns:a16="http://schemas.microsoft.com/office/drawing/2014/main" id="{038039CE-FBA2-4291-BFF5-BD7C428A3E3E}"/>
-              </a:ext>
-            </a:extLst>
-          </p:cNvPr>
-          <p:cNvSpPr>
-            <a:spLocks noGrp="1"/>
-          </p:cNvSpPr>
-          <p:nvPr>
-            <p:ph type="body" idx="1"/>
-          </p:nvPr>
-        </p:nvSpPr>
-        <p:spPr>
-          <a:xfrm>
-            <a:off x="839788" y="1681163"/>
-            <a:ext cx="5157787" cy="823912"/>
-          </a:xfrm>
-        </p:spPr>
-        <p:txBody>
-          <a:bodyPr anchor="b"/>
+          <a:bodyPr anchor="b">
+            <a:noAutofit/>
+          </a:bodyPr>
           <a:lstStyle>
             <a:lvl1pPr marL="0" indent="0">
               <a:buNone/>
-              <a:defRPr sz="2400" b="1"/>
+              <a:defRPr sz="2400" b="0"/>
             </a:lvl1pPr>
             <a:lvl2pPr marL="457200" indent="0">
               <a:buNone/>
@@ -2213,13 +4248,7 @@
       </p:sp>
       <p:sp>
         <p:nvSpPr>
-          <p:cNvPr id="4" name="Content Placeholder 3">
-            <a:extLst>
-              <a:ext uri="{FF2B5EF4-FFF2-40B4-BE49-F238E27FC236}">
-                <a16:creationId xmlns:a16="http://schemas.microsoft.com/office/drawing/2014/main" id="{F53C63F0-7ACC-49D7-8DD6-6AC880A63841}"/>
-              </a:ext>
-            </a:extLst>
-          </p:cNvPr>
+          <p:cNvPr id="4" name="Content Placeholder 3"/>
           <p:cNvSpPr>
             <a:spLocks noGrp="1"/>
           </p:cNvSpPr>
@@ -2229,12 +4258,14 @@
         </p:nvSpPr>
         <p:spPr>
           <a:xfrm>
-            <a:off x="839788" y="2505075"/>
-            <a:ext cx="5157787" cy="3684588"/>
+            <a:off x="675745" y="2737245"/>
+            <a:ext cx="4185623" cy="3304117"/>
           </a:xfrm>
         </p:spPr>
         <p:txBody>
-          <a:bodyPr/>
+          <a:bodyPr>
+            <a:normAutofit/>
+          </a:bodyPr>
           <a:lstStyle/>
           <a:p>
             <a:pPr lvl="0"/>
@@ -2270,18 +4301,13 @@
               <a:rPr lang="en-US"/>
               <a:t>Fifth level</a:t>
             </a:r>
-          </a:p>
-        </p:txBody>
-      </p:sp>
-      <p:sp>
-        <p:nvSpPr>
-          <p:cNvPr id="5" name="Text Placeholder 4">
-            <a:extLst>
-              <a:ext uri="{FF2B5EF4-FFF2-40B4-BE49-F238E27FC236}">
-                <a16:creationId xmlns:a16="http://schemas.microsoft.com/office/drawing/2014/main" id="{AC66DD54-703C-448F-91AF-3A0A7293A38E}"/>
-              </a:ext>
-            </a:extLst>
-          </p:cNvPr>
+            <a:endParaRPr lang="en-US" dirty="0"/>
+          </a:p>
+        </p:txBody>
+      </p:sp>
+      <p:sp>
+        <p:nvSpPr>
+          <p:cNvPr id="5" name="Text Placeholder 4"/>
           <p:cNvSpPr>
             <a:spLocks noGrp="1"/>
           </p:cNvSpPr>
@@ -2291,16 +4317,18 @@
         </p:nvSpPr>
         <p:spPr>
           <a:xfrm>
-            <a:off x="6172200" y="1681163"/>
-            <a:ext cx="5183188" cy="823912"/>
+            <a:off x="5088383" y="2160983"/>
+            <a:ext cx="4185618" cy="576262"/>
           </a:xfrm>
         </p:spPr>
         <p:txBody>
-          <a:bodyPr anchor="b"/>
+          <a:bodyPr anchor="b">
+            <a:noAutofit/>
+          </a:bodyPr>
           <a:lstStyle>
             <a:lvl1pPr marL="0" indent="0">
               <a:buNone/>
-              <a:defRPr sz="2400" b="1"/>
+              <a:defRPr sz="2400" b="0"/>
             </a:lvl1pPr>
             <a:lvl2pPr marL="457200" indent="0">
               <a:buNone/>
@@ -2346,13 +4374,7 @@
       </p:sp>
       <p:sp>
         <p:nvSpPr>
-          <p:cNvPr id="6" name="Content Placeholder 5">
-            <a:extLst>
-              <a:ext uri="{FF2B5EF4-FFF2-40B4-BE49-F238E27FC236}">
-                <a16:creationId xmlns:a16="http://schemas.microsoft.com/office/drawing/2014/main" id="{8BDD81A1-1840-484A-B21E-2783016830B2}"/>
-              </a:ext>
-            </a:extLst>
-          </p:cNvPr>
+          <p:cNvPr id="6" name="Content Placeholder 5"/>
           <p:cNvSpPr>
             <a:spLocks noGrp="1"/>
           </p:cNvSpPr>
@@ -2362,64 +4384,84 @@
         </p:nvSpPr>
         <p:spPr>
           <a:xfrm>
-            <a:off x="6172200" y="2505075"/>
-            <a:ext cx="5183188" cy="3684588"/>
+            <a:off x="5088384" y="2737245"/>
+            <a:ext cx="4185617" cy="3304117"/>
           </a:xfrm>
         </p:spPr>
         <p:txBody>
+          <a:bodyPr>
+            <a:normAutofit/>
+          </a:bodyPr>
+          <a:lstStyle/>
+          <a:p>
+            <a:pPr lvl="0"/>
+            <a:r>
+              <a:rPr lang="en-US"/>
+              <a:t>Edit Master text styles</a:t>
+            </a:r>
+          </a:p>
+          <a:p>
+            <a:pPr lvl="1"/>
+            <a:r>
+              <a:rPr lang="en-US"/>
+              <a:t>Second level</a:t>
+            </a:r>
+          </a:p>
+          <a:p>
+            <a:pPr lvl="2"/>
+            <a:r>
+              <a:rPr lang="en-US"/>
+              <a:t>Third level</a:t>
+            </a:r>
+          </a:p>
+          <a:p>
+            <a:pPr lvl="3"/>
+            <a:r>
+              <a:rPr lang="en-US"/>
+              <a:t>Fourth level</a:t>
+            </a:r>
+          </a:p>
+          <a:p>
+            <a:pPr lvl="4"/>
+            <a:r>
+              <a:rPr lang="en-US"/>
+              <a:t>Fifth level</a:t>
+            </a:r>
+            <a:endParaRPr lang="en-US" dirty="0"/>
+          </a:p>
+        </p:txBody>
+      </p:sp>
+      <p:sp>
+        <p:nvSpPr>
+          <p:cNvPr id="7" name="Date Placeholder 6"/>
+          <p:cNvSpPr>
+            <a:spLocks noGrp="1"/>
+          </p:cNvSpPr>
+          <p:nvPr>
+            <p:ph type="dt" sz="half" idx="10"/>
+          </p:nvPr>
+        </p:nvSpPr>
+        <p:spPr/>
+        <p:txBody>
           <a:bodyPr/>
           <a:lstStyle/>
           <a:p>
-            <a:pPr lvl="0"/>
-            <a:r>
-              <a:rPr lang="en-US"/>
-              <a:t>Edit Master text styles</a:t>
-            </a:r>
-          </a:p>
-          <a:p>
-            <a:pPr lvl="1"/>
-            <a:r>
-              <a:rPr lang="en-US"/>
-              <a:t>Second level</a:t>
-            </a:r>
-          </a:p>
-          <a:p>
-            <a:pPr lvl="2"/>
-            <a:r>
-              <a:rPr lang="en-US"/>
-              <a:t>Third level</a:t>
-            </a:r>
-          </a:p>
-          <a:p>
-            <a:pPr lvl="3"/>
-            <a:r>
-              <a:rPr lang="en-US"/>
-              <a:t>Fourth level</a:t>
-            </a:r>
-          </a:p>
-          <a:p>
-            <a:pPr lvl="4"/>
-            <a:r>
-              <a:rPr lang="en-US"/>
-              <a:t>Fifth level</a:t>
-            </a:r>
-          </a:p>
-        </p:txBody>
-      </p:sp>
-      <p:sp>
-        <p:nvSpPr>
-          <p:cNvPr id="7" name="Date Placeholder 6">
-            <a:extLst>
-              <a:ext uri="{FF2B5EF4-FFF2-40B4-BE49-F238E27FC236}">
-                <a16:creationId xmlns:a16="http://schemas.microsoft.com/office/drawing/2014/main" id="{8D2ECF97-90A1-479D-A73C-5D970E39999F}"/>
-              </a:ext>
-            </a:extLst>
-          </p:cNvPr>
-          <p:cNvSpPr>
-            <a:spLocks noGrp="1"/>
-          </p:cNvSpPr>
-          <p:nvPr>
-            <p:ph type="dt" sz="half" idx="10"/>
+            <a:fld id="{8A825621-041C-4E9C-9BC7-B11EF57970CE}" type="datetimeFigureOut">
+              <a:rPr lang="en-US" smtClean="0"/>
+              <a:t>3/17/2018</a:t>
+            </a:fld>
+            <a:endParaRPr lang="en-US"/>
+          </a:p>
+        </p:txBody>
+      </p:sp>
+      <p:sp>
+        <p:nvSpPr>
+          <p:cNvPr id="8" name="Footer Placeholder 7"/>
+          <p:cNvSpPr>
+            <a:spLocks noGrp="1"/>
+          </p:cNvSpPr>
+          <p:nvPr>
+            <p:ph type="ftr" sz="quarter" idx="11"/>
           </p:nvPr>
         </p:nvSpPr>
         <p:spPr/>
@@ -2427,48 +4469,13 @@
           <a:bodyPr/>
           <a:lstStyle/>
           <a:p>
-            <a:fld id="{8A825621-041C-4E9C-9BC7-B11EF57970CE}" type="datetimeFigureOut">
-              <a:rPr lang="en-US" smtClean="0"/>
-              <a:t>3/7/2018</a:t>
-            </a:fld>
             <a:endParaRPr lang="en-US"/>
           </a:p>
         </p:txBody>
       </p:sp>
       <p:sp>
         <p:nvSpPr>
-          <p:cNvPr id="8" name="Footer Placeholder 7">
-            <a:extLst>
-              <a:ext uri="{FF2B5EF4-FFF2-40B4-BE49-F238E27FC236}">
-                <a16:creationId xmlns:a16="http://schemas.microsoft.com/office/drawing/2014/main" id="{E4D50BB5-5BBF-4335-B294-9D0D4CF55F34}"/>
-              </a:ext>
-            </a:extLst>
-          </p:cNvPr>
-          <p:cNvSpPr>
-            <a:spLocks noGrp="1"/>
-          </p:cNvSpPr>
-          <p:nvPr>
-            <p:ph type="ftr" sz="quarter" idx="11"/>
-          </p:nvPr>
-        </p:nvSpPr>
-        <p:spPr/>
-        <p:txBody>
-          <a:bodyPr/>
-          <a:lstStyle/>
-          <a:p>
-            <a:endParaRPr lang="en-US"/>
-          </a:p>
-        </p:txBody>
-      </p:sp>
-      <p:sp>
-        <p:nvSpPr>
-          <p:cNvPr id="9" name="Slide Number Placeholder 8">
-            <a:extLst>
-              <a:ext uri="{FF2B5EF4-FFF2-40B4-BE49-F238E27FC236}">
-                <a16:creationId xmlns:a16="http://schemas.microsoft.com/office/drawing/2014/main" id="{B0B6302B-03D0-40DB-A43A-E0CC1B6F0560}"/>
-              </a:ext>
-            </a:extLst>
-          </p:cNvPr>
+          <p:cNvPr id="9" name="Slide Number Placeholder 8"/>
           <p:cNvSpPr>
             <a:spLocks noGrp="1"/>
           </p:cNvSpPr>
@@ -2492,7 +4499,7 @@
     </p:spTree>
     <p:extLst>
       <p:ext uri="{BB962C8B-B14F-4D97-AF65-F5344CB8AC3E}">
-        <p14:creationId xmlns:p14="http://schemas.microsoft.com/office/powerpoint/2010/main" val="1537740925"/>
+        <p14:creationId xmlns:p14="http://schemas.microsoft.com/office/powerpoint/2010/main" val="2419021639"/>
       </p:ext>
     </p:extLst>
   </p:cSld>
@@ -2521,13 +4528,7 @@
       </p:grpSpPr>
       <p:sp>
         <p:nvSpPr>
-          <p:cNvPr id="2" name="Title 1">
-            <a:extLst>
-              <a:ext uri="{FF2B5EF4-FFF2-40B4-BE49-F238E27FC236}">
-                <a16:creationId xmlns:a16="http://schemas.microsoft.com/office/drawing/2014/main" id="{55317711-5A39-4F45-8864-AC592D27CA2A}"/>
-              </a:ext>
-            </a:extLst>
-          </p:cNvPr>
+          <p:cNvPr id="2" name="Title 1"/>
           <p:cNvSpPr>
             <a:spLocks noGrp="1"/>
           </p:cNvSpPr>
@@ -2535,7 +4536,12 @@
             <p:ph type="title"/>
           </p:nvPr>
         </p:nvSpPr>
-        <p:spPr/>
+        <p:spPr>
+          <a:xfrm>
+            <a:off x="677334" y="609600"/>
+            <a:ext cx="8596668" cy="1320800"/>
+          </a:xfrm>
+        </p:spPr>
         <p:txBody>
           <a:bodyPr/>
           <a:lstStyle/>
@@ -2544,18 +4550,13 @@
               <a:rPr lang="en-US"/>
               <a:t>Click to edit Master title style</a:t>
             </a:r>
-          </a:p>
-        </p:txBody>
-      </p:sp>
-      <p:sp>
-        <p:nvSpPr>
-          <p:cNvPr id="3" name="Date Placeholder 2">
-            <a:extLst>
-              <a:ext uri="{FF2B5EF4-FFF2-40B4-BE49-F238E27FC236}">
-                <a16:creationId xmlns:a16="http://schemas.microsoft.com/office/drawing/2014/main" id="{500C02AF-8257-4442-8A76-EA29E3D1E5DF}"/>
-              </a:ext>
-            </a:extLst>
-          </p:cNvPr>
+            <a:endParaRPr lang="en-US" dirty="0"/>
+          </a:p>
+        </p:txBody>
+      </p:sp>
+      <p:sp>
+        <p:nvSpPr>
+          <p:cNvPr id="3" name="Date Placeholder 2"/>
           <p:cNvSpPr>
             <a:spLocks noGrp="1"/>
           </p:cNvSpPr>
@@ -2570,7 +4571,7 @@
           <a:p>
             <a:fld id="{8A825621-041C-4E9C-9BC7-B11EF57970CE}" type="datetimeFigureOut">
               <a:rPr lang="en-US" smtClean="0"/>
-              <a:t>3/7/2018</a:t>
+              <a:t>3/17/2018</a:t>
             </a:fld>
             <a:endParaRPr lang="en-US"/>
           </a:p>
@@ -2578,13 +4579,7 @@
       </p:sp>
       <p:sp>
         <p:nvSpPr>
-          <p:cNvPr id="4" name="Footer Placeholder 3">
-            <a:extLst>
-              <a:ext uri="{FF2B5EF4-FFF2-40B4-BE49-F238E27FC236}">
-                <a16:creationId xmlns:a16="http://schemas.microsoft.com/office/drawing/2014/main" id="{D9213A53-2894-4CAD-A1E7-9A98ED5D8727}"/>
-              </a:ext>
-            </a:extLst>
-          </p:cNvPr>
+          <p:cNvPr id="4" name="Footer Placeholder 3"/>
           <p:cNvSpPr>
             <a:spLocks noGrp="1"/>
           </p:cNvSpPr>
@@ -2603,13 +4598,7 @@
       </p:sp>
       <p:sp>
         <p:nvSpPr>
-          <p:cNvPr id="5" name="Slide Number Placeholder 4">
-            <a:extLst>
-              <a:ext uri="{FF2B5EF4-FFF2-40B4-BE49-F238E27FC236}">
-                <a16:creationId xmlns:a16="http://schemas.microsoft.com/office/drawing/2014/main" id="{98E70B7C-C062-4C00-8B84-6A2E99BEBB00}"/>
-              </a:ext>
-            </a:extLst>
-          </p:cNvPr>
+          <p:cNvPr id="5" name="Slide Number Placeholder 4"/>
           <p:cNvSpPr>
             <a:spLocks noGrp="1"/>
           </p:cNvSpPr>
@@ -2633,7 +4622,7 @@
     </p:spTree>
     <p:extLst>
       <p:ext uri="{BB962C8B-B14F-4D97-AF65-F5344CB8AC3E}">
-        <p14:creationId xmlns:p14="http://schemas.microsoft.com/office/powerpoint/2010/main" val="2818163379"/>
+        <p14:creationId xmlns:p14="http://schemas.microsoft.com/office/powerpoint/2010/main" val="628988646"/>
       </p:ext>
     </p:extLst>
   </p:cSld>
@@ -2662,13 +4651,7 @@
       </p:grpSpPr>
       <p:sp>
         <p:nvSpPr>
-          <p:cNvPr id="2" name="Date Placeholder 1">
-            <a:extLst>
-              <a:ext uri="{FF2B5EF4-FFF2-40B4-BE49-F238E27FC236}">
-                <a16:creationId xmlns:a16="http://schemas.microsoft.com/office/drawing/2014/main" id="{E6F8140F-C97F-434E-89A6-A8100B68F08F}"/>
-              </a:ext>
-            </a:extLst>
-          </p:cNvPr>
+          <p:cNvPr id="2" name="Date Placeholder 1"/>
           <p:cNvSpPr>
             <a:spLocks noGrp="1"/>
           </p:cNvSpPr>
@@ -2683,7 +4666,7 @@
           <a:p>
             <a:fld id="{8A825621-041C-4E9C-9BC7-B11EF57970CE}" type="datetimeFigureOut">
               <a:rPr lang="en-US" smtClean="0"/>
-              <a:t>3/7/2018</a:t>
+              <a:t>3/17/2018</a:t>
             </a:fld>
             <a:endParaRPr lang="en-US"/>
           </a:p>
@@ -2691,13 +4674,7 @@
       </p:sp>
       <p:sp>
         <p:nvSpPr>
-          <p:cNvPr id="3" name="Footer Placeholder 2">
-            <a:extLst>
-              <a:ext uri="{FF2B5EF4-FFF2-40B4-BE49-F238E27FC236}">
-                <a16:creationId xmlns:a16="http://schemas.microsoft.com/office/drawing/2014/main" id="{65B21F7A-6411-4AEE-9CA9-9A27BAC1B77F}"/>
-              </a:ext>
-            </a:extLst>
-          </p:cNvPr>
+          <p:cNvPr id="3" name="Footer Placeholder 2"/>
           <p:cNvSpPr>
             <a:spLocks noGrp="1"/>
           </p:cNvSpPr>
@@ -2716,13 +4693,7 @@
       </p:sp>
       <p:sp>
         <p:nvSpPr>
-          <p:cNvPr id="4" name="Slide Number Placeholder 3">
-            <a:extLst>
-              <a:ext uri="{FF2B5EF4-FFF2-40B4-BE49-F238E27FC236}">
-                <a16:creationId xmlns:a16="http://schemas.microsoft.com/office/drawing/2014/main" id="{93CAC30A-73B8-4DC1-9C45-B2E49080FD39}"/>
-              </a:ext>
-            </a:extLst>
-          </p:cNvPr>
+          <p:cNvPr id="4" name="Slide Number Placeholder 3"/>
           <p:cNvSpPr>
             <a:spLocks noGrp="1"/>
           </p:cNvSpPr>
@@ -2746,7 +4717,7 @@
     </p:spTree>
     <p:extLst>
       <p:ext uri="{BB962C8B-B14F-4D97-AF65-F5344CB8AC3E}">
-        <p14:creationId xmlns:p14="http://schemas.microsoft.com/office/powerpoint/2010/main" val="978229781"/>
+        <p14:creationId xmlns:p14="http://schemas.microsoft.com/office/powerpoint/2010/main" val="2377201570"/>
       </p:ext>
     </p:extLst>
   </p:cSld>
@@ -2775,13 +4746,7 @@
       </p:grpSpPr>
       <p:sp>
         <p:nvSpPr>
-          <p:cNvPr id="2" name="Title 1">
-            <a:extLst>
-              <a:ext uri="{FF2B5EF4-FFF2-40B4-BE49-F238E27FC236}">
-                <a16:creationId xmlns:a16="http://schemas.microsoft.com/office/drawing/2014/main" id="{E588B91E-B046-4EA2-A9EE-511D0D9A7779}"/>
-              </a:ext>
-            </a:extLst>
-          </p:cNvPr>
+          <p:cNvPr id="2" name="Title 1"/>
           <p:cNvSpPr>
             <a:spLocks noGrp="1"/>
           </p:cNvSpPr>
@@ -2791,15 +4756,17 @@
         </p:nvSpPr>
         <p:spPr>
           <a:xfrm>
-            <a:off x="839788" y="457200"/>
-            <a:ext cx="3932237" cy="1600200"/>
+            <a:off x="677334" y="1498604"/>
+            <a:ext cx="3854528" cy="1278466"/>
           </a:xfrm>
         </p:spPr>
         <p:txBody>
-          <a:bodyPr anchor="b"/>
+          <a:bodyPr anchor="b">
+            <a:normAutofit/>
+          </a:bodyPr>
           <a:lstStyle>
             <a:lvl1pPr>
-              <a:defRPr sz="3200"/>
+              <a:defRPr sz="2000"/>
             </a:lvl1pPr>
           </a:lstStyle>
           <a:p>
@@ -2807,18 +4774,13 @@
               <a:rPr lang="en-US"/>
               <a:t>Click to edit Master title style</a:t>
             </a:r>
-          </a:p>
-        </p:txBody>
-      </p:sp>
-      <p:sp>
-        <p:nvSpPr>
-          <p:cNvPr id="3" name="Content Placeholder 2">
-            <a:extLst>
-              <a:ext uri="{FF2B5EF4-FFF2-40B4-BE49-F238E27FC236}">
-                <a16:creationId xmlns:a16="http://schemas.microsoft.com/office/drawing/2014/main" id="{8FE5A502-3704-452B-B381-E42F0530E962}"/>
-              </a:ext>
-            </a:extLst>
-          </p:cNvPr>
+            <a:endParaRPr lang="en-US" dirty="0"/>
+          </a:p>
+        </p:txBody>
+      </p:sp>
+      <p:sp>
+        <p:nvSpPr>
+          <p:cNvPr id="3" name="Content Placeholder 2"/>
           <p:cNvSpPr>
             <a:spLocks noGrp="1"/>
           </p:cNvSpPr>
@@ -2828,41 +4790,15 @@
         </p:nvSpPr>
         <p:spPr>
           <a:xfrm>
-            <a:off x="5183188" y="987425"/>
-            <a:ext cx="6172200" cy="4873625"/>
+            <a:off x="4760461" y="514924"/>
+            <a:ext cx="4513541" cy="5526437"/>
           </a:xfrm>
         </p:spPr>
         <p:txBody>
-          <a:bodyPr/>
-          <a:lstStyle>
-            <a:lvl1pPr>
-              <a:defRPr sz="3200"/>
-            </a:lvl1pPr>
-            <a:lvl2pPr>
-              <a:defRPr sz="2800"/>
-            </a:lvl2pPr>
-            <a:lvl3pPr>
-              <a:defRPr sz="2400"/>
-            </a:lvl3pPr>
-            <a:lvl4pPr>
-              <a:defRPr sz="2000"/>
-            </a:lvl4pPr>
-            <a:lvl5pPr>
-              <a:defRPr sz="2000"/>
-            </a:lvl5pPr>
-            <a:lvl6pPr>
-              <a:defRPr sz="2000"/>
-            </a:lvl6pPr>
-            <a:lvl7pPr>
-              <a:defRPr sz="2000"/>
-            </a:lvl7pPr>
-            <a:lvl8pPr>
-              <a:defRPr sz="2000"/>
-            </a:lvl8pPr>
-            <a:lvl9pPr>
-              <a:defRPr sz="2000"/>
-            </a:lvl9pPr>
-          </a:lstStyle>
+          <a:bodyPr>
+            <a:normAutofit/>
+          </a:bodyPr>
+          <a:lstStyle/>
           <a:p>
             <a:pPr lvl="0"/>
             <a:r>
@@ -2897,18 +4833,13 @@
               <a:rPr lang="en-US"/>
               <a:t>Fifth level</a:t>
             </a:r>
-          </a:p>
-        </p:txBody>
-      </p:sp>
-      <p:sp>
-        <p:nvSpPr>
-          <p:cNvPr id="4" name="Text Placeholder 3">
-            <a:extLst>
-              <a:ext uri="{FF2B5EF4-FFF2-40B4-BE49-F238E27FC236}">
-                <a16:creationId xmlns:a16="http://schemas.microsoft.com/office/drawing/2014/main" id="{2BD22965-4C41-49D3-94F6-1395F20119D4}"/>
-              </a:ext>
-            </a:extLst>
-          </p:cNvPr>
+            <a:endParaRPr lang="en-US" dirty="0"/>
+          </a:p>
+        </p:txBody>
+      </p:sp>
+      <p:sp>
+        <p:nvSpPr>
+          <p:cNvPr id="4" name="Text Placeholder 3"/>
           <p:cNvSpPr>
             <a:spLocks noGrp="1"/>
           </p:cNvSpPr>
@@ -2918,46 +4849,48 @@
         </p:nvSpPr>
         <p:spPr>
           <a:xfrm>
-            <a:off x="839788" y="2057400"/>
-            <a:ext cx="3932237" cy="3811588"/>
+            <a:off x="677334" y="2777069"/>
+            <a:ext cx="3854528" cy="2584449"/>
           </a:xfrm>
         </p:spPr>
         <p:txBody>
-          <a:bodyPr/>
+          <a:bodyPr>
+            <a:normAutofit/>
+          </a:bodyPr>
           <a:lstStyle>
             <a:lvl1pPr marL="0" indent="0">
               <a:buNone/>
-              <a:defRPr sz="1600"/>
+              <a:defRPr sz="1400"/>
             </a:lvl1pPr>
-            <a:lvl2pPr marL="457200" indent="0">
+            <a:lvl2pPr marL="457063" indent="0">
               <a:buNone/>
               <a:defRPr sz="1400"/>
             </a:lvl2pPr>
-            <a:lvl3pPr marL="914400" indent="0">
+            <a:lvl3pPr marL="914126" indent="0">
               <a:buNone/>
               <a:defRPr sz="1200"/>
             </a:lvl3pPr>
-            <a:lvl4pPr marL="1371600" indent="0">
+            <a:lvl4pPr marL="1371189" indent="0">
               <a:buNone/>
               <a:defRPr sz="1000"/>
             </a:lvl4pPr>
-            <a:lvl5pPr marL="1828800" indent="0">
+            <a:lvl5pPr marL="1828251" indent="0">
               <a:buNone/>
               <a:defRPr sz="1000"/>
             </a:lvl5pPr>
-            <a:lvl6pPr marL="2286000" indent="0">
+            <a:lvl6pPr marL="2285314" indent="0">
               <a:buNone/>
               <a:defRPr sz="1000"/>
             </a:lvl6pPr>
-            <a:lvl7pPr marL="2743200" indent="0">
+            <a:lvl7pPr marL="2742377" indent="0">
               <a:buNone/>
               <a:defRPr sz="1000"/>
             </a:lvl7pPr>
-            <a:lvl8pPr marL="3200400" indent="0">
+            <a:lvl8pPr marL="3199440" indent="0">
               <a:buNone/>
               <a:defRPr sz="1000"/>
             </a:lvl8pPr>
-            <a:lvl9pPr marL="3657600" indent="0">
+            <a:lvl9pPr marL="3656503" indent="0">
               <a:buNone/>
               <a:defRPr sz="1000"/>
             </a:lvl9pPr>
@@ -2973,13 +4906,7 @@
       </p:sp>
       <p:sp>
         <p:nvSpPr>
-          <p:cNvPr id="5" name="Date Placeholder 4">
-            <a:extLst>
-              <a:ext uri="{FF2B5EF4-FFF2-40B4-BE49-F238E27FC236}">
-                <a16:creationId xmlns:a16="http://schemas.microsoft.com/office/drawing/2014/main" id="{ED5FAE57-ADB0-4618-A68D-E4F15B184B8E}"/>
-              </a:ext>
-            </a:extLst>
-          </p:cNvPr>
+          <p:cNvPr id="5" name="Date Placeholder 4"/>
           <p:cNvSpPr>
             <a:spLocks noGrp="1"/>
           </p:cNvSpPr>
@@ -2994,7 +4921,7 @@
           <a:p>
             <a:fld id="{8A825621-041C-4E9C-9BC7-B11EF57970CE}" type="datetimeFigureOut">
               <a:rPr lang="en-US" smtClean="0"/>
-              <a:t>3/7/2018</a:t>
+              <a:t>3/17/2018</a:t>
             </a:fld>
             <a:endParaRPr lang="en-US"/>
           </a:p>
@@ -3002,13 +4929,7 @@
       </p:sp>
       <p:sp>
         <p:nvSpPr>
-          <p:cNvPr id="6" name="Footer Placeholder 5">
-            <a:extLst>
-              <a:ext uri="{FF2B5EF4-FFF2-40B4-BE49-F238E27FC236}">
-                <a16:creationId xmlns:a16="http://schemas.microsoft.com/office/drawing/2014/main" id="{64686B39-68C0-4C0C-AD6C-C0C032809B6B}"/>
-              </a:ext>
-            </a:extLst>
-          </p:cNvPr>
+          <p:cNvPr id="6" name="Footer Placeholder 5"/>
           <p:cNvSpPr>
             <a:spLocks noGrp="1"/>
           </p:cNvSpPr>
@@ -3027,13 +4948,7 @@
       </p:sp>
       <p:sp>
         <p:nvSpPr>
-          <p:cNvPr id="7" name="Slide Number Placeholder 6">
-            <a:extLst>
-              <a:ext uri="{FF2B5EF4-FFF2-40B4-BE49-F238E27FC236}">
-                <a16:creationId xmlns:a16="http://schemas.microsoft.com/office/drawing/2014/main" id="{D1F153B9-FC8D-4CC4-ABC6-1E3FC6A9426D}"/>
-              </a:ext>
-            </a:extLst>
-          </p:cNvPr>
+          <p:cNvPr id="7" name="Slide Number Placeholder 6"/>
           <p:cNvSpPr>
             <a:spLocks noGrp="1"/>
           </p:cNvSpPr>
@@ -3057,7 +4972,7 @@
     </p:spTree>
     <p:extLst>
       <p:ext uri="{BB962C8B-B14F-4D97-AF65-F5344CB8AC3E}">
-        <p14:creationId xmlns:p14="http://schemas.microsoft.com/office/powerpoint/2010/main" val="516409734"/>
+        <p14:creationId xmlns:p14="http://schemas.microsoft.com/office/powerpoint/2010/main" val="2828778180"/>
       </p:ext>
     </p:extLst>
   </p:cSld>
@@ -3086,13 +5001,7 @@
       </p:grpSpPr>
       <p:sp>
         <p:nvSpPr>
-          <p:cNvPr id="2" name="Title 1">
-            <a:extLst>
-              <a:ext uri="{FF2B5EF4-FFF2-40B4-BE49-F238E27FC236}">
-                <a16:creationId xmlns:a16="http://schemas.microsoft.com/office/drawing/2014/main" id="{971C53AD-FF74-4B21-99D6-E87C76F59F8D}"/>
-              </a:ext>
-            </a:extLst>
-          </p:cNvPr>
+          <p:cNvPr id="2" name="Title 1"/>
           <p:cNvSpPr>
             <a:spLocks noGrp="1"/>
           </p:cNvSpPr>
@@ -3102,15 +5011,17 @@
         </p:nvSpPr>
         <p:spPr>
           <a:xfrm>
-            <a:off x="839788" y="457200"/>
-            <a:ext cx="3932237" cy="1600200"/>
+            <a:off x="677334" y="4800600"/>
+            <a:ext cx="8596667" cy="566738"/>
           </a:xfrm>
         </p:spPr>
         <p:txBody>
-          <a:bodyPr anchor="b"/>
+          <a:bodyPr anchor="b">
+            <a:normAutofit/>
+          </a:bodyPr>
           <a:lstStyle>
-            <a:lvl1pPr>
-              <a:defRPr sz="3200"/>
+            <a:lvl1pPr algn="l">
+              <a:defRPr sz="2400" b="0"/>
             </a:lvl1pPr>
           </a:lstStyle>
           <a:p>
@@ -3118,20 +5029,15 @@
               <a:rPr lang="en-US"/>
               <a:t>Click to edit Master title style</a:t>
             </a:r>
-          </a:p>
-        </p:txBody>
-      </p:sp>
-      <p:sp>
-        <p:nvSpPr>
-          <p:cNvPr id="3" name="Picture Placeholder 2">
-            <a:extLst>
-              <a:ext uri="{FF2B5EF4-FFF2-40B4-BE49-F238E27FC236}">
-                <a16:creationId xmlns:a16="http://schemas.microsoft.com/office/drawing/2014/main" id="{B4DB353A-F6DA-4E0E-806D-CA7A3667BD9C}"/>
-              </a:ext>
-            </a:extLst>
-          </p:cNvPr>
-          <p:cNvSpPr>
-            <a:spLocks noGrp="1"/>
+            <a:endParaRPr lang="en-US" dirty="0"/>
+          </a:p>
+        </p:txBody>
+      </p:sp>
+      <p:sp>
+        <p:nvSpPr>
+          <p:cNvPr id="3" name="Picture Placeholder 2"/>
+          <p:cNvSpPr>
+            <a:spLocks noGrp="1" noChangeAspect="1"/>
           </p:cNvSpPr>
           <p:nvPr>
             <p:ph type="pic" idx="1"/>
@@ -3139,118 +5045,120 @@
         </p:nvSpPr>
         <p:spPr>
           <a:xfrm>
-            <a:off x="5183188" y="987425"/>
-            <a:ext cx="6172200" cy="4873625"/>
+            <a:off x="677334" y="609600"/>
+            <a:ext cx="8596668" cy="3845718"/>
           </a:xfrm>
         </p:spPr>
         <p:txBody>
-          <a:bodyPr/>
+          <a:bodyPr anchor="t">
+            <a:normAutofit/>
+          </a:bodyPr>
           <a:lstStyle>
-            <a:lvl1pPr marL="0" indent="0">
-              <a:buNone/>
-              <a:defRPr sz="3200"/>
-            </a:lvl1pPr>
-            <a:lvl2pPr marL="457200" indent="0">
-              <a:buNone/>
-              <a:defRPr sz="2800"/>
-            </a:lvl2pPr>
-            <a:lvl3pPr marL="914400" indent="0">
-              <a:buNone/>
-              <a:defRPr sz="2400"/>
-            </a:lvl3pPr>
-            <a:lvl4pPr marL="1371600" indent="0">
-              <a:buNone/>
-              <a:defRPr sz="2000"/>
-            </a:lvl4pPr>
-            <a:lvl5pPr marL="1828800" indent="0">
-              <a:buNone/>
-              <a:defRPr sz="2000"/>
-            </a:lvl5pPr>
-            <a:lvl6pPr marL="2286000" indent="0">
-              <a:buNone/>
-              <a:defRPr sz="2000"/>
-            </a:lvl6pPr>
-            <a:lvl7pPr marL="2743200" indent="0">
-              <a:buNone/>
-              <a:defRPr sz="2000"/>
-            </a:lvl7pPr>
-            <a:lvl8pPr marL="3200400" indent="0">
-              <a:buNone/>
-              <a:defRPr sz="2000"/>
-            </a:lvl8pPr>
-            <a:lvl9pPr marL="3657600" indent="0">
-              <a:buNone/>
-              <a:defRPr sz="2000"/>
-            </a:lvl9pPr>
-          </a:lstStyle>
-          <a:p>
-            <a:endParaRPr lang="en-US"/>
-          </a:p>
-        </p:txBody>
-      </p:sp>
-      <p:sp>
-        <p:nvSpPr>
-          <p:cNvPr id="4" name="Text Placeholder 3">
-            <a:extLst>
-              <a:ext uri="{FF2B5EF4-FFF2-40B4-BE49-F238E27FC236}">
-                <a16:creationId xmlns:a16="http://schemas.microsoft.com/office/drawing/2014/main" id="{3F603047-8F91-4299-BE38-6A3F06C08976}"/>
-              </a:ext>
-            </a:extLst>
-          </p:cNvPr>
-          <p:cNvSpPr>
-            <a:spLocks noGrp="1"/>
-          </p:cNvSpPr>
-          <p:nvPr>
-            <p:ph type="body" sz="half" idx="2"/>
-          </p:nvPr>
-        </p:nvSpPr>
-        <p:spPr>
-          <a:xfrm>
-            <a:off x="839788" y="2057400"/>
-            <a:ext cx="3932237" cy="3811588"/>
-          </a:xfrm>
-        </p:spPr>
-        <p:txBody>
-          <a:bodyPr/>
-          <a:lstStyle>
-            <a:lvl1pPr marL="0" indent="0">
+            <a:lvl1pPr marL="0" indent="0" algn="ctr">
               <a:buNone/>
               <a:defRPr sz="1600"/>
             </a:lvl1pPr>
             <a:lvl2pPr marL="457200" indent="0">
               <a:buNone/>
-              <a:defRPr sz="1400"/>
+              <a:defRPr sz="1600"/>
             </a:lvl2pPr>
             <a:lvl3pPr marL="914400" indent="0">
               <a:buNone/>
-              <a:defRPr sz="1200"/>
+              <a:defRPr sz="1600"/>
             </a:lvl3pPr>
             <a:lvl4pPr marL="1371600" indent="0">
               <a:buNone/>
-              <a:defRPr sz="1000"/>
+              <a:defRPr sz="1600"/>
             </a:lvl4pPr>
             <a:lvl5pPr marL="1828800" indent="0">
               <a:buNone/>
-              <a:defRPr sz="1000"/>
+              <a:defRPr sz="1600"/>
             </a:lvl5pPr>
             <a:lvl6pPr marL="2286000" indent="0">
               <a:buNone/>
-              <a:defRPr sz="1000"/>
+              <a:defRPr sz="1600"/>
             </a:lvl6pPr>
             <a:lvl7pPr marL="2743200" indent="0">
               <a:buNone/>
-              <a:defRPr sz="1000"/>
+              <a:defRPr sz="1600"/>
             </a:lvl7pPr>
             <a:lvl8pPr marL="3200400" indent="0">
               <a:buNone/>
-              <a:defRPr sz="1000"/>
+              <a:defRPr sz="1600"/>
             </a:lvl8pPr>
             <a:lvl9pPr marL="3657600" indent="0">
               <a:buNone/>
-              <a:defRPr sz="1000"/>
+              <a:defRPr sz="1600"/>
             </a:lvl9pPr>
           </a:lstStyle>
           <a:p>
+            <a:r>
+              <a:rPr lang="en-US"/>
+              <a:t>Click icon to add picture</a:t>
+            </a:r>
+            <a:endParaRPr lang="en-US" dirty="0"/>
+          </a:p>
+        </p:txBody>
+      </p:sp>
+      <p:sp>
+        <p:nvSpPr>
+          <p:cNvPr id="4" name="Text Placeholder 3"/>
+          <p:cNvSpPr>
+            <a:spLocks noGrp="1"/>
+          </p:cNvSpPr>
+          <p:nvPr>
+            <p:ph type="body" sz="half" idx="2"/>
+          </p:nvPr>
+        </p:nvSpPr>
+        <p:spPr>
+          <a:xfrm>
+            <a:off x="677334" y="5367338"/>
+            <a:ext cx="8596667" cy="674024"/>
+          </a:xfrm>
+        </p:spPr>
+        <p:txBody>
+          <a:bodyPr>
+            <a:normAutofit/>
+          </a:bodyPr>
+          <a:lstStyle>
+            <a:lvl1pPr marL="0" indent="0">
+              <a:buNone/>
+              <a:defRPr sz="1200"/>
+            </a:lvl1pPr>
+            <a:lvl2pPr marL="457200" indent="0">
+              <a:buNone/>
+              <a:defRPr sz="1200"/>
+            </a:lvl2pPr>
+            <a:lvl3pPr marL="914400" indent="0">
+              <a:buNone/>
+              <a:defRPr sz="1000"/>
+            </a:lvl3pPr>
+            <a:lvl4pPr marL="1371600" indent="0">
+              <a:buNone/>
+              <a:defRPr sz="900"/>
+            </a:lvl4pPr>
+            <a:lvl5pPr marL="1828800" indent="0">
+              <a:buNone/>
+              <a:defRPr sz="900"/>
+            </a:lvl5pPr>
+            <a:lvl6pPr marL="2286000" indent="0">
+              <a:buNone/>
+              <a:defRPr sz="900"/>
+            </a:lvl6pPr>
+            <a:lvl7pPr marL="2743200" indent="0">
+              <a:buNone/>
+              <a:defRPr sz="900"/>
+            </a:lvl7pPr>
+            <a:lvl8pPr marL="3200400" indent="0">
+              <a:buNone/>
+              <a:defRPr sz="900"/>
+            </a:lvl8pPr>
+            <a:lvl9pPr marL="3657600" indent="0">
+              <a:buNone/>
+              <a:defRPr sz="900"/>
+            </a:lvl9pPr>
+          </a:lstStyle>
+          <a:p>
             <a:pPr lvl="0"/>
             <a:r>
               <a:rPr lang="en-US"/>
@@ -3261,13 +5169,7 @@
       </p:sp>
       <p:sp>
         <p:nvSpPr>
-          <p:cNvPr id="5" name="Date Placeholder 4">
-            <a:extLst>
-              <a:ext uri="{FF2B5EF4-FFF2-40B4-BE49-F238E27FC236}">
-                <a16:creationId xmlns:a16="http://schemas.microsoft.com/office/drawing/2014/main" id="{00D27C0D-BB3B-4490-A3E0-A499EA7EFD72}"/>
-              </a:ext>
-            </a:extLst>
-          </p:cNvPr>
+          <p:cNvPr id="5" name="Date Placeholder 4"/>
           <p:cNvSpPr>
             <a:spLocks noGrp="1"/>
           </p:cNvSpPr>
@@ -3282,7 +5184,7 @@
           <a:p>
             <a:fld id="{8A825621-041C-4E9C-9BC7-B11EF57970CE}" type="datetimeFigureOut">
               <a:rPr lang="en-US" smtClean="0"/>
-              <a:t>3/7/2018</a:t>
+              <a:t>3/17/2018</a:t>
             </a:fld>
             <a:endParaRPr lang="en-US"/>
           </a:p>
@@ -3290,13 +5192,7 @@
       </p:sp>
       <p:sp>
         <p:nvSpPr>
-          <p:cNvPr id="6" name="Footer Placeholder 5">
-            <a:extLst>
-              <a:ext uri="{FF2B5EF4-FFF2-40B4-BE49-F238E27FC236}">
-                <a16:creationId xmlns:a16="http://schemas.microsoft.com/office/drawing/2014/main" id="{67CBB328-D02E-48F4-917E-367B416A6A25}"/>
-              </a:ext>
-            </a:extLst>
-          </p:cNvPr>
+          <p:cNvPr id="6" name="Footer Placeholder 5"/>
           <p:cNvSpPr>
             <a:spLocks noGrp="1"/>
           </p:cNvSpPr>
@@ -3315,13 +5211,7 @@
       </p:sp>
       <p:sp>
         <p:nvSpPr>
-          <p:cNvPr id="7" name="Slide Number Placeholder 6">
-            <a:extLst>
-              <a:ext uri="{FF2B5EF4-FFF2-40B4-BE49-F238E27FC236}">
-                <a16:creationId xmlns:a16="http://schemas.microsoft.com/office/drawing/2014/main" id="{FB5789F8-0CC6-4607-9A7A-4A3505DF8174}"/>
-              </a:ext>
-            </a:extLst>
-          </p:cNvPr>
+          <p:cNvPr id="7" name="Slide Number Placeholder 6"/>
           <p:cNvSpPr>
             <a:spLocks noGrp="1"/>
           </p:cNvSpPr>
@@ -3345,7 +5235,7 @@
     </p:spTree>
     <p:extLst>
       <p:ext uri="{BB962C8B-B14F-4D97-AF65-F5344CB8AC3E}">
-        <p14:creationId xmlns:p14="http://schemas.microsoft.com/office/powerpoint/2010/main" val="1016105838"/>
+        <p14:creationId xmlns:p14="http://schemas.microsoft.com/office/powerpoint/2010/main" val="486285129"/>
       </p:ext>
     </p:extLst>
   </p:cSld>
@@ -3377,15 +5267,539 @@
           <a:chExt cx="0" cy="0"/>
         </a:xfrm>
       </p:grpSpPr>
-      <p:sp>
-        <p:nvSpPr>
-          <p:cNvPr id="2" name="Title Placeholder 1">
-            <a:extLst>
-              <a:ext uri="{FF2B5EF4-FFF2-40B4-BE49-F238E27FC236}">
-                <a16:creationId xmlns:a16="http://schemas.microsoft.com/office/drawing/2014/main" id="{2AA8ADD2-92AD-4F6D-B2AD-FFA0CAC707F4}"/>
-              </a:ext>
-            </a:extLst>
-          </p:cNvPr>
+      <p:grpSp>
+        <p:nvGrpSpPr>
+          <p:cNvPr id="7" name="Group 6"/>
+          <p:cNvGrpSpPr/>
+          <p:nvPr/>
+        </p:nvGrpSpPr>
+        <p:grpSpPr>
+          <a:xfrm>
+            <a:off x="0" y="-8467"/>
+            <a:ext cx="12192000" cy="6866467"/>
+            <a:chOff x="0" y="-8467"/>
+            <a:chExt cx="12192000" cy="6866467"/>
+          </a:xfrm>
+        </p:grpSpPr>
+        <p:cxnSp>
+          <p:nvCxnSpPr>
+            <p:cNvPr id="20" name="Straight Connector 19"/>
+            <p:cNvCxnSpPr/>
+            <p:nvPr/>
+          </p:nvCxnSpPr>
+          <p:spPr>
+            <a:xfrm>
+              <a:off x="9371012" y="0"/>
+              <a:ext cx="1219200" cy="6858000"/>
+            </a:xfrm>
+            <a:prstGeom prst="line">
+              <a:avLst/>
+            </a:prstGeom>
+            <a:ln w="9525">
+              <a:solidFill>
+                <a:schemeClr val="bg1">
+                  <a:lumMod val="75000"/>
+                </a:schemeClr>
+              </a:solidFill>
+            </a:ln>
+          </p:spPr>
+          <p:style>
+            <a:lnRef idx="2">
+              <a:schemeClr val="accent1"/>
+            </a:lnRef>
+            <a:fillRef idx="0">
+              <a:schemeClr val="accent1"/>
+            </a:fillRef>
+            <a:effectRef idx="1">
+              <a:schemeClr val="accent1"/>
+            </a:effectRef>
+            <a:fontRef idx="minor">
+              <a:schemeClr val="tx1"/>
+            </a:fontRef>
+          </p:style>
+        </p:cxnSp>
+        <p:cxnSp>
+          <p:nvCxnSpPr>
+            <p:cNvPr id="21" name="Straight Connector 20"/>
+            <p:cNvCxnSpPr/>
+            <p:nvPr/>
+          </p:nvCxnSpPr>
+          <p:spPr>
+            <a:xfrm flipH="1">
+              <a:off x="7425267" y="3681413"/>
+              <a:ext cx="4763558" cy="3176587"/>
+            </a:xfrm>
+            <a:prstGeom prst="line">
+              <a:avLst/>
+            </a:prstGeom>
+            <a:ln w="9525">
+              <a:solidFill>
+                <a:schemeClr val="bg1">
+                  <a:lumMod val="85000"/>
+                </a:schemeClr>
+              </a:solidFill>
+            </a:ln>
+          </p:spPr>
+          <p:style>
+            <a:lnRef idx="2">
+              <a:schemeClr val="accent1"/>
+            </a:lnRef>
+            <a:fillRef idx="0">
+              <a:schemeClr val="accent1"/>
+            </a:fillRef>
+            <a:effectRef idx="1">
+              <a:schemeClr val="accent1"/>
+            </a:effectRef>
+            <a:fontRef idx="minor">
+              <a:schemeClr val="tx1"/>
+            </a:fontRef>
+          </p:style>
+        </p:cxnSp>
+        <p:sp>
+          <p:nvSpPr>
+            <p:cNvPr id="22" name="Rectangle 23"/>
+            <p:cNvSpPr/>
+            <p:nvPr/>
+          </p:nvSpPr>
+          <p:spPr>
+            <a:xfrm>
+              <a:off x="9181476" y="-8467"/>
+              <a:ext cx="3007349" cy="6866467"/>
+            </a:xfrm>
+            <a:custGeom>
+              <a:avLst/>
+              <a:gdLst/>
+              <a:ahLst/>
+              <a:cxnLst/>
+              <a:rect l="l" t="t" r="r" b="b"/>
+              <a:pathLst>
+                <a:path w="3007349" h="6866467">
+                  <a:moveTo>
+                    <a:pt x="2045532" y="0"/>
+                  </a:moveTo>
+                  <a:lnTo>
+                    <a:pt x="3007349" y="0"/>
+                  </a:lnTo>
+                  <a:lnTo>
+                    <a:pt x="3007349" y="6866467"/>
+                  </a:lnTo>
+                  <a:lnTo>
+                    <a:pt x="0" y="6866467"/>
+                  </a:lnTo>
+                  <a:lnTo>
+                    <a:pt x="2045532" y="0"/>
+                  </a:lnTo>
+                  <a:close/>
+                </a:path>
+              </a:pathLst>
+            </a:custGeom>
+            <a:solidFill>
+              <a:schemeClr val="accent1">
+                <a:alpha val="30000"/>
+              </a:schemeClr>
+            </a:solidFill>
+            <a:ln>
+              <a:noFill/>
+            </a:ln>
+            <a:effectLst/>
+          </p:spPr>
+          <p:style>
+            <a:lnRef idx="1">
+              <a:schemeClr val="accent1"/>
+            </a:lnRef>
+            <a:fillRef idx="3">
+              <a:schemeClr val="accent1"/>
+            </a:fillRef>
+            <a:effectRef idx="2">
+              <a:schemeClr val="accent1"/>
+            </a:effectRef>
+            <a:fontRef idx="minor">
+              <a:schemeClr val="lt1"/>
+            </a:fontRef>
+          </p:style>
+        </p:sp>
+        <p:sp>
+          <p:nvSpPr>
+            <p:cNvPr id="23" name="Rectangle 25"/>
+            <p:cNvSpPr/>
+            <p:nvPr/>
+          </p:nvSpPr>
+          <p:spPr>
+            <a:xfrm>
+              <a:off x="9603442" y="-8467"/>
+              <a:ext cx="2588558" cy="6866467"/>
+            </a:xfrm>
+            <a:custGeom>
+              <a:avLst/>
+              <a:gdLst/>
+              <a:ahLst/>
+              <a:cxnLst/>
+              <a:rect l="l" t="t" r="r" b="b"/>
+              <a:pathLst>
+                <a:path w="2573311" h="6866467">
+                  <a:moveTo>
+                    <a:pt x="0" y="0"/>
+                  </a:moveTo>
+                  <a:lnTo>
+                    <a:pt x="2573311" y="0"/>
+                  </a:lnTo>
+                  <a:lnTo>
+                    <a:pt x="2573311" y="6866467"/>
+                  </a:lnTo>
+                  <a:lnTo>
+                    <a:pt x="1202336" y="6866467"/>
+                  </a:lnTo>
+                  <a:lnTo>
+                    <a:pt x="0" y="0"/>
+                  </a:lnTo>
+                  <a:close/>
+                </a:path>
+              </a:pathLst>
+            </a:custGeom>
+            <a:solidFill>
+              <a:schemeClr val="accent1">
+                <a:alpha val="20000"/>
+              </a:schemeClr>
+            </a:solidFill>
+            <a:ln>
+              <a:noFill/>
+            </a:ln>
+            <a:effectLst/>
+          </p:spPr>
+          <p:style>
+            <a:lnRef idx="1">
+              <a:schemeClr val="accent1"/>
+            </a:lnRef>
+            <a:fillRef idx="3">
+              <a:schemeClr val="accent1"/>
+            </a:fillRef>
+            <a:effectRef idx="2">
+              <a:schemeClr val="accent1"/>
+            </a:effectRef>
+            <a:fontRef idx="minor">
+              <a:schemeClr val="lt1"/>
+            </a:fontRef>
+          </p:style>
+        </p:sp>
+        <p:sp>
+          <p:nvSpPr>
+            <p:cNvPr id="24" name="Isosceles Triangle 23"/>
+            <p:cNvSpPr/>
+            <p:nvPr/>
+          </p:nvSpPr>
+          <p:spPr>
+            <a:xfrm>
+              <a:off x="8932333" y="3048000"/>
+              <a:ext cx="3259667" cy="3810000"/>
+            </a:xfrm>
+            <a:prstGeom prst="triangle">
+              <a:avLst>
+                <a:gd name="adj" fmla="val 100000"/>
+              </a:avLst>
+            </a:prstGeom>
+            <a:solidFill>
+              <a:schemeClr val="accent2">
+                <a:alpha val="72000"/>
+              </a:schemeClr>
+            </a:solidFill>
+            <a:ln>
+              <a:noFill/>
+            </a:ln>
+            <a:effectLst/>
+          </p:spPr>
+          <p:style>
+            <a:lnRef idx="1">
+              <a:schemeClr val="accent1"/>
+            </a:lnRef>
+            <a:fillRef idx="3">
+              <a:schemeClr val="accent1"/>
+            </a:fillRef>
+            <a:effectRef idx="2">
+              <a:schemeClr val="accent1"/>
+            </a:effectRef>
+            <a:fontRef idx="minor">
+              <a:schemeClr val="lt1"/>
+            </a:fontRef>
+          </p:style>
+        </p:sp>
+        <p:sp>
+          <p:nvSpPr>
+            <p:cNvPr id="25" name="Rectangle 27"/>
+            <p:cNvSpPr/>
+            <p:nvPr/>
+          </p:nvSpPr>
+          <p:spPr>
+            <a:xfrm>
+              <a:off x="9334500" y="-8467"/>
+              <a:ext cx="2854326" cy="6866467"/>
+            </a:xfrm>
+            <a:custGeom>
+              <a:avLst/>
+              <a:gdLst/>
+              <a:ahLst/>
+              <a:cxnLst/>
+              <a:rect l="l" t="t" r="r" b="b"/>
+              <a:pathLst>
+                <a:path w="2858013" h="6866467">
+                  <a:moveTo>
+                    <a:pt x="0" y="0"/>
+                  </a:moveTo>
+                  <a:lnTo>
+                    <a:pt x="2858013" y="0"/>
+                  </a:lnTo>
+                  <a:lnTo>
+                    <a:pt x="2858013" y="6866467"/>
+                  </a:lnTo>
+                  <a:lnTo>
+                    <a:pt x="2473942" y="6866467"/>
+                  </a:lnTo>
+                  <a:lnTo>
+                    <a:pt x="0" y="0"/>
+                  </a:lnTo>
+                  <a:close/>
+                </a:path>
+              </a:pathLst>
+            </a:custGeom>
+            <a:solidFill>
+              <a:schemeClr val="accent2">
+                <a:lumMod val="75000"/>
+                <a:alpha val="70000"/>
+              </a:schemeClr>
+            </a:solidFill>
+            <a:ln>
+              <a:noFill/>
+            </a:ln>
+            <a:effectLst/>
+          </p:spPr>
+          <p:style>
+            <a:lnRef idx="1">
+              <a:schemeClr val="accent1"/>
+            </a:lnRef>
+            <a:fillRef idx="3">
+              <a:schemeClr val="accent1"/>
+            </a:fillRef>
+            <a:effectRef idx="2">
+              <a:schemeClr val="accent1"/>
+            </a:effectRef>
+            <a:fontRef idx="minor">
+              <a:schemeClr val="lt1"/>
+            </a:fontRef>
+          </p:style>
+        </p:sp>
+        <p:sp>
+          <p:nvSpPr>
+            <p:cNvPr id="26" name="Rectangle 28"/>
+            <p:cNvSpPr/>
+            <p:nvPr/>
+          </p:nvSpPr>
+          <p:spPr>
+            <a:xfrm>
+              <a:off x="10898730" y="-8467"/>
+              <a:ext cx="1290094" cy="6866467"/>
+            </a:xfrm>
+            <a:custGeom>
+              <a:avLst/>
+              <a:gdLst/>
+              <a:ahLst/>
+              <a:cxnLst/>
+              <a:rect l="l" t="t" r="r" b="b"/>
+              <a:pathLst>
+                <a:path w="1290094" h="6858000">
+                  <a:moveTo>
+                    <a:pt x="1019735" y="0"/>
+                  </a:moveTo>
+                  <a:lnTo>
+                    <a:pt x="1290094" y="0"/>
+                  </a:lnTo>
+                  <a:lnTo>
+                    <a:pt x="1290094" y="6858000"/>
+                  </a:lnTo>
+                  <a:lnTo>
+                    <a:pt x="0" y="6858000"/>
+                  </a:lnTo>
+                  <a:lnTo>
+                    <a:pt x="1019735" y="0"/>
+                  </a:lnTo>
+                  <a:close/>
+                </a:path>
+              </a:pathLst>
+            </a:custGeom>
+            <a:solidFill>
+              <a:schemeClr val="accent1">
+                <a:lumMod val="60000"/>
+                <a:lumOff val="40000"/>
+                <a:alpha val="70000"/>
+              </a:schemeClr>
+            </a:solidFill>
+            <a:ln>
+              <a:noFill/>
+            </a:ln>
+            <a:effectLst/>
+          </p:spPr>
+          <p:style>
+            <a:lnRef idx="1">
+              <a:schemeClr val="accent1"/>
+            </a:lnRef>
+            <a:fillRef idx="3">
+              <a:schemeClr val="accent1"/>
+            </a:fillRef>
+            <a:effectRef idx="2">
+              <a:schemeClr val="accent1"/>
+            </a:effectRef>
+            <a:fontRef idx="minor">
+              <a:schemeClr val="lt1"/>
+            </a:fontRef>
+          </p:style>
+        </p:sp>
+        <p:sp>
+          <p:nvSpPr>
+            <p:cNvPr id="27" name="Rectangle 29"/>
+            <p:cNvSpPr/>
+            <p:nvPr/>
+          </p:nvSpPr>
+          <p:spPr>
+            <a:xfrm>
+              <a:off x="10938999" y="-8467"/>
+              <a:ext cx="1249825" cy="6866467"/>
+            </a:xfrm>
+            <a:custGeom>
+              <a:avLst/>
+              <a:gdLst/>
+              <a:ahLst/>
+              <a:cxnLst/>
+              <a:rect l="l" t="t" r="r" b="b"/>
+              <a:pathLst>
+                <a:path w="1249825" h="6858000">
+                  <a:moveTo>
+                    <a:pt x="0" y="0"/>
+                  </a:moveTo>
+                  <a:lnTo>
+                    <a:pt x="1249825" y="0"/>
+                  </a:lnTo>
+                  <a:lnTo>
+                    <a:pt x="1249825" y="6858000"/>
+                  </a:lnTo>
+                  <a:lnTo>
+                    <a:pt x="1109382" y="6858000"/>
+                  </a:lnTo>
+                  <a:lnTo>
+                    <a:pt x="0" y="0"/>
+                  </a:lnTo>
+                  <a:close/>
+                </a:path>
+              </a:pathLst>
+            </a:custGeom>
+            <a:solidFill>
+              <a:schemeClr val="accent1">
+                <a:alpha val="65000"/>
+              </a:schemeClr>
+            </a:solidFill>
+            <a:ln>
+              <a:noFill/>
+            </a:ln>
+            <a:effectLst/>
+          </p:spPr>
+          <p:style>
+            <a:lnRef idx="1">
+              <a:schemeClr val="accent1"/>
+            </a:lnRef>
+            <a:fillRef idx="3">
+              <a:schemeClr val="accent1"/>
+            </a:fillRef>
+            <a:effectRef idx="2">
+              <a:schemeClr val="accent1"/>
+            </a:effectRef>
+            <a:fontRef idx="minor">
+              <a:schemeClr val="lt1"/>
+            </a:fontRef>
+          </p:style>
+        </p:sp>
+        <p:sp>
+          <p:nvSpPr>
+            <p:cNvPr id="28" name="Isosceles Triangle 27"/>
+            <p:cNvSpPr/>
+            <p:nvPr/>
+          </p:nvSpPr>
+          <p:spPr>
+            <a:xfrm>
+              <a:off x="10371666" y="3589867"/>
+              <a:ext cx="1817159" cy="3268133"/>
+            </a:xfrm>
+            <a:prstGeom prst="triangle">
+              <a:avLst>
+                <a:gd name="adj" fmla="val 100000"/>
+              </a:avLst>
+            </a:prstGeom>
+            <a:solidFill>
+              <a:schemeClr val="accent1">
+                <a:alpha val="80000"/>
+              </a:schemeClr>
+            </a:solidFill>
+            <a:ln>
+              <a:noFill/>
+            </a:ln>
+            <a:effectLst/>
+          </p:spPr>
+          <p:style>
+            <a:lnRef idx="1">
+              <a:schemeClr val="accent1"/>
+            </a:lnRef>
+            <a:fillRef idx="3">
+              <a:schemeClr val="accent1"/>
+            </a:fillRef>
+            <a:effectRef idx="2">
+              <a:schemeClr val="accent1"/>
+            </a:effectRef>
+            <a:fontRef idx="minor">
+              <a:schemeClr val="lt1"/>
+            </a:fontRef>
+          </p:style>
+        </p:sp>
+        <p:sp>
+          <p:nvSpPr>
+            <p:cNvPr id="29" name="Isosceles Triangle 28"/>
+            <p:cNvSpPr/>
+            <p:nvPr/>
+          </p:nvSpPr>
+          <p:spPr>
+            <a:xfrm>
+              <a:off x="0" y="4013200"/>
+              <a:ext cx="448733" cy="2844800"/>
+            </a:xfrm>
+            <a:prstGeom prst="triangle">
+              <a:avLst>
+                <a:gd name="adj" fmla="val 0"/>
+              </a:avLst>
+            </a:prstGeom>
+            <a:solidFill>
+              <a:schemeClr val="accent1">
+                <a:alpha val="85000"/>
+              </a:schemeClr>
+            </a:solidFill>
+            <a:ln>
+              <a:noFill/>
+            </a:ln>
+            <a:effectLst/>
+          </p:spPr>
+          <p:style>
+            <a:lnRef idx="1">
+              <a:schemeClr val="accent1"/>
+            </a:lnRef>
+            <a:fillRef idx="3">
+              <a:schemeClr val="accent1"/>
+            </a:fillRef>
+            <a:effectRef idx="2">
+              <a:schemeClr val="accent1"/>
+            </a:effectRef>
+            <a:fontRef idx="minor">
+              <a:schemeClr val="lt1"/>
+            </a:fontRef>
+          </p:style>
+        </p:sp>
+      </p:grpSp>
+      <p:sp>
+        <p:nvSpPr>
+          <p:cNvPr id="2" name="Title Placeholder 1"/>
           <p:cNvSpPr>
             <a:spLocks noGrp="1"/>
           </p:cNvSpPr>
@@ -3395,15 +5809,15 @@
         </p:nvSpPr>
         <p:spPr>
           <a:xfrm>
-            <a:off x="838200" y="365125"/>
-            <a:ext cx="10515600" cy="1325563"/>
+            <a:off x="677334" y="609600"/>
+            <a:ext cx="8596668" cy="1320800"/>
           </a:xfrm>
           <a:prstGeom prst="rect">
             <a:avLst/>
           </a:prstGeom>
         </p:spPr>
         <p:txBody>
-          <a:bodyPr vert="horz" lIns="91440" tIns="45720" rIns="91440" bIns="45720" rtlCol="0" anchor="ctr">
+          <a:bodyPr vert="horz" lIns="91440" tIns="45720" rIns="91440" bIns="45720" rtlCol="0" anchor="t">
             <a:normAutofit/>
           </a:bodyPr>
           <a:lstStyle/>
@@ -3412,18 +5826,13 @@
               <a:rPr lang="en-US"/>
               <a:t>Click to edit Master title style</a:t>
             </a:r>
-          </a:p>
-        </p:txBody>
-      </p:sp>
-      <p:sp>
-        <p:nvSpPr>
-          <p:cNvPr id="3" name="Text Placeholder 2">
-            <a:extLst>
-              <a:ext uri="{FF2B5EF4-FFF2-40B4-BE49-F238E27FC236}">
-                <a16:creationId xmlns:a16="http://schemas.microsoft.com/office/drawing/2014/main" id="{C98A766E-F820-4FD0-A29F-A1F97198B4E0}"/>
-              </a:ext>
-            </a:extLst>
-          </p:cNvPr>
+            <a:endParaRPr lang="en-US" dirty="0"/>
+          </a:p>
+        </p:txBody>
+      </p:sp>
+      <p:sp>
+        <p:nvSpPr>
+          <p:cNvPr id="3" name="Text Placeholder 2"/>
           <p:cNvSpPr>
             <a:spLocks noGrp="1"/>
           </p:cNvSpPr>
@@ -3433,8 +5842,8 @@
         </p:nvSpPr>
         <p:spPr>
           <a:xfrm>
-            <a:off x="838200" y="1825625"/>
-            <a:ext cx="10515600" cy="4351338"/>
+            <a:off x="677334" y="2160589"/>
+            <a:ext cx="8596668" cy="3880773"/>
           </a:xfrm>
           <a:prstGeom prst="rect">
             <a:avLst/>
@@ -3479,18 +5888,13 @@
               <a:rPr lang="en-US"/>
               <a:t>Fifth level</a:t>
             </a:r>
-          </a:p>
-        </p:txBody>
-      </p:sp>
-      <p:sp>
-        <p:nvSpPr>
-          <p:cNvPr id="4" name="Date Placeholder 3">
-            <a:extLst>
-              <a:ext uri="{FF2B5EF4-FFF2-40B4-BE49-F238E27FC236}">
-                <a16:creationId xmlns:a16="http://schemas.microsoft.com/office/drawing/2014/main" id="{A67B745D-445E-448D-85C2-1A512DA74BC8}"/>
-              </a:ext>
-            </a:extLst>
-          </p:cNvPr>
+            <a:endParaRPr lang="en-US" dirty="0"/>
+          </a:p>
+        </p:txBody>
+      </p:sp>
+      <p:sp>
+        <p:nvSpPr>
+          <p:cNvPr id="4" name="Date Placeholder 3"/>
           <p:cNvSpPr>
             <a:spLocks noGrp="1"/>
           </p:cNvSpPr>
@@ -3500,8 +5904,8 @@
         </p:nvSpPr>
         <p:spPr>
           <a:xfrm>
-            <a:off x="838200" y="6356350"/>
-            <a:ext cx="2743200" cy="365125"/>
+            <a:off x="7205133" y="6041362"/>
+            <a:ext cx="911939" cy="365125"/>
           </a:xfrm>
           <a:prstGeom prst="rect">
             <a:avLst/>
@@ -3510,8 +5914,8 @@
         <p:txBody>
           <a:bodyPr vert="horz" lIns="91440" tIns="45720" rIns="91440" bIns="45720" rtlCol="0" anchor="ctr"/>
           <a:lstStyle>
-            <a:lvl1pPr algn="l">
-              <a:defRPr sz="1200">
+            <a:lvl1pPr algn="r">
+              <a:defRPr sz="900">
                 <a:solidFill>
                   <a:schemeClr val="tx1">
                     <a:tint val="75000"/>
@@ -3523,7 +5927,7 @@
           <a:p>
             <a:fld id="{8A825621-041C-4E9C-9BC7-B11EF57970CE}" type="datetimeFigureOut">
               <a:rPr lang="en-US" smtClean="0"/>
-              <a:t>3/7/2018</a:t>
+              <a:t>3/17/2018</a:t>
             </a:fld>
             <a:endParaRPr lang="en-US"/>
           </a:p>
@@ -3531,13 +5935,7 @@
       </p:sp>
       <p:sp>
         <p:nvSpPr>
-          <p:cNvPr id="5" name="Footer Placeholder 4">
-            <a:extLst>
-              <a:ext uri="{FF2B5EF4-FFF2-40B4-BE49-F238E27FC236}">
-                <a16:creationId xmlns:a16="http://schemas.microsoft.com/office/drawing/2014/main" id="{954D4262-5E82-4D69-85C0-91C6A1B118C0}"/>
-              </a:ext>
-            </a:extLst>
-          </p:cNvPr>
+          <p:cNvPr id="5" name="Footer Placeholder 4"/>
           <p:cNvSpPr>
             <a:spLocks noGrp="1"/>
           </p:cNvSpPr>
@@ -3547,8 +5945,8 @@
         </p:nvSpPr>
         <p:spPr>
           <a:xfrm>
-            <a:off x="4038600" y="6356350"/>
-            <a:ext cx="4114800" cy="365125"/>
+            <a:off x="677334" y="6041362"/>
+            <a:ext cx="6297612" cy="365125"/>
           </a:xfrm>
           <a:prstGeom prst="rect">
             <a:avLst/>
@@ -3557,8 +5955,8 @@
         <p:txBody>
           <a:bodyPr vert="horz" lIns="91440" tIns="45720" rIns="91440" bIns="45720" rtlCol="0" anchor="ctr"/>
           <a:lstStyle>
-            <a:lvl1pPr algn="ctr">
-              <a:defRPr sz="1200">
+            <a:lvl1pPr algn="l">
+              <a:defRPr sz="900">
                 <a:solidFill>
                   <a:schemeClr val="tx1">
                     <a:tint val="75000"/>
@@ -3574,13 +5972,7 @@
       </p:sp>
       <p:sp>
         <p:nvSpPr>
-          <p:cNvPr id="6" name="Slide Number Placeholder 5">
-            <a:extLst>
-              <a:ext uri="{FF2B5EF4-FFF2-40B4-BE49-F238E27FC236}">
-                <a16:creationId xmlns:a16="http://schemas.microsoft.com/office/drawing/2014/main" id="{541441DF-657E-41C9-9B23-DCF22598B326}"/>
-              </a:ext>
-            </a:extLst>
-          </p:cNvPr>
+          <p:cNvPr id="6" name="Slide Number Placeholder 5"/>
           <p:cNvSpPr>
             <a:spLocks noGrp="1"/>
           </p:cNvSpPr>
@@ -3590,8 +5982,8 @@
         </p:nvSpPr>
         <p:spPr>
           <a:xfrm>
-            <a:off x="8610600" y="6356350"/>
-            <a:ext cx="2743200" cy="365125"/>
+            <a:off x="8590663" y="6041362"/>
+            <a:ext cx="683339" cy="365125"/>
           </a:xfrm>
           <a:prstGeom prst="rect">
             <a:avLst/>
@@ -3601,11 +5993,9 @@
           <a:bodyPr vert="horz" lIns="91440" tIns="45720" rIns="91440" bIns="45720" rtlCol="0" anchor="ctr"/>
           <a:lstStyle>
             <a:lvl1pPr algn="r">
-              <a:defRPr sz="1200">
+              <a:defRPr sz="900">
                 <a:solidFill>
-                  <a:schemeClr val="tx1">
-                    <a:tint val="75000"/>
-                  </a:schemeClr>
+                  <a:schemeClr val="accent1"/>
                 </a:solidFill>
               </a:defRPr>
             </a:lvl1pPr>
@@ -3622,201 +6012,322 @@
     </p:spTree>
     <p:extLst>
       <p:ext uri="{BB962C8B-B14F-4D97-AF65-F5344CB8AC3E}">
-        <p14:creationId xmlns:p14="http://schemas.microsoft.com/office/powerpoint/2010/main" val="2277897001"/>
+        <p14:creationId xmlns:p14="http://schemas.microsoft.com/office/powerpoint/2010/main" val="1172530872"/>
       </p:ext>
     </p:extLst>
   </p:cSld>
   <p:clrMap bg1="lt1" tx1="dk1" bg2="lt2" tx2="dk2" accent1="accent1" accent2="accent2" accent3="accent3" accent4="accent4" accent5="accent5" accent6="accent6" hlink="hlink" folHlink="folHlink"/>
   <p:sldLayoutIdLst>
-    <p:sldLayoutId id="2147483649" r:id="rId1"/>
-    <p:sldLayoutId id="2147483650" r:id="rId2"/>
-    <p:sldLayoutId id="2147483651" r:id="rId3"/>
-    <p:sldLayoutId id="2147483652" r:id="rId4"/>
-    <p:sldLayoutId id="2147483653" r:id="rId5"/>
-    <p:sldLayoutId id="2147483654" r:id="rId6"/>
-    <p:sldLayoutId id="2147483655" r:id="rId7"/>
-    <p:sldLayoutId id="2147483656" r:id="rId8"/>
-    <p:sldLayoutId id="2147483657" r:id="rId9"/>
-    <p:sldLayoutId id="2147483658" r:id="rId10"/>
-    <p:sldLayoutId id="2147483659" r:id="rId11"/>
+    <p:sldLayoutId id="2147483661" r:id="rId1"/>
+    <p:sldLayoutId id="2147483662" r:id="rId2"/>
+    <p:sldLayoutId id="2147483663" r:id="rId3"/>
+    <p:sldLayoutId id="2147483664" r:id="rId4"/>
+    <p:sldLayoutId id="2147483665" r:id="rId5"/>
+    <p:sldLayoutId id="2147483666" r:id="rId6"/>
+    <p:sldLayoutId id="2147483667" r:id="rId7"/>
+    <p:sldLayoutId id="2147483668" r:id="rId8"/>
+    <p:sldLayoutId id="2147483669" r:id="rId9"/>
+    <p:sldLayoutId id="2147483670" r:id="rId10"/>
+    <p:sldLayoutId id="2147483671" r:id="rId11"/>
+    <p:sldLayoutId id="2147483672" r:id="rId12"/>
+    <p:sldLayoutId id="2147483673" r:id="rId13"/>
+    <p:sldLayoutId id="2147483674" r:id="rId14"/>
+    <p:sldLayoutId id="2147483675" r:id="rId15"/>
+    <p:sldLayoutId id="2147483676" r:id="rId16"/>
   </p:sldLayoutIdLst>
   <p:txStyles>
     <p:titleStyle>
-      <a:lvl1pPr algn="l" defTabSz="914400" rtl="0" eaLnBrk="1" latinLnBrk="0" hangingPunct="1">
-        <a:lnSpc>
-          <a:spcPct val="90000"/>
-        </a:lnSpc>
+      <a:lvl1pPr algn="l" defTabSz="457200" rtl="0" eaLnBrk="1" latinLnBrk="0" hangingPunct="1">
         <a:spcBef>
           <a:spcPct val="0"/>
         </a:spcBef>
         <a:buNone/>
-        <a:defRPr sz="4400" kern="1200">
+        <a:defRPr sz="3600" kern="1200">
           <a:solidFill>
-            <a:schemeClr val="tx1"/>
+            <a:schemeClr val="accent1"/>
           </a:solidFill>
           <a:latin typeface="+mj-lt"/>
           <a:ea typeface="+mj-ea"/>
           <a:cs typeface="+mj-cs"/>
         </a:defRPr>
       </a:lvl1pPr>
+      <a:lvl2pPr eaLnBrk="1" hangingPunct="1">
+        <a:defRPr>
+          <a:solidFill>
+            <a:schemeClr val="tx2"/>
+          </a:solidFill>
+        </a:defRPr>
+      </a:lvl2pPr>
+      <a:lvl3pPr eaLnBrk="1" hangingPunct="1">
+        <a:defRPr>
+          <a:solidFill>
+            <a:schemeClr val="tx2"/>
+          </a:solidFill>
+        </a:defRPr>
+      </a:lvl3pPr>
+      <a:lvl4pPr eaLnBrk="1" hangingPunct="1">
+        <a:defRPr>
+          <a:solidFill>
+            <a:schemeClr val="tx2"/>
+          </a:solidFill>
+        </a:defRPr>
+      </a:lvl4pPr>
+      <a:lvl5pPr eaLnBrk="1" hangingPunct="1">
+        <a:defRPr>
+          <a:solidFill>
+            <a:schemeClr val="tx2"/>
+          </a:solidFill>
+        </a:defRPr>
+      </a:lvl5pPr>
+      <a:lvl6pPr eaLnBrk="1" hangingPunct="1">
+        <a:defRPr>
+          <a:solidFill>
+            <a:schemeClr val="tx2"/>
+          </a:solidFill>
+        </a:defRPr>
+      </a:lvl6pPr>
+      <a:lvl7pPr eaLnBrk="1" hangingPunct="1">
+        <a:defRPr>
+          <a:solidFill>
+            <a:schemeClr val="tx2"/>
+          </a:solidFill>
+        </a:defRPr>
+      </a:lvl7pPr>
+      <a:lvl8pPr eaLnBrk="1" hangingPunct="1">
+        <a:defRPr>
+          <a:solidFill>
+            <a:schemeClr val="tx2"/>
+          </a:solidFill>
+        </a:defRPr>
+      </a:lvl8pPr>
+      <a:lvl9pPr eaLnBrk="1" hangingPunct="1">
+        <a:defRPr>
+          <a:solidFill>
+            <a:schemeClr val="tx2"/>
+          </a:solidFill>
+        </a:defRPr>
+      </a:lvl9pPr>
     </p:titleStyle>
     <p:bodyStyle>
-      <a:lvl1pPr marL="228600" indent="-228600" algn="l" defTabSz="914400" rtl="0" eaLnBrk="1" latinLnBrk="0" hangingPunct="1">
-        <a:lnSpc>
-          <a:spcPct val="90000"/>
-        </a:lnSpc>
+      <a:lvl1pPr marL="342900" indent="-342900" algn="l" defTabSz="457200" rtl="0" eaLnBrk="1" latinLnBrk="0" hangingPunct="1">
         <a:spcBef>
           <a:spcPts val="1000"/>
         </a:spcBef>
-        <a:buFont typeface="Arial" panose="020B0604020202020204" pitchFamily="34" charset="0"/>
-        <a:buChar char="•"/>
-        <a:defRPr sz="2800" kern="1200">
+        <a:spcAft>
+          <a:spcPts val="0"/>
+        </a:spcAft>
+        <a:buClr>
+          <a:schemeClr val="accent1"/>
+        </a:buClr>
+        <a:buSzPct val="80000"/>
+        <a:buFont typeface="Wingdings 3" charset="2"/>
+        <a:buChar char=""/>
+        <a:defRPr sz="1800" kern="1200">
           <a:solidFill>
-            <a:schemeClr val="tx1"/>
+            <a:schemeClr val="tx1">
+              <a:lumMod val="75000"/>
+              <a:lumOff val="25000"/>
+            </a:schemeClr>
           </a:solidFill>
           <a:latin typeface="+mn-lt"/>
           <a:ea typeface="+mn-ea"/>
           <a:cs typeface="+mn-cs"/>
         </a:defRPr>
       </a:lvl1pPr>
-      <a:lvl2pPr marL="685800" indent="-228600" algn="l" defTabSz="914400" rtl="0" eaLnBrk="1" latinLnBrk="0" hangingPunct="1">
-        <a:lnSpc>
-          <a:spcPct val="90000"/>
-        </a:lnSpc>
+      <a:lvl2pPr marL="742950" indent="-285750" algn="l" defTabSz="457200" rtl="0" eaLnBrk="1" latinLnBrk="0" hangingPunct="1">
         <a:spcBef>
-          <a:spcPts val="500"/>
+          <a:spcPts val="1000"/>
         </a:spcBef>
-        <a:buFont typeface="Arial" panose="020B0604020202020204" pitchFamily="34" charset="0"/>
-        <a:buChar char="•"/>
-        <a:defRPr sz="2400" kern="1200">
+        <a:spcAft>
+          <a:spcPts val="0"/>
+        </a:spcAft>
+        <a:buClr>
+          <a:schemeClr val="accent1"/>
+        </a:buClr>
+        <a:buSzPct val="80000"/>
+        <a:buFont typeface="Wingdings 3" charset="2"/>
+        <a:buChar char=""/>
+        <a:defRPr sz="1600" kern="1200">
           <a:solidFill>
-            <a:schemeClr val="tx1"/>
+            <a:schemeClr val="tx1">
+              <a:lumMod val="75000"/>
+              <a:lumOff val="25000"/>
+            </a:schemeClr>
           </a:solidFill>
           <a:latin typeface="+mn-lt"/>
           <a:ea typeface="+mn-ea"/>
           <a:cs typeface="+mn-cs"/>
         </a:defRPr>
       </a:lvl2pPr>
-      <a:lvl3pPr marL="1143000" indent="-228600" algn="l" defTabSz="914400" rtl="0" eaLnBrk="1" latinLnBrk="0" hangingPunct="1">
-        <a:lnSpc>
-          <a:spcPct val="90000"/>
-        </a:lnSpc>
+      <a:lvl3pPr marL="1143000" indent="-228600" algn="l" defTabSz="457200" rtl="0" eaLnBrk="1" latinLnBrk="0" hangingPunct="1">
         <a:spcBef>
-          <a:spcPts val="500"/>
+          <a:spcPts val="1000"/>
         </a:spcBef>
-        <a:buFont typeface="Arial" panose="020B0604020202020204" pitchFamily="34" charset="0"/>
-        <a:buChar char="•"/>
-        <a:defRPr sz="2000" kern="1200">
+        <a:spcAft>
+          <a:spcPts val="0"/>
+        </a:spcAft>
+        <a:buClr>
+          <a:schemeClr val="accent1"/>
+        </a:buClr>
+        <a:buSzPct val="80000"/>
+        <a:buFont typeface="Wingdings 3" charset="2"/>
+        <a:buChar char=""/>
+        <a:defRPr sz="1400" kern="1200">
           <a:solidFill>
-            <a:schemeClr val="tx1"/>
+            <a:schemeClr val="tx1">
+              <a:lumMod val="75000"/>
+              <a:lumOff val="25000"/>
+            </a:schemeClr>
           </a:solidFill>
           <a:latin typeface="+mn-lt"/>
           <a:ea typeface="+mn-ea"/>
           <a:cs typeface="+mn-cs"/>
         </a:defRPr>
       </a:lvl3pPr>
-      <a:lvl4pPr marL="1600200" indent="-228600" algn="l" defTabSz="914400" rtl="0" eaLnBrk="1" latinLnBrk="0" hangingPunct="1">
-        <a:lnSpc>
-          <a:spcPct val="90000"/>
-        </a:lnSpc>
+      <a:lvl4pPr marL="1600200" indent="-228600" algn="l" defTabSz="457200" rtl="0" eaLnBrk="1" latinLnBrk="0" hangingPunct="1">
         <a:spcBef>
-          <a:spcPts val="500"/>
+          <a:spcPts val="1000"/>
         </a:spcBef>
-        <a:buFont typeface="Arial" panose="020B0604020202020204" pitchFamily="34" charset="0"/>
-        <a:buChar char="•"/>
-        <a:defRPr sz="1800" kern="1200">
+        <a:spcAft>
+          <a:spcPts val="0"/>
+        </a:spcAft>
+        <a:buClr>
+          <a:schemeClr val="accent1"/>
+        </a:buClr>
+        <a:buSzPct val="80000"/>
+        <a:buFont typeface="Wingdings 3" charset="2"/>
+        <a:buChar char=""/>
+        <a:defRPr sz="1200" kern="1200">
           <a:solidFill>
-            <a:schemeClr val="tx1"/>
+            <a:schemeClr val="tx1">
+              <a:lumMod val="75000"/>
+              <a:lumOff val="25000"/>
+            </a:schemeClr>
           </a:solidFill>
           <a:latin typeface="+mn-lt"/>
           <a:ea typeface="+mn-ea"/>
           <a:cs typeface="+mn-cs"/>
         </a:defRPr>
       </a:lvl4pPr>
-      <a:lvl5pPr marL="2057400" indent="-228600" algn="l" defTabSz="914400" rtl="0" eaLnBrk="1" latinLnBrk="0" hangingPunct="1">
-        <a:lnSpc>
-          <a:spcPct val="90000"/>
-        </a:lnSpc>
+      <a:lvl5pPr marL="2057400" indent="-228600" algn="l" defTabSz="457200" rtl="0" eaLnBrk="1" latinLnBrk="0" hangingPunct="1">
         <a:spcBef>
-          <a:spcPts val="500"/>
+          <a:spcPts val="1000"/>
         </a:spcBef>
-        <a:buFont typeface="Arial" panose="020B0604020202020204" pitchFamily="34" charset="0"/>
-        <a:buChar char="•"/>
-        <a:defRPr sz="1800" kern="1200">
+        <a:spcAft>
+          <a:spcPts val="0"/>
+        </a:spcAft>
+        <a:buClr>
+          <a:schemeClr val="accent1"/>
+        </a:buClr>
+        <a:buSzPct val="80000"/>
+        <a:buFont typeface="Wingdings 3" charset="2"/>
+        <a:buChar char=""/>
+        <a:defRPr sz="1200" kern="1200">
           <a:solidFill>
-            <a:schemeClr val="tx1"/>
+            <a:schemeClr val="tx1">
+              <a:lumMod val="75000"/>
+              <a:lumOff val="25000"/>
+            </a:schemeClr>
           </a:solidFill>
           <a:latin typeface="+mn-lt"/>
           <a:ea typeface="+mn-ea"/>
           <a:cs typeface="+mn-cs"/>
         </a:defRPr>
       </a:lvl5pPr>
-      <a:lvl6pPr marL="2514600" indent="-228600" algn="l" defTabSz="914400" rtl="0" eaLnBrk="1" latinLnBrk="0" hangingPunct="1">
-        <a:lnSpc>
-          <a:spcPct val="90000"/>
-        </a:lnSpc>
+      <a:lvl6pPr marL="2514600" indent="-228600" algn="l" defTabSz="457200" rtl="0" eaLnBrk="1" latinLnBrk="0" hangingPunct="1">
         <a:spcBef>
-          <a:spcPts val="500"/>
+          <a:spcPts val="1000"/>
         </a:spcBef>
-        <a:buFont typeface="Arial" panose="020B0604020202020204" pitchFamily="34" charset="0"/>
-        <a:buChar char="•"/>
-        <a:defRPr sz="1800" kern="1200">
+        <a:spcAft>
+          <a:spcPts val="0"/>
+        </a:spcAft>
+        <a:buClr>
+          <a:schemeClr val="accent1"/>
+        </a:buClr>
+        <a:buSzPct val="80000"/>
+        <a:buFont typeface="Wingdings 3" charset="2"/>
+        <a:buChar char=""/>
+        <a:defRPr sz="1200" kern="1200">
           <a:solidFill>
-            <a:schemeClr val="tx1"/>
+            <a:schemeClr val="tx1">
+              <a:lumMod val="75000"/>
+              <a:lumOff val="25000"/>
+            </a:schemeClr>
           </a:solidFill>
           <a:latin typeface="+mn-lt"/>
           <a:ea typeface="+mn-ea"/>
           <a:cs typeface="+mn-cs"/>
         </a:defRPr>
       </a:lvl6pPr>
-      <a:lvl7pPr marL="2971800" indent="-228600" algn="l" defTabSz="914400" rtl="0" eaLnBrk="1" latinLnBrk="0" hangingPunct="1">
-        <a:lnSpc>
-          <a:spcPct val="90000"/>
-        </a:lnSpc>
+      <a:lvl7pPr marL="2971800" indent="-228600" algn="l" defTabSz="457200" rtl="0" eaLnBrk="1" latinLnBrk="0" hangingPunct="1">
         <a:spcBef>
-          <a:spcPts val="500"/>
+          <a:spcPts val="1000"/>
         </a:spcBef>
-        <a:buFont typeface="Arial" panose="020B0604020202020204" pitchFamily="34" charset="0"/>
-        <a:buChar char="•"/>
-        <a:defRPr sz="1800" kern="1200">
+        <a:spcAft>
+          <a:spcPts val="0"/>
+        </a:spcAft>
+        <a:buClr>
+          <a:schemeClr val="accent1"/>
+        </a:buClr>
+        <a:buSzPct val="80000"/>
+        <a:buFont typeface="Wingdings 3" charset="2"/>
+        <a:buChar char=""/>
+        <a:defRPr sz="1200" kern="1200">
           <a:solidFill>
-            <a:schemeClr val="tx1"/>
+            <a:schemeClr val="tx1">
+              <a:lumMod val="75000"/>
+              <a:lumOff val="25000"/>
+            </a:schemeClr>
           </a:solidFill>
           <a:latin typeface="+mn-lt"/>
           <a:ea typeface="+mn-ea"/>
           <a:cs typeface="+mn-cs"/>
         </a:defRPr>
       </a:lvl7pPr>
-      <a:lvl8pPr marL="3429000" indent="-228600" algn="l" defTabSz="914400" rtl="0" eaLnBrk="1" latinLnBrk="0" hangingPunct="1">
-        <a:lnSpc>
-          <a:spcPct val="90000"/>
-        </a:lnSpc>
+      <a:lvl8pPr marL="3429000" indent="-228600" algn="l" defTabSz="457200" rtl="0" eaLnBrk="1" latinLnBrk="0" hangingPunct="1">
         <a:spcBef>
-          <a:spcPts val="500"/>
+          <a:spcPts val="1000"/>
         </a:spcBef>
-        <a:buFont typeface="Arial" panose="020B0604020202020204" pitchFamily="34" charset="0"/>
-        <a:buChar char="•"/>
-        <a:defRPr sz="1800" kern="1200">
+        <a:spcAft>
+          <a:spcPts val="0"/>
+        </a:spcAft>
+        <a:buClr>
+          <a:schemeClr val="accent1"/>
+        </a:buClr>
+        <a:buSzPct val="80000"/>
+        <a:buFont typeface="Wingdings 3" charset="2"/>
+        <a:buChar char=""/>
+        <a:defRPr sz="1200" kern="1200">
           <a:solidFill>
-            <a:schemeClr val="tx1"/>
+            <a:schemeClr val="tx1">
+              <a:lumMod val="75000"/>
+              <a:lumOff val="25000"/>
+            </a:schemeClr>
           </a:solidFill>
           <a:latin typeface="+mn-lt"/>
           <a:ea typeface="+mn-ea"/>
           <a:cs typeface="+mn-cs"/>
         </a:defRPr>
       </a:lvl8pPr>
-      <a:lvl9pPr marL="3886200" indent="-228600" algn="l" defTabSz="914400" rtl="0" eaLnBrk="1" latinLnBrk="0" hangingPunct="1">
-        <a:lnSpc>
-          <a:spcPct val="90000"/>
-        </a:lnSpc>
+      <a:lvl9pPr marL="3886200" indent="-228600" algn="l" defTabSz="457200" rtl="0" eaLnBrk="1" latinLnBrk="0" hangingPunct="1">
         <a:spcBef>
-          <a:spcPts val="500"/>
+          <a:spcPts val="1000"/>
         </a:spcBef>
-        <a:buFont typeface="Arial" panose="020B0604020202020204" pitchFamily="34" charset="0"/>
-        <a:buChar char="•"/>
-        <a:defRPr sz="1800" kern="1200">
+        <a:spcAft>
+          <a:spcPts val="0"/>
+        </a:spcAft>
+        <a:buClr>
+          <a:schemeClr val="accent1"/>
+        </a:buClr>
+        <a:buSzPct val="80000"/>
+        <a:buFont typeface="Wingdings 3" charset="2"/>
+        <a:buChar char=""/>
+        <a:defRPr sz="1200" kern="1200">
           <a:solidFill>
-            <a:schemeClr val="tx1"/>
+            <a:schemeClr val="tx1">
+              <a:lumMod val="75000"/>
+              <a:lumOff val="25000"/>
+            </a:schemeClr>
           </a:solidFill>
           <a:latin typeface="+mn-lt"/>
           <a:ea typeface="+mn-ea"/>
@@ -3828,7 +6339,7 @@
       <a:defPPr>
         <a:defRPr lang="en-US"/>
       </a:defPPr>
-      <a:lvl1pPr marL="0" algn="l" defTabSz="914400" rtl="0" eaLnBrk="1" latinLnBrk="0" hangingPunct="1">
+      <a:lvl1pPr marL="0" algn="l" defTabSz="457200" rtl="0" eaLnBrk="1" latinLnBrk="0" hangingPunct="1">
         <a:defRPr sz="1800" kern="1200">
           <a:solidFill>
             <a:schemeClr val="tx1"/>
@@ -3838,7 +6349,7 @@
           <a:cs typeface="+mn-cs"/>
         </a:defRPr>
       </a:lvl1pPr>
-      <a:lvl2pPr marL="457200" algn="l" defTabSz="914400" rtl="0" eaLnBrk="1" latinLnBrk="0" hangingPunct="1">
+      <a:lvl2pPr marL="457200" algn="l" defTabSz="457200" rtl="0" eaLnBrk="1" latinLnBrk="0" hangingPunct="1">
         <a:defRPr sz="1800" kern="1200">
           <a:solidFill>
             <a:schemeClr val="tx1"/>
@@ -3848,7 +6359,7 @@
           <a:cs typeface="+mn-cs"/>
         </a:defRPr>
       </a:lvl2pPr>
-      <a:lvl3pPr marL="914400" algn="l" defTabSz="914400" rtl="0" eaLnBrk="1" latinLnBrk="0" hangingPunct="1">
+      <a:lvl3pPr marL="914400" algn="l" defTabSz="457200" rtl="0" eaLnBrk="1" latinLnBrk="0" hangingPunct="1">
         <a:defRPr sz="1800" kern="1200">
           <a:solidFill>
             <a:schemeClr val="tx1"/>
@@ -3858,7 +6369,7 @@
           <a:cs typeface="+mn-cs"/>
         </a:defRPr>
       </a:lvl3pPr>
-      <a:lvl4pPr marL="1371600" algn="l" defTabSz="914400" rtl="0" eaLnBrk="1" latinLnBrk="0" hangingPunct="1">
+      <a:lvl4pPr marL="1371600" algn="l" defTabSz="457200" rtl="0" eaLnBrk="1" latinLnBrk="0" hangingPunct="1">
         <a:defRPr sz="1800" kern="1200">
           <a:solidFill>
             <a:schemeClr val="tx1"/>
@@ -3868,7 +6379,7 @@
           <a:cs typeface="+mn-cs"/>
         </a:defRPr>
       </a:lvl4pPr>
-      <a:lvl5pPr marL="1828800" algn="l" defTabSz="914400" rtl="0" eaLnBrk="1" latinLnBrk="0" hangingPunct="1">
+      <a:lvl5pPr marL="1828800" algn="l" defTabSz="457200" rtl="0" eaLnBrk="1" latinLnBrk="0" hangingPunct="1">
         <a:defRPr sz="1800" kern="1200">
           <a:solidFill>
             <a:schemeClr val="tx1"/>
@@ -3878,7 +6389,7 @@
           <a:cs typeface="+mn-cs"/>
         </a:defRPr>
       </a:lvl5pPr>
-      <a:lvl6pPr marL="2286000" algn="l" defTabSz="914400" rtl="0" eaLnBrk="1" latinLnBrk="0" hangingPunct="1">
+      <a:lvl6pPr marL="2286000" algn="l" defTabSz="457200" rtl="0" eaLnBrk="1" latinLnBrk="0" hangingPunct="1">
         <a:defRPr sz="1800" kern="1200">
           <a:solidFill>
             <a:schemeClr val="tx1"/>
@@ -3888,7 +6399,7 @@
           <a:cs typeface="+mn-cs"/>
         </a:defRPr>
       </a:lvl6pPr>
-      <a:lvl7pPr marL="2743200" algn="l" defTabSz="914400" rtl="0" eaLnBrk="1" latinLnBrk="0" hangingPunct="1">
+      <a:lvl7pPr marL="2743200" algn="l" defTabSz="457200" rtl="0" eaLnBrk="1" latinLnBrk="0" hangingPunct="1">
         <a:defRPr sz="1800" kern="1200">
           <a:solidFill>
             <a:schemeClr val="tx1"/>
@@ -3898,7 +6409,7 @@
           <a:cs typeface="+mn-cs"/>
         </a:defRPr>
       </a:lvl7pPr>
-      <a:lvl8pPr marL="3200400" algn="l" defTabSz="914400" rtl="0" eaLnBrk="1" latinLnBrk="0" hangingPunct="1">
+      <a:lvl8pPr marL="3200400" algn="l" defTabSz="457200" rtl="0" eaLnBrk="1" latinLnBrk="0" hangingPunct="1">
         <a:defRPr sz="1800" kern="1200">
           <a:solidFill>
             <a:schemeClr val="tx1"/>
@@ -3908,7 +6419,7 @@
           <a:cs typeface="+mn-cs"/>
         </a:defRPr>
       </a:lvl8pPr>
-      <a:lvl9pPr marL="3657600" algn="l" defTabSz="914400" rtl="0" eaLnBrk="1" latinLnBrk="0" hangingPunct="1">
+      <a:lvl9pPr marL="3657600" algn="l" defTabSz="457200" rtl="0" eaLnBrk="1" latinLnBrk="0" hangingPunct="1">
         <a:defRPr sz="1800" kern="1200">
           <a:solidFill>
             <a:schemeClr val="tx1"/>
@@ -4000,7 +6511,7 @@
         </p:spPr>
         <p:txBody>
           <a:bodyPr>
-            <a:normAutofit lnSpcReduction="10000"/>
+            <a:normAutofit/>
           </a:bodyPr>
           <a:lstStyle/>
           <a:p>
@@ -4164,7 +6675,7 @@
         <p:spPr/>
         <p:txBody>
           <a:bodyPr>
-            <a:normAutofit fontScale="77500" lnSpcReduction="20000"/>
+            <a:normAutofit fontScale="85000" lnSpcReduction="20000"/>
           </a:bodyPr>
           <a:lstStyle/>
           <a:p>
@@ -5069,7 +7580,7 @@
         </p:spPr>
         <p:txBody>
           <a:bodyPr>
-            <a:normAutofit/>
+            <a:normAutofit fontScale="92500" lnSpcReduction="10000"/>
           </a:bodyPr>
           <a:lstStyle/>
           <a:p>
@@ -5907,7 +8418,7 @@
         </p:spPr>
         <p:txBody>
           <a:bodyPr>
-            <a:normAutofit fontScale="92500" lnSpcReduction="10000"/>
+            <a:normAutofit/>
           </a:bodyPr>
           <a:lstStyle/>
           <a:p>
@@ -7693,7 +10204,7 @@
         </p:spPr>
         <p:txBody>
           <a:bodyPr>
-            <a:normAutofit fontScale="90000"/>
+            <a:normAutofit/>
           </a:bodyPr>
           <a:lstStyle/>
           <a:p>
@@ -8227,7 +10738,7 @@
         </p:spPr>
         <p:txBody>
           <a:bodyPr>
-            <a:normAutofit fontScale="85000" lnSpcReduction="20000"/>
+            <a:normAutofit lnSpcReduction="10000"/>
           </a:bodyPr>
           <a:lstStyle/>
           <a:p>
@@ -8419,9 +10930,9 @@
 </file>
 
 <file path=ppt/theme/theme1.xml><?xml version="1.0" encoding="utf-8"?>
-<a:theme xmlns:a="http://schemas.openxmlformats.org/drawingml/2006/main" name="Office Theme">
+<a:theme xmlns:a="http://schemas.openxmlformats.org/drawingml/2006/main" name="Facet">
   <a:themeElements>
-    <a:clrScheme name="Office">
+    <a:clrScheme name="Facet">
       <a:dk1>
         <a:sysClr val="windowText" lastClr="000000"/>
       </a:dk1>
@@ -8429,52 +10940,52 @@
         <a:sysClr val="window" lastClr="FFFFFF"/>
       </a:lt1>
       <a:dk2>
-        <a:srgbClr val="44546A"/>
+        <a:srgbClr val="2C3C43"/>
       </a:dk2>
       <a:lt2>
-        <a:srgbClr val="E7E6E6"/>
+        <a:srgbClr val="EBEBEB"/>
       </a:lt2>
       <a:accent1>
-        <a:srgbClr val="4472C4"/>
+        <a:srgbClr val="90C226"/>
       </a:accent1>
       <a:accent2>
-        <a:srgbClr val="ED7D31"/>
+        <a:srgbClr val="54A021"/>
       </a:accent2>
       <a:accent3>
-        <a:srgbClr val="A5A5A5"/>
+        <a:srgbClr val="E6B91E"/>
       </a:accent3>
       <a:accent4>
-        <a:srgbClr val="FFC000"/>
+        <a:srgbClr val="E76618"/>
       </a:accent4>
       <a:accent5>
-        <a:srgbClr val="5B9BD5"/>
+        <a:srgbClr val="C42F1A"/>
       </a:accent5>
       <a:accent6>
-        <a:srgbClr val="70AD47"/>
+        <a:srgbClr val="918655"/>
       </a:accent6>
       <a:hlink>
-        <a:srgbClr val="0563C1"/>
+        <a:srgbClr val="99CA3C"/>
       </a:hlink>
       <a:folHlink>
-        <a:srgbClr val="954F72"/>
+        <a:srgbClr val="B9D181"/>
       </a:folHlink>
     </a:clrScheme>
-    <a:fontScheme name="Office">
+    <a:fontScheme name="Facet">
       <a:majorFont>
-        <a:latin typeface="Calibri Light" panose="020F0302020204030204"/>
+        <a:latin typeface="Trebuchet MS" panose="020B0603020202020204"/>
         <a:ea typeface=""/>
         <a:cs typeface=""/>
-        <a:font script="Jpan" typeface="游ゴシック Light"/>
+        <a:font script="Jpan" typeface="メイリオ"/>
         <a:font script="Hang" typeface="맑은 고딕"/>
-        <a:font script="Hans" typeface="等线 Light"/>
-        <a:font script="Hant" typeface="新細明體"/>
-        <a:font script="Arab" typeface="Times New Roman"/>
-        <a:font script="Hebr" typeface="Times New Roman"/>
-        <a:font script="Thai" typeface="Angsana New"/>
+        <a:font script="Hans" typeface="方正姚体"/>
+        <a:font script="Hant" typeface="微軟正黑體"/>
+        <a:font script="Arab" typeface="Tahoma"/>
+        <a:font script="Hebr" typeface="Arial"/>
+        <a:font script="Thai" typeface="Cordia New"/>
         <a:font script="Ethi" typeface="Nyala"/>
         <a:font script="Beng" typeface="Vrinda"/>
         <a:font script="Gujr" typeface="Shruti"/>
-        <a:font script="Khmr" typeface="MoolBoran"/>
+        <a:font script="Khmr" typeface="DaunPenh"/>
         <a:font script="Knda" typeface="Tunga"/>
         <a:font script="Guru" typeface="Raavi"/>
         <a:font script="Cans" typeface="Euphemia"/>
@@ -8491,38 +11002,21 @@
         <a:font script="Laoo" typeface="DokChampa"/>
         <a:font script="Sinh" typeface="Iskoola Pota"/>
         <a:font script="Mong" typeface="Mongolian Baiti"/>
-        <a:font script="Viet" typeface="Times New Roman"/>
+        <a:font script="Viet" typeface="Tahoma"/>
         <a:font script="Uigh" typeface="Microsoft Uighur"/>
         <a:font script="Geor" typeface="Sylfaen"/>
-        <a:font script="Armn" typeface="Arial"/>
-        <a:font script="Bugi" typeface="Leelawadee UI"/>
-        <a:font script="Bopo" typeface="Microsoft JhengHei"/>
-        <a:font script="Java" typeface="Javanese Text"/>
-        <a:font script="Lisu" typeface="Segoe UI"/>
-        <a:font script="Mymr" typeface="Myanmar Text"/>
-        <a:font script="Nkoo" typeface="Ebrima"/>
-        <a:font script="Olck" typeface="Nirmala UI"/>
-        <a:font script="Osma" typeface="Ebrima"/>
-        <a:font script="Phag" typeface="Phagspa"/>
-        <a:font script="Syrn" typeface="Estrangelo Edessa"/>
-        <a:font script="Syrj" typeface="Estrangelo Edessa"/>
-        <a:font script="Syre" typeface="Estrangelo Edessa"/>
-        <a:font script="Sora" typeface="Nirmala UI"/>
-        <a:font script="Tale" typeface="Microsoft Tai Le"/>
-        <a:font script="Talu" typeface="Microsoft New Tai Lue"/>
-        <a:font script="Tfng" typeface="Ebrima"/>
       </a:majorFont>
       <a:minorFont>
-        <a:latin typeface="Calibri" panose="020F0502020204030204"/>
+        <a:latin typeface="Trebuchet MS" panose="020B0603020202020204"/>
         <a:ea typeface=""/>
         <a:cs typeface=""/>
-        <a:font script="Jpan" typeface="游ゴシック"/>
-        <a:font script="Hang" typeface="맑은 고딕"/>
-        <a:font script="Hans" typeface="等线"/>
-        <a:font script="Hant" typeface="新細明體"/>
-        <a:font script="Arab" typeface="Arial"/>
-        <a:font script="Hebr" typeface="Arial"/>
-        <a:font script="Thai" typeface="Cordia New"/>
+        <a:font script="Jpan" typeface="メイリオ"/>
+        <a:font script="Hang" typeface="HY그래픽M"/>
+        <a:font script="Hans" typeface="华文新魏"/>
+        <a:font script="Hant" typeface="微軟正黑體"/>
+        <a:font script="Arab" typeface="Tahoma"/>
+        <a:font script="Hebr" typeface="Gisha"/>
+        <a:font script="Thai" typeface="IrisUPC"/>
         <a:font script="Ethi" typeface="Nyala"/>
         <a:font script="Beng" typeface="Vrinda"/>
         <a:font script="Gujr" typeface="Shruti"/>
@@ -8546,26 +11040,9 @@
         <a:font script="Viet" typeface="Arial"/>
         <a:font script="Uigh" typeface="Microsoft Uighur"/>
         <a:font script="Geor" typeface="Sylfaen"/>
-        <a:font script="Armn" typeface="Arial"/>
-        <a:font script="Bugi" typeface="Leelawadee UI"/>
-        <a:font script="Bopo" typeface="Microsoft JhengHei"/>
-        <a:font script="Java" typeface="Javanese Text"/>
-        <a:font script="Lisu" typeface="Segoe UI"/>
-        <a:font script="Mymr" typeface="Myanmar Text"/>
-        <a:font script="Nkoo" typeface="Ebrima"/>
-        <a:font script="Olck" typeface="Nirmala UI"/>
-        <a:font script="Osma" typeface="Ebrima"/>
-        <a:font script="Phag" typeface="Phagspa"/>
-        <a:font script="Syrn" typeface="Estrangelo Edessa"/>
-        <a:font script="Syrj" typeface="Estrangelo Edessa"/>
-        <a:font script="Syre" typeface="Estrangelo Edessa"/>
-        <a:font script="Sora" typeface="Nirmala UI"/>
-        <a:font script="Tale" typeface="Microsoft Tai Le"/>
-        <a:font script="Talu" typeface="Microsoft New Tai Lue"/>
-        <a:font script="Tfng" typeface="Ebrima"/>
       </a:minorFont>
     </a:fontScheme>
-    <a:fmtScheme name="Office">
+    <a:fmtScheme name="Facet">
       <a:fillStyleLst>
         <a:solidFill>
           <a:schemeClr val="phClr"/>
@@ -8574,23 +11051,13 @@
           <a:gsLst>
             <a:gs pos="0">
               <a:schemeClr val="phClr">
+                <a:tint val="65000"/>
                 <a:lumMod val="110000"/>
-                <a:satMod val="105000"/>
-                <a:tint val="67000"/>
               </a:schemeClr>
             </a:gs>
-            <a:gs pos="50000">
+            <a:gs pos="88000">
               <a:schemeClr val="phClr">
-                <a:lumMod val="105000"/>
-                <a:satMod val="103000"/>
-                <a:tint val="73000"/>
-              </a:schemeClr>
-            </a:gs>
-            <a:gs pos="100000">
-              <a:schemeClr val="phClr">
-                <a:lumMod val="105000"/>
-                <a:satMod val="109000"/>
-                <a:tint val="81000"/>
+                <a:tint val="90000"/>
               </a:schemeClr>
             </a:gs>
           </a:gsLst>
@@ -8600,23 +11067,14 @@
           <a:gsLst>
             <a:gs pos="0">
               <a:schemeClr val="phClr">
-                <a:satMod val="103000"/>
-                <a:lumMod val="102000"/>
-                <a:tint val="94000"/>
+                <a:tint val="96000"/>
+                <a:lumMod val="100000"/>
               </a:schemeClr>
             </a:gs>
-            <a:gs pos="50000">
+            <a:gs pos="78000">
               <a:schemeClr val="phClr">
-                <a:satMod val="110000"/>
-                <a:lumMod val="100000"/>
-                <a:shade val="100000"/>
-              </a:schemeClr>
-            </a:gs>
-            <a:gs pos="100000">
-              <a:schemeClr val="phClr">
-                <a:lumMod val="99000"/>
-                <a:satMod val="120000"/>
-                <a:shade val="78000"/>
+                <a:shade val="94000"/>
+                <a:lumMod val="94000"/>
               </a:schemeClr>
             </a:gs>
           </a:gsLst>
@@ -8624,26 +11082,23 @@
         </a:gradFill>
       </a:fillStyleLst>
       <a:lnStyleLst>
-        <a:ln w="6350" cap="flat" cmpd="sng" algn="ctr">
+        <a:ln w="12700" cap="rnd" cmpd="sng" algn="ctr">
           <a:solidFill>
             <a:schemeClr val="phClr"/>
           </a:solidFill>
           <a:prstDash val="solid"/>
-          <a:miter lim="800000"/>
         </a:ln>
-        <a:ln w="12700" cap="flat" cmpd="sng" algn="ctr">
+        <a:ln w="19050" cap="rnd" cmpd="sng" algn="ctr">
           <a:solidFill>
             <a:schemeClr val="phClr"/>
           </a:solidFill>
           <a:prstDash val="solid"/>
-          <a:miter lim="800000"/>
         </a:ln>
-        <a:ln w="19050" cap="flat" cmpd="sng" algn="ctr">
+        <a:ln w="25400" cap="rnd" cmpd="sng" algn="ctr">
           <a:solidFill>
             <a:schemeClr val="phClr"/>
           </a:solidFill>
           <a:prstDash val="solid"/>
-          <a:miter lim="800000"/>
         </a:ln>
       </a:lnStyleLst>
       <a:effectStyleLst>
@@ -8651,54 +11106,72 @@
           <a:effectLst/>
         </a:effectStyle>
         <a:effectStyle>
-          <a:effectLst/>
+          <a:effectLst>
+            <a:outerShdw blurRad="38100" dist="25400" dir="5400000" rotWithShape="0">
+              <a:srgbClr val="000000">
+                <a:alpha val="35000"/>
+              </a:srgbClr>
+            </a:outerShdw>
+          </a:effectLst>
         </a:effectStyle>
         <a:effectStyle>
           <a:effectLst>
-            <a:outerShdw blurRad="57150" dist="19050" dir="5400000" algn="ctr" rotWithShape="0">
+            <a:outerShdw blurRad="50800" dist="38100" dir="5400000" rotWithShape="0">
               <a:srgbClr val="000000">
-                <a:alpha val="63000"/>
+                <a:alpha val="35000"/>
               </a:srgbClr>
             </a:outerShdw>
           </a:effectLst>
+          <a:scene3d>
+            <a:camera prst="orthographicFront">
+              <a:rot lat="0" lon="0" rev="0"/>
+            </a:camera>
+            <a:lightRig rig="threePt" dir="tl"/>
+          </a:scene3d>
+          <a:sp3d prstMaterial="plastic">
+            <a:bevelT w="0" h="0"/>
+          </a:sp3d>
         </a:effectStyle>
       </a:effectStyleLst>
       <a:bgFillStyleLst>
         <a:solidFill>
           <a:schemeClr val="phClr"/>
         </a:solidFill>
-        <a:solidFill>
-          <a:schemeClr val="phClr">
-            <a:tint val="95000"/>
-            <a:satMod val="170000"/>
-          </a:schemeClr>
-        </a:solidFill>
         <a:gradFill rotWithShape="1">
           <a:gsLst>
             <a:gs pos="0">
               <a:schemeClr val="phClr">
-                <a:tint val="93000"/>
-                <a:satMod val="150000"/>
-                <a:shade val="98000"/>
-                <a:lumMod val="102000"/>
+                <a:tint val="90000"/>
+                <a:lumMod val="104000"/>
               </a:schemeClr>
             </a:gs>
-            <a:gs pos="50000">
+            <a:gs pos="94000">
               <a:schemeClr val="phClr">
-                <a:tint val="98000"/>
-                <a:satMod val="130000"/>
-                <a:shade val="90000"/>
-                <a:lumMod val="103000"/>
+                <a:shade val="96000"/>
+                <a:lumMod val="82000"/>
+              </a:schemeClr>
+            </a:gs>
+          </a:gsLst>
+          <a:lin ang="5400000" scaled="0"/>
+        </a:gradFill>
+        <a:gradFill rotWithShape="1">
+          <a:gsLst>
+            <a:gs pos="0">
+              <a:schemeClr val="phClr">
+                <a:tint val="90000"/>
+                <a:lumMod val="110000"/>
               </a:schemeClr>
             </a:gs>
             <a:gs pos="100000">
               <a:schemeClr val="phClr">
-                <a:shade val="63000"/>
-                <a:satMod val="120000"/>
+                <a:shade val="94000"/>
+                <a:lumMod val="96000"/>
               </a:schemeClr>
             </a:gs>
           </a:gsLst>
-          <a:lin ang="5400000" scaled="0"/>
+          <a:path path="circle">
+            <a:fillToRect l="50000" t="50000" r="100000" b="100000"/>
+          </a:path>
         </a:gradFill>
       </a:bgFillStyleLst>
     </a:fmtScheme>
@@ -8707,7 +11180,7 @@
   <a:extraClrSchemeLst/>
   <a:extLst>
     <a:ext uri="{05A4C25C-085E-4340-85A3-A5531E510DB2}">
-      <thm15:themeFamily xmlns:thm15="http://schemas.microsoft.com/office/thememl/2012/main" name="Office Theme" id="{62F939B6-93AF-4DB8-9C6B-D6C7DFDC589F}" vid="{4A3C46E8-61CC-4603-A589-7422A47A8E4A}"/>
+      <thm15:themeFamily xmlns:thm15="http://schemas.microsoft.com/office/thememl/2012/main" name="Facet" id="{C0C680CD-088A-49FC-A102-D699147F32B2}" vid="{CFBC31BA-B70F-4F30-BCAA-4F3011E16C4D}"/>
     </a:ext>
   </a:extLst>
 </a:theme>
